--- a/RED-BLv2.pptx
+++ b/RED-BLv2.pptx
@@ -6,7 +6,7 @@
     <p:sldMasterId id="2147483660" r:id="rId2"/>
   </p:sldMasterIdLst>
   <p:notesMasterIdLst>
-    <p:notesMasterId r:id="rId46"/>
+    <p:notesMasterId r:id="rId44"/>
   </p:notesMasterIdLst>
   <p:sldIdLst>
     <p:sldId id="256" r:id="rId3"/>
@@ -23,35 +23,33 @@
     <p:sldId id="263" r:id="rId14"/>
     <p:sldId id="271" r:id="rId15"/>
     <p:sldId id="273" r:id="rId16"/>
-    <p:sldId id="275" r:id="rId17"/>
-    <p:sldId id="276" r:id="rId18"/>
-    <p:sldId id="332" r:id="rId19"/>
-    <p:sldId id="284" r:id="rId20"/>
-    <p:sldId id="285" r:id="rId21"/>
-    <p:sldId id="286" r:id="rId22"/>
-    <p:sldId id="330" r:id="rId23"/>
-    <p:sldId id="315" r:id="rId24"/>
-    <p:sldId id="316" r:id="rId25"/>
-    <p:sldId id="317" r:id="rId26"/>
-    <p:sldId id="318" r:id="rId27"/>
-    <p:sldId id="301" r:id="rId28"/>
-    <p:sldId id="292" r:id="rId29"/>
-    <p:sldId id="295" r:id="rId30"/>
-    <p:sldId id="296" r:id="rId31"/>
-    <p:sldId id="298" r:id="rId32"/>
-    <p:sldId id="319" r:id="rId33"/>
-    <p:sldId id="299" r:id="rId34"/>
-    <p:sldId id="300" r:id="rId35"/>
-    <p:sldId id="320" r:id="rId36"/>
-    <p:sldId id="321" r:id="rId37"/>
-    <p:sldId id="297" r:id="rId38"/>
-    <p:sldId id="322" r:id="rId39"/>
-    <p:sldId id="323" r:id="rId40"/>
-    <p:sldId id="324" r:id="rId41"/>
-    <p:sldId id="325" r:id="rId42"/>
-    <p:sldId id="327" r:id="rId43"/>
-    <p:sldId id="328" r:id="rId44"/>
-    <p:sldId id="333" r:id="rId45"/>
+    <p:sldId id="335" r:id="rId17"/>
+    <p:sldId id="332" r:id="rId18"/>
+    <p:sldId id="285" r:id="rId19"/>
+    <p:sldId id="286" r:id="rId20"/>
+    <p:sldId id="330" r:id="rId21"/>
+    <p:sldId id="315" r:id="rId22"/>
+    <p:sldId id="316" r:id="rId23"/>
+    <p:sldId id="317" r:id="rId24"/>
+    <p:sldId id="318" r:id="rId25"/>
+    <p:sldId id="301" r:id="rId26"/>
+    <p:sldId id="292" r:id="rId27"/>
+    <p:sldId id="295" r:id="rId28"/>
+    <p:sldId id="296" r:id="rId29"/>
+    <p:sldId id="298" r:id="rId30"/>
+    <p:sldId id="319" r:id="rId31"/>
+    <p:sldId id="299" r:id="rId32"/>
+    <p:sldId id="300" r:id="rId33"/>
+    <p:sldId id="320" r:id="rId34"/>
+    <p:sldId id="321" r:id="rId35"/>
+    <p:sldId id="297" r:id="rId36"/>
+    <p:sldId id="322" r:id="rId37"/>
+    <p:sldId id="323" r:id="rId38"/>
+    <p:sldId id="324" r:id="rId39"/>
+    <p:sldId id="325" r:id="rId40"/>
+    <p:sldId id="327" r:id="rId41"/>
+    <p:sldId id="328" r:id="rId42"/>
+    <p:sldId id="333" r:id="rId43"/>
   </p:sldIdLst>
   <p:sldSz cx="9144000" cy="6858000" type="screen4x3"/>
   <p:notesSz cx="6858000" cy="9144000"/>
@@ -235,7 +233,7 @@
           <a:p>
             <a:fld id="{678139D8-14C9-44CC-9DDC-56A9AFE6F641}" type="datetimeFigureOut">
               <a:rPr lang="en-US" smtClean="0"/>
-              <a:t>2/2/2016</a:t>
+              <a:t>2/4/2016</a:t>
             </a:fld>
             <a:endParaRPr lang="en-US"/>
           </a:p>
@@ -903,99 +901,11 @@
           <a:p>
             <a:r>
               <a:rPr lang="en-US" dirty="0" smtClean="0"/>
-              <a:t>This model relates</a:t>
+              <a:t>To evaluate RED-BL for geo-divers</a:t>
             </a:r>
             <a:r>
               <a:rPr lang="en-US" baseline="0" dirty="0" smtClean="0"/>
-              <a:t> </a:t>
-            </a:r>
-            <a:r>
-              <a:rPr lang="en-US" dirty="0" smtClean="0"/>
-              <a:t>to the cost of state in the optimal state trajectory</a:t>
-            </a:r>
-            <a:r>
-              <a:rPr lang="en-US" baseline="0" dirty="0" smtClean="0"/>
-              <a:t> formulation. </a:t>
-            </a:r>
-            <a:r>
-              <a:rPr lang="en-US" dirty="0" smtClean="0"/>
-              <a:t>Let the power</a:t>
-            </a:r>
-            <a:r>
-              <a:rPr lang="en-US" baseline="0" dirty="0" smtClean="0"/>
-              <a:t> consumption of the entire network under peak workload be </a:t>
-            </a:r>
-            <a:r>
-              <a:rPr lang="en-US" baseline="0" dirty="0" err="1" smtClean="0"/>
-              <a:t>Pmax</a:t>
-            </a:r>
-            <a:r>
-              <a:rPr lang="en-US" baseline="0" dirty="0" smtClean="0"/>
-              <a:t> and that under no load be </a:t>
-            </a:r>
-            <a:r>
-              <a:rPr lang="en-US" baseline="0" dirty="0" err="1" smtClean="0"/>
-              <a:t>Pmin</a:t>
-            </a:r>
-            <a:r>
-              <a:rPr lang="en-US" baseline="0" dirty="0" smtClean="0"/>
-              <a:t>. Let the workload capacity of network site </a:t>
-            </a:r>
-            <a:r>
-              <a:rPr lang="en-US" baseline="0" dirty="0" err="1" smtClean="0"/>
-              <a:t>i</a:t>
-            </a:r>
-            <a:r>
-              <a:rPr lang="en-US" baseline="0" dirty="0" smtClean="0"/>
-              <a:t> normalized over the peak expected workload be ci. Since a site’s power consumption increases linearly with workload, each site has a contribution </a:t>
-            </a:r>
-            <a:r>
-              <a:rPr lang="en-US" baseline="0" dirty="0" err="1" smtClean="0"/>
-              <a:t>ciPmax</a:t>
-            </a:r>
-            <a:r>
-              <a:rPr lang="en-US" baseline="0" dirty="0" smtClean="0"/>
-              <a:t> to the network’s peak power consumption and similarly for the idle power consumption. If a fraction of workload </a:t>
-            </a:r>
-            <a:r>
-              <a:rPr lang="en-US" baseline="0" dirty="0" err="1" smtClean="0"/>
-              <a:t>xij</a:t>
-            </a:r>
-            <a:r>
-              <a:rPr lang="en-US" baseline="0" dirty="0" smtClean="0"/>
-              <a:t> is assigned to site </a:t>
-            </a:r>
-            <a:r>
-              <a:rPr lang="en-US" baseline="0" dirty="0" err="1" smtClean="0"/>
-              <a:t>i</a:t>
-            </a:r>
-            <a:r>
-              <a:rPr lang="en-US" baseline="0" dirty="0" smtClean="0"/>
-              <a:t> during interval j, then the site’s power consumption will be given by the above formula, which is the equation of a straight line in the slope intercept form. We don’t need absolute numbers for power consumption, so divide this expression by </a:t>
-            </a:r>
-            <a:r>
-              <a:rPr lang="en-US" baseline="0" dirty="0" err="1" smtClean="0"/>
-              <a:t>Pmax</a:t>
-            </a:r>
-            <a:r>
-              <a:rPr lang="en-US" baseline="0" dirty="0" smtClean="0"/>
-              <a:t> and substitute </a:t>
-            </a:r>
-            <a:r>
-              <a:rPr lang="en-US" baseline="0" dirty="0" err="1" smtClean="0"/>
-              <a:t>Pmin</a:t>
-            </a:r>
-            <a:r>
-              <a:rPr lang="en-US" baseline="0" dirty="0" smtClean="0"/>
-              <a:t>/</a:t>
-            </a:r>
-            <a:r>
-              <a:rPr lang="en-US" baseline="0" dirty="0" err="1" smtClean="0"/>
-              <a:t>Pmax</a:t>
-            </a:r>
-            <a:r>
-              <a:rPr lang="en-US" baseline="0" dirty="0" smtClean="0"/>
-              <a:t> = f gives us the simplified expression here which has two parts. One is the factor that is workload dependent and the other is the idle power consumption.</a:t>
+              <a:t>e data centers, we performed a simulation study which had the following setup. We used workload from three popular Facebook applications and normalized the cumulative workload. We verified that the characteristics of the cumulative workload resemble that of the workload for thousands of servers in a Google data center. We collected day-ahead electricity prices for 33 locations across the USA and simulated a weeklong deployment plan for the data centers situated at these locations. We compared RED-BL against a number of algorithms.</a:t>
             </a:r>
             <a:endParaRPr lang="en-US" dirty="0"/>
           </a:p>
@@ -1018,7 +928,7 @@
           <a:p>
             <a:fld id="{AC4C8082-06D5-434F-B0D3-36AEC474937D}" type="slidenum">
               <a:rPr lang="en-US" smtClean="0"/>
-              <a:t>15</a:t>
+              <a:t>17</a:t>
             </a:fld>
             <a:endParaRPr lang="en-US"/>
           </a:p>
@@ -1027,7 +937,7 @@
     </p:spTree>
     <p:extLst>
       <p:ext uri="{BB962C8B-B14F-4D97-AF65-F5344CB8AC3E}">
-        <p14:creationId xmlns:p14="http://schemas.microsoft.com/office/powerpoint/2010/main" val="193779554"/>
+        <p14:creationId xmlns:p14="http://schemas.microsoft.com/office/powerpoint/2010/main" val="3982735599"/>
       </p:ext>
     </p:extLst>
   </p:cSld>
@@ -1083,41 +993,19 @@
           <a:p>
             <a:r>
               <a:rPr lang="en-US" dirty="0" smtClean="0"/>
-              <a:t>The power consumption expression just</a:t>
+              <a:t>Let’s represent</a:t>
             </a:r>
             <a:r>
               <a:rPr lang="en-US" baseline="0" dirty="0" smtClean="0"/>
-              <a:t> derived applies to the network’s power consumption only if the site is active. So, we will multiply the expression with a term that ensures that an inactive site contributes nothing to the overall power consumption and an active site contributes to the overall power consumption according to the number of active sets of resources and the workload assigned to it. Let l be the number of resource sets that can be independently turned on/off at a site. Let </a:t>
-            </a:r>
-            <a:r>
-              <a:rPr lang="en-US" baseline="0" dirty="0" err="1" smtClean="0"/>
-              <a:t>pij</a:t>
+              <a:t> a deactivated data center using a dark circle and shading to represent the workload mapped to a data center. </a:t>
+            </a:r>
+            <a:r>
+              <a:rPr lang="en-US" dirty="0" smtClean="0"/>
+              <a:t>As a baseline,</a:t>
             </a:r>
             <a:r>
               <a:rPr lang="en-US" baseline="0" dirty="0" smtClean="0"/>
-              <a:t> be the number of resource sets that are presently active, then fraction </a:t>
-            </a:r>
-            <a:r>
-              <a:rPr lang="en-US" baseline="0" dirty="0" err="1" smtClean="0"/>
-              <a:t>pij</a:t>
-            </a:r>
-            <a:r>
-              <a:rPr lang="en-US" baseline="0" dirty="0" smtClean="0"/>
-              <a:t>/l of the maximum idling power for the site is contributed to the overall power consumption. Later on, we will show that the optimization problem will ensure that </a:t>
-            </a:r>
-            <a:r>
-              <a:rPr lang="en-US" baseline="0" dirty="0" err="1" smtClean="0"/>
-              <a:t>xij</a:t>
-            </a:r>
-            <a:r>
-              <a:rPr lang="en-US" baseline="0" dirty="0" smtClean="0"/>
-              <a:t> is non zero only if a site is on.</a:t>
-            </a:r>
-          </a:p>
-          <a:p>
-            <a:r>
-              <a:rPr lang="en-US" baseline="0" dirty="0" smtClean="0"/>
-              <a:t>So, that covers the state costs. Now, let’s see how we may model the transition costs.</a:t>
+              <a:t> we used UNIFORM, which distributes workload equally amongst all data centers and does not deactivate any data centers. STATIC_MIN assumes one large data center at the location which has the least average price over the planning horizon and assigns all workload to it. LI/LO/LD/LS are greedy algorithms that distribute workload amongst the sites based on electricity price, in a “cheapest site first” policy. LI keeps sites with no workload idling. LO deactivates sites that are idle but does not factor the transition cost while calculating the total electricity cost of the solution. LD always deactivates idle sites, whereas LS picks the cheaper of the two choices: whether to deactivate an idle site or keep it idling.</a:t>
             </a:r>
             <a:endParaRPr lang="en-US" dirty="0"/>
           </a:p>
@@ -1140,7 +1028,7 @@
           <a:p>
             <a:fld id="{AC4C8082-06D5-434F-B0D3-36AEC474937D}" type="slidenum">
               <a:rPr lang="en-US" smtClean="0"/>
-              <a:t>16</a:t>
+              <a:t>18</a:t>
             </a:fld>
             <a:endParaRPr lang="en-US"/>
           </a:p>
@@ -1149,7 +1037,7 @@
     </p:spTree>
     <p:extLst>
       <p:ext uri="{BB962C8B-B14F-4D97-AF65-F5344CB8AC3E}">
-        <p14:creationId xmlns:p14="http://schemas.microsoft.com/office/powerpoint/2010/main" val="1806345542"/>
+        <p14:creationId xmlns:p14="http://schemas.microsoft.com/office/powerpoint/2010/main" val="1020965515"/>
       </p:ext>
     </p:extLst>
   </p:cSld>
@@ -1205,13 +1093,13 @@
           <a:p>
             <a:r>
               <a:rPr lang="en-US" dirty="0" smtClean="0"/>
-              <a:t>Some electric load in a data center may not be switched off and is called inelastic. For</a:t>
+              <a:t>As</a:t>
             </a:r>
             <a:r>
               <a:rPr lang="en-US" baseline="0" dirty="0" smtClean="0"/>
-              <a:t> instance, power needs to remain available everywhere so that elastic load may be switched on as needed. If cooling were shut down, it would take on the order of an hour to bring the facility’s ambient temperature back to acceptable levels. So, it is not advisable to shut off cooling. If we turned off the network equipment and brought it back up again, it would take several minutes for the network to converge. Furthermore, the servers that remain online to handle unexpected workload would require the data center network equipment to be up and running. Other servers and associated server may be turned off, hibernated or put to sleep mode to save power. Note that these power saving strategies have diminishing power saving value. On the other hand, the time required to bring the resource back up improves. Thus, the transition cost associated with turn off are highest whereas that for low-power mode is lowest, hibernate being intermediate.</a:t>
-            </a:r>
-            <a:endParaRPr lang="en-US" dirty="0" smtClean="0"/>
+              <a:t> the magnitude of transition overheads compared to the cost of handling workload increases, we see that the percentage savings in electricity cost decrease for all algorithms. RED-BL achieves close to the ideal lower bound electricity cost savings, whereas the best variants of the greedy algorithm scale worse than RED-BL.</a:t>
+            </a:r>
+            <a:endParaRPr lang="en-US" dirty="0"/>
           </a:p>
         </p:txBody>
       </p:sp>
@@ -1232,7 +1120,7 @@
           <a:p>
             <a:fld id="{AC4C8082-06D5-434F-B0D3-36AEC474937D}" type="slidenum">
               <a:rPr lang="en-US" smtClean="0"/>
-              <a:t>18</a:t>
+              <a:t>20</a:t>
             </a:fld>
             <a:endParaRPr lang="en-US"/>
           </a:p>
@@ -1241,7 +1129,7 @@
     </p:spTree>
     <p:extLst>
       <p:ext uri="{BB962C8B-B14F-4D97-AF65-F5344CB8AC3E}">
-        <p14:creationId xmlns:p14="http://schemas.microsoft.com/office/powerpoint/2010/main" val="3579704073"/>
+        <p14:creationId xmlns:p14="http://schemas.microsoft.com/office/powerpoint/2010/main" val="2055791410"/>
       </p:ext>
     </p:extLst>
   </p:cSld>
@@ -1297,11 +1185,27 @@
           <a:p>
             <a:r>
               <a:rPr lang="en-US" dirty="0" smtClean="0"/>
-              <a:t>To evaluate RED-BL for geo-divers</a:t>
+              <a:t>Now, let’s see</a:t>
             </a:r>
             <a:r>
               <a:rPr lang="en-US" baseline="0" dirty="0" smtClean="0"/>
-              <a:t>e data centers, we performed a simulation study which had the following setup. We used workload from three popular Facebook applications and normalized the cumulative workload. We verified that the characteristics of the cumulative workload resemble that of the workload for thousands of servers in a Google data center. We collected day-ahead electricity prices for 33 locations across the USA and simulated a weeklong deployment plan for the data centers situated at these locations. We compared RED-BL against a number of algorithms.</a:t>
+              <a:t> how RED-BL energy savings would improve if we allowed independent (de)activation of fixed size fractions of a data center. </a:t>
+            </a:r>
+            <a:r>
+              <a:rPr lang="en-US" dirty="0" smtClean="0"/>
+              <a:t>The extreme right </a:t>
+            </a:r>
+            <a:r>
+              <a:rPr lang="en-US" dirty="0" err="1" smtClean="0"/>
+              <a:t>handside</a:t>
+            </a:r>
+            <a:r>
+              <a:rPr lang="en-US" dirty="0" smtClean="0"/>
+              <a:t> of this graph represents the case where you can only (de)activate</a:t>
+            </a:r>
+            <a:r>
+              <a:rPr lang="en-US" baseline="0" dirty="0" smtClean="0"/>
+              <a:t> an entire data center at a time. This is 0% better than the standard “all or nothing” RED-BL, because it is the same thing. If we were able to (de)activate half a data center at a time, we could do about 2.5% better than standard RED-BL. If we were able to independently (de)activate 10% of a data center at a time, we could do 5% better than standard RED-BL. So, there is opportunity for greater savings with granular (de)activation and it has a linear trend.</a:t>
             </a:r>
             <a:endParaRPr lang="en-US" dirty="0"/>
           </a:p>
@@ -1324,7 +1228,7 @@
           <a:p>
             <a:fld id="{AC4C8082-06D5-434F-B0D3-36AEC474937D}" type="slidenum">
               <a:rPr lang="en-US" smtClean="0"/>
-              <a:t>19</a:t>
+              <a:t>21</a:t>
             </a:fld>
             <a:endParaRPr lang="en-US"/>
           </a:p>
@@ -1333,7 +1237,7 @@
     </p:spTree>
     <p:extLst>
       <p:ext uri="{BB962C8B-B14F-4D97-AF65-F5344CB8AC3E}">
-        <p14:creationId xmlns:p14="http://schemas.microsoft.com/office/powerpoint/2010/main" val="3982735599"/>
+        <p14:creationId xmlns:p14="http://schemas.microsoft.com/office/powerpoint/2010/main" val="2049289731"/>
       </p:ext>
     </p:extLst>
   </p:cSld>
@@ -1389,19 +1293,19 @@
           <a:p>
             <a:r>
               <a:rPr lang="en-US" dirty="0" smtClean="0"/>
-              <a:t>Let’s represent</a:t>
+              <a:t>If,</a:t>
             </a:r>
             <a:r>
               <a:rPr lang="en-US" baseline="0" dirty="0" smtClean="0"/>
-              <a:t> a deactivated data center using a dark circle and shading to represent the workload mapped to a data center. </a:t>
+              <a:t> instead of s</a:t>
             </a:r>
             <a:r>
               <a:rPr lang="en-US" dirty="0" smtClean="0"/>
-              <a:t>As a baseline,</a:t>
+              <a:t>hutting down an</a:t>
             </a:r>
             <a:r>
               <a:rPr lang="en-US" baseline="0" dirty="0" smtClean="0"/>
-              <a:t> we used UNIFORM, which distributes workload equally amongst all data centers and does not deactivate any data centers. STATIC_MIN assumes one large data center at the location which has the least average price over the planning horizon and assigns all workload to it. LI/LO/LD/LS are greedy algorithms that distribute workload amongst the sites based on electricity price, in a “cheapest site first” policy. LI keeps sites with no workload idling. LO deactivates sites that are idle but does not factor the transition cost while calculating the total electricity cost of the solution. LD always deactivates idle sites, whereas LS picks the cheaper of the two choices: whether to deactivate an idle site or keep it idling.</a:t>
+              <a:t> entire data center, we switch the servers into lower-power mode using DVFS techniques, the power savings might reduce, but the scheme would be more agile to workload variations. Here, we see that the power consumption drops linear as the power consumption is lowered with DVFS. If the server power consumption drops to 10% of the peak, the data center power consumption would be reduced by about 70%. Another data point is that if we put all “idle” servers at 50% power consumption, we achieve about 20% power reduction.</a:t>
             </a:r>
             <a:endParaRPr lang="en-US" dirty="0"/>
           </a:p>
@@ -1424,7 +1328,7 @@
           <a:p>
             <a:fld id="{AC4C8082-06D5-434F-B0D3-36AEC474937D}" type="slidenum">
               <a:rPr lang="en-US" smtClean="0"/>
-              <a:t>20</a:t>
+              <a:t>22</a:t>
             </a:fld>
             <a:endParaRPr lang="en-US"/>
           </a:p>
@@ -1433,7 +1337,7 @@
     </p:spTree>
     <p:extLst>
       <p:ext uri="{BB962C8B-B14F-4D97-AF65-F5344CB8AC3E}">
-        <p14:creationId xmlns:p14="http://schemas.microsoft.com/office/powerpoint/2010/main" val="1020965515"/>
+        <p14:creationId xmlns:p14="http://schemas.microsoft.com/office/powerpoint/2010/main" val="764786394"/>
       </p:ext>
     </p:extLst>
   </p:cSld>
@@ -1489,11 +1393,21 @@
           <a:p>
             <a:r>
               <a:rPr lang="en-US" dirty="0" smtClean="0"/>
-              <a:t>As</a:t>
+              <a:t>To</a:t>
             </a:r>
             <a:r>
               <a:rPr lang="en-US" baseline="0" dirty="0" smtClean="0"/>
-              <a:t> the magnitude of transition overheads compared to the cost of handling workload increases, we see that the percentage savings in electricity cost decrease for all algorithms. RED-BL achieves close to the ideal lower bound electricity cost savings, whereas the best variants of the greedy algorithm scale worse than RED-BL.</a:t>
+              <a:t> be prepared for some stray workload at data centers which we planned to deactivate, we’ll keep some servers on as reserve. As we increase the amount of serving capacity in reserve mode, the difference in power consumption will increase compared to the scenario where we did not keep any reserve capacity.</a:t>
+            </a:r>
+          </a:p>
+          <a:p>
+            <a:r>
+              <a:rPr lang="en-US" baseline="0" dirty="0" smtClean="0"/>
+              <a:t>Exactly how much “stray” traffic we receive can’t be predicted. In this chart, the lower line shows the situation where we don’t receive any stray traffic at all. The power consumption in that case is purely due to servers idling. The upper line represents the situation where we need all the reserve capacity for handling stray traffic. The actual situation may be somewhere </a:t>
+            </a:r>
+            <a:r>
+              <a:rPr lang="en-US" baseline="0" smtClean="0"/>
+              <a:t>in between.</a:t>
             </a:r>
             <a:endParaRPr lang="en-US" dirty="0"/>
           </a:p>
@@ -1516,7 +1430,7 @@
           <a:p>
             <a:fld id="{AC4C8082-06D5-434F-B0D3-36AEC474937D}" type="slidenum">
               <a:rPr lang="en-US" smtClean="0"/>
-              <a:t>22</a:t>
+              <a:t>23</a:t>
             </a:fld>
             <a:endParaRPr lang="en-US"/>
           </a:p>
@@ -1525,7 +1439,7 @@
     </p:spTree>
     <p:extLst>
       <p:ext uri="{BB962C8B-B14F-4D97-AF65-F5344CB8AC3E}">
-        <p14:creationId xmlns:p14="http://schemas.microsoft.com/office/powerpoint/2010/main" val="2055791410"/>
+        <p14:creationId xmlns:p14="http://schemas.microsoft.com/office/powerpoint/2010/main" val="690691784"/>
       </p:ext>
     </p:extLst>
   </p:cSld>
@@ -1581,27 +1495,11 @@
           <a:p>
             <a:r>
               <a:rPr lang="en-US" dirty="0" smtClean="0"/>
-              <a:t>Now, let’s see</a:t>
+              <a:t>Marsan et al proposed to shutdown</a:t>
             </a:r>
             <a:r>
               <a:rPr lang="en-US" baseline="0" dirty="0" smtClean="0"/>
-              <a:t> how RED-BL energy savings would improve if we allowed independent (de)activation of fixed size fractions of a data center. </a:t>
-            </a:r>
-            <a:r>
-              <a:rPr lang="en-US" dirty="0" smtClean="0"/>
-              <a:t>The extreme right </a:t>
-            </a:r>
-            <a:r>
-              <a:rPr lang="en-US" dirty="0" err="1" smtClean="0"/>
-              <a:t>handside</a:t>
-            </a:r>
-            <a:r>
-              <a:rPr lang="en-US" dirty="0" smtClean="0"/>
-              <a:t> of this graph represents the case where you can only (de)activate</a:t>
-            </a:r>
-            <a:r>
-              <a:rPr lang="en-US" baseline="0" dirty="0" smtClean="0"/>
-              <a:t> an entire data center at a time. This is 0% better than the standard “all or nothing” RED-BL, because it is the same thing. If we were able to (de)activate half a data center at a time, we could do about 2.5% better than standard RED-BL. If we were able to independently (de)activate 10% of a data center at a time, we could do 5% better than standard RED-BL. So, there is opportunity for greater savings with granular (de)activation and it has a linear trend.</a:t>
+              <a:t> some BTSs during low traffic regimes. The problem with this approach is that it risks user churn which is something operators can’t afford in the present day competition. Tipper et al. proposed to shutdown some frequencies, which is part of what we propose, i.e., RP. In addition, we couple WR, i.e., call handoffs. </a:t>
             </a:r>
             <a:endParaRPr lang="en-US" dirty="0"/>
           </a:p>
@@ -1624,7 +1522,7 @@
           <a:p>
             <a:fld id="{AC4C8082-06D5-434F-B0D3-36AEC474937D}" type="slidenum">
               <a:rPr lang="en-US" smtClean="0"/>
-              <a:t>23</a:t>
+              <a:t>25</a:t>
             </a:fld>
             <a:endParaRPr lang="en-US"/>
           </a:p>
@@ -1633,7 +1531,7 @@
     </p:spTree>
     <p:extLst>
       <p:ext uri="{BB962C8B-B14F-4D97-AF65-F5344CB8AC3E}">
-        <p14:creationId xmlns:p14="http://schemas.microsoft.com/office/powerpoint/2010/main" val="2049289731"/>
+        <p14:creationId xmlns:p14="http://schemas.microsoft.com/office/powerpoint/2010/main" val="14549514"/>
       </p:ext>
     </p:extLst>
   </p:cSld>
@@ -1689,19 +1587,27 @@
           <a:p>
             <a:r>
               <a:rPr lang="en-US" dirty="0" smtClean="0"/>
-              <a:t>If,</a:t>
+              <a:t>Consider this</a:t>
             </a:r>
             <a:r>
               <a:rPr lang="en-US" baseline="0" dirty="0" smtClean="0"/>
-              <a:t> instead of s</a:t>
-            </a:r>
-            <a:r>
-              <a:rPr lang="en-US" dirty="0" smtClean="0"/>
-              <a:t>hutting down an</a:t>
+              <a:t> scenario with eight callers and three </a:t>
+            </a:r>
+            <a:r>
+              <a:rPr lang="en-US" baseline="0" dirty="0" err="1" smtClean="0"/>
+              <a:t>BTSs.</a:t>
             </a:r>
             <a:r>
               <a:rPr lang="en-US" baseline="0" dirty="0" smtClean="0"/>
-              <a:t> entire data center, we switch the servers into lower-power mode using DVFS techniques, the power savings might reduce, but the scheme would be more agile to workload variations. Here, we see that the power consumption drops linear as the power consumption is lowered with DVFS. If the server power consumption drops to 10% of the peak, the data center power consumption would be reduced by about 70%. Another data point is that if we put all “idle” servers at 50% power consumption, we achieve about 20% power reduction.</a:t>
+              <a:t> Suppose for instance, that power saving can be enabled if there are </a:t>
+            </a:r>
+            <a:r>
+              <a:rPr lang="en-US" baseline="0" dirty="0" err="1" smtClean="0"/>
+              <a:t>upto</a:t>
+            </a:r>
+            <a:r>
+              <a:rPr lang="en-US" baseline="0" dirty="0" smtClean="0"/>
+              <a:t> two calls on a BTS. According to the default situation, only one BTS may be placed in power saving mode. However, if we hand off some of the calls without overwhelming any BTS, we may put two BTSs in power saving mode, resulting in greater energy savings. This motivates that RP in conjunction with WR can achieve greater savings in cellular networks. This optimization is a discrete optimization, which we have shown to be NP-Hard.</a:t>
             </a:r>
             <a:endParaRPr lang="en-US" dirty="0"/>
           </a:p>
@@ -1724,7 +1630,7 @@
           <a:p>
             <a:fld id="{AC4C8082-06D5-434F-B0D3-36AEC474937D}" type="slidenum">
               <a:rPr lang="en-US" smtClean="0"/>
-              <a:t>24</a:t>
+              <a:t>26</a:t>
             </a:fld>
             <a:endParaRPr lang="en-US"/>
           </a:p>
@@ -1733,7 +1639,7 @@
     </p:spTree>
     <p:extLst>
       <p:ext uri="{BB962C8B-B14F-4D97-AF65-F5344CB8AC3E}">
-        <p14:creationId xmlns:p14="http://schemas.microsoft.com/office/powerpoint/2010/main" val="764786394"/>
+        <p14:creationId xmlns:p14="http://schemas.microsoft.com/office/powerpoint/2010/main" val="3369149021"/>
       </p:ext>
     </p:extLst>
   </p:cSld>
@@ -1801,11 +1707,7 @@
             </a:r>
             <a:r>
               <a:rPr lang="en-US" baseline="0" dirty="0" smtClean="0"/>
-              <a:t> like web based email and online social networking, but deploying and running the networks that enable these services costs a significant amount of money. According to a study conducted in 2010, a typical cell site can cost as much as $ 550,000. In 2013, Google announced building a data center in Iowa at a cost of $400 Million. But that’s just the capital cost of establishing the network infrastructure. The recurring operations cost is significant, too</a:t>
-            </a:r>
-            <a:r>
-              <a:rPr lang="en-US" baseline="0" dirty="0" smtClean="0"/>
-              <a:t>. </a:t>
+              <a:t> like web based email and online social networking, but deploying and running the networks that enable these services costs a significant amount of money. According to a study conducted in 2010, a typical cell site can cost as much as $ 550,000. In 2013, Google announced building a data center in Iowa at a cost of $400 Million. But that’s just the capital cost of establishing the network infrastructure. The recurring operations cost is significant, too. </a:t>
             </a:r>
           </a:p>
           <a:p>
@@ -1899,21 +1801,19 @@
           <a:p>
             <a:r>
               <a:rPr lang="en-US" dirty="0" smtClean="0"/>
-              <a:t>To</a:t>
+              <a:t>But can we really hand off calls to achieve greater savings? The answer, from datasets collected from live networks, is yes.</a:t>
             </a:r>
             <a:r>
               <a:rPr lang="en-US" baseline="0" dirty="0" smtClean="0"/>
-              <a:t> be prepared for some stray workload at data centers which we planned to deactivate, we’ll keep some servers on as reserve. As we increase the amount of serving capacity in reserve mode, the difference in power consumption will increase compared to the scenario where we did not keep any reserve capacity.</a:t>
-            </a:r>
-          </a:p>
-          <a:p>
+              <a:t> As we can see about 50% callers have 3 or more candidate </a:t>
+            </a:r>
+            <a:r>
+              <a:rPr lang="en-US" baseline="0" dirty="0" err="1" smtClean="0"/>
+              <a:t>BTSs.</a:t>
+            </a:r>
             <a:r>
               <a:rPr lang="en-US" baseline="0" dirty="0" smtClean="0"/>
-              <a:t>Exactly how much “stray” traffic we receive can’t be predicted. In this chart, the lower line shows the situation where we don’t receive any stray traffic at all. The power consumption in that case is purely due to servers idling. The upper line represents the situation where we need all the reserve capacity for handling stray traffic. The actual situation may be somewhere </a:t>
-            </a:r>
-            <a:r>
-              <a:rPr lang="en-US" baseline="0" smtClean="0"/>
-              <a:t>in between.</a:t>
+              <a:t> </a:t>
             </a:r>
             <a:endParaRPr lang="en-US" dirty="0"/>
           </a:p>
@@ -1936,307 +1836,7 @@
           <a:p>
             <a:fld id="{AC4C8082-06D5-434F-B0D3-36AEC474937D}" type="slidenum">
               <a:rPr lang="en-US" smtClean="0"/>
-              <a:t>25</a:t>
-            </a:fld>
-            <a:endParaRPr lang="en-US"/>
-          </a:p>
-        </p:txBody>
-      </p:sp>
-    </p:spTree>
-    <p:extLst>
-      <p:ext uri="{BB962C8B-B14F-4D97-AF65-F5344CB8AC3E}">
-        <p14:creationId xmlns:p14="http://schemas.microsoft.com/office/powerpoint/2010/main" val="690691784"/>
-      </p:ext>
-    </p:extLst>
-  </p:cSld>
-  <p:clrMapOvr>
-    <a:masterClrMapping/>
-  </p:clrMapOvr>
-</p:notes>
-</file>
-
-<file path=ppt/notesSlides/notesSlide21.xml><?xml version="1.0" encoding="utf-8"?>
-<p:notes xmlns:a="http://schemas.openxmlformats.org/drawingml/2006/main" xmlns:r="http://schemas.openxmlformats.org/officeDocument/2006/relationships" xmlns:p="http://schemas.openxmlformats.org/presentationml/2006/main">
-  <p:cSld>
-    <p:spTree>
-      <p:nvGrpSpPr>
-        <p:cNvPr id="1" name=""/>
-        <p:cNvGrpSpPr/>
-        <p:nvPr/>
-      </p:nvGrpSpPr>
-      <p:grpSpPr>
-        <a:xfrm>
-          <a:off x="0" y="0"/>
-          <a:ext cx="0" cy="0"/>
-          <a:chOff x="0" y="0"/>
-          <a:chExt cx="0" cy="0"/>
-        </a:xfrm>
-      </p:grpSpPr>
-      <p:sp>
-        <p:nvSpPr>
-          <p:cNvPr id="2" name="Slide Image Placeholder 1"/>
-          <p:cNvSpPr>
-            <a:spLocks noGrp="1" noRot="1" noChangeAspect="1"/>
-          </p:cNvSpPr>
-          <p:nvPr>
-            <p:ph type="sldImg"/>
-          </p:nvPr>
-        </p:nvSpPr>
-        <p:spPr/>
-      </p:sp>
-      <p:sp>
-        <p:nvSpPr>
-          <p:cNvPr id="3" name="Notes Placeholder 2"/>
-          <p:cNvSpPr>
-            <a:spLocks noGrp="1"/>
-          </p:cNvSpPr>
-          <p:nvPr>
-            <p:ph type="body" idx="1"/>
-          </p:nvPr>
-        </p:nvSpPr>
-        <p:spPr/>
-        <p:txBody>
-          <a:bodyPr/>
-          <a:lstStyle/>
-          <a:p>
-            <a:r>
-              <a:rPr lang="en-US" dirty="0" smtClean="0"/>
-              <a:t>Marsan et al proposed to shutdown</a:t>
-            </a:r>
-            <a:r>
-              <a:rPr lang="en-US" baseline="0" dirty="0" smtClean="0"/>
-              <a:t> some BTSs during low traffic regimes. The problem with this approach is that it risks user churn which is something operators can’t afford in the present day competition. Tipper et al. proposed to shutdown some frequencies, which is part of what we propose, i.e., RP. In addition, we couple WR, i.e., call handoffs. </a:t>
-            </a:r>
-            <a:endParaRPr lang="en-US" dirty="0"/>
-          </a:p>
-        </p:txBody>
-      </p:sp>
-      <p:sp>
-        <p:nvSpPr>
-          <p:cNvPr id="4" name="Slide Number Placeholder 3"/>
-          <p:cNvSpPr>
-            <a:spLocks noGrp="1"/>
-          </p:cNvSpPr>
-          <p:nvPr>
-            <p:ph type="sldNum" sz="quarter" idx="10"/>
-          </p:nvPr>
-        </p:nvSpPr>
-        <p:spPr/>
-        <p:txBody>
-          <a:bodyPr/>
-          <a:lstStyle/>
-          <a:p>
-            <a:fld id="{AC4C8082-06D5-434F-B0D3-36AEC474937D}" type="slidenum">
-              <a:rPr lang="en-US" smtClean="0"/>
               <a:t>27</a:t>
-            </a:fld>
-            <a:endParaRPr lang="en-US"/>
-          </a:p>
-        </p:txBody>
-      </p:sp>
-    </p:spTree>
-    <p:extLst>
-      <p:ext uri="{BB962C8B-B14F-4D97-AF65-F5344CB8AC3E}">
-        <p14:creationId xmlns:p14="http://schemas.microsoft.com/office/powerpoint/2010/main" val="14549514"/>
-      </p:ext>
-    </p:extLst>
-  </p:cSld>
-  <p:clrMapOvr>
-    <a:masterClrMapping/>
-  </p:clrMapOvr>
-</p:notes>
-</file>
-
-<file path=ppt/notesSlides/notesSlide22.xml><?xml version="1.0" encoding="utf-8"?>
-<p:notes xmlns:a="http://schemas.openxmlformats.org/drawingml/2006/main" xmlns:r="http://schemas.openxmlformats.org/officeDocument/2006/relationships" xmlns:p="http://schemas.openxmlformats.org/presentationml/2006/main">
-  <p:cSld>
-    <p:spTree>
-      <p:nvGrpSpPr>
-        <p:cNvPr id="1" name=""/>
-        <p:cNvGrpSpPr/>
-        <p:nvPr/>
-      </p:nvGrpSpPr>
-      <p:grpSpPr>
-        <a:xfrm>
-          <a:off x="0" y="0"/>
-          <a:ext cx="0" cy="0"/>
-          <a:chOff x="0" y="0"/>
-          <a:chExt cx="0" cy="0"/>
-        </a:xfrm>
-      </p:grpSpPr>
-      <p:sp>
-        <p:nvSpPr>
-          <p:cNvPr id="2" name="Slide Image Placeholder 1"/>
-          <p:cNvSpPr>
-            <a:spLocks noGrp="1" noRot="1" noChangeAspect="1"/>
-          </p:cNvSpPr>
-          <p:nvPr>
-            <p:ph type="sldImg"/>
-          </p:nvPr>
-        </p:nvSpPr>
-        <p:spPr/>
-      </p:sp>
-      <p:sp>
-        <p:nvSpPr>
-          <p:cNvPr id="3" name="Notes Placeholder 2"/>
-          <p:cNvSpPr>
-            <a:spLocks noGrp="1"/>
-          </p:cNvSpPr>
-          <p:nvPr>
-            <p:ph type="body" idx="1"/>
-          </p:nvPr>
-        </p:nvSpPr>
-        <p:spPr/>
-        <p:txBody>
-          <a:bodyPr/>
-          <a:lstStyle/>
-          <a:p>
-            <a:r>
-              <a:rPr lang="en-US" dirty="0" smtClean="0"/>
-              <a:t>Consider this</a:t>
-            </a:r>
-            <a:r>
-              <a:rPr lang="en-US" baseline="0" dirty="0" smtClean="0"/>
-              <a:t> scenario with eight callers and three </a:t>
-            </a:r>
-            <a:r>
-              <a:rPr lang="en-US" baseline="0" dirty="0" err="1" smtClean="0"/>
-              <a:t>BTSs.</a:t>
-            </a:r>
-            <a:r>
-              <a:rPr lang="en-US" baseline="0" dirty="0" smtClean="0"/>
-              <a:t> Suppose for instance, that power saving can be enabled if there are </a:t>
-            </a:r>
-            <a:r>
-              <a:rPr lang="en-US" baseline="0" dirty="0" err="1" smtClean="0"/>
-              <a:t>upto</a:t>
-            </a:r>
-            <a:r>
-              <a:rPr lang="en-US" baseline="0" dirty="0" smtClean="0"/>
-              <a:t> two calls on a BTS. According to the default situation, only one BTS may be placed in power saving mode. However, if we hand off some of the calls without overwhelming any BTS, we may put two BTSs in power saving mode, resulting in greater energy savings. This motivates that RP in conjunction with WR can achieve greater savings in cellular networks. This optimization is a discrete optimization, which we have shown to be NP-Hard.</a:t>
-            </a:r>
-            <a:endParaRPr lang="en-US" dirty="0"/>
-          </a:p>
-        </p:txBody>
-      </p:sp>
-      <p:sp>
-        <p:nvSpPr>
-          <p:cNvPr id="4" name="Slide Number Placeholder 3"/>
-          <p:cNvSpPr>
-            <a:spLocks noGrp="1"/>
-          </p:cNvSpPr>
-          <p:nvPr>
-            <p:ph type="sldNum" sz="quarter" idx="10"/>
-          </p:nvPr>
-        </p:nvSpPr>
-        <p:spPr/>
-        <p:txBody>
-          <a:bodyPr/>
-          <a:lstStyle/>
-          <a:p>
-            <a:fld id="{AC4C8082-06D5-434F-B0D3-36AEC474937D}" type="slidenum">
-              <a:rPr lang="en-US" smtClean="0"/>
-              <a:t>28</a:t>
-            </a:fld>
-            <a:endParaRPr lang="en-US"/>
-          </a:p>
-        </p:txBody>
-      </p:sp>
-    </p:spTree>
-    <p:extLst>
-      <p:ext uri="{BB962C8B-B14F-4D97-AF65-F5344CB8AC3E}">
-        <p14:creationId xmlns:p14="http://schemas.microsoft.com/office/powerpoint/2010/main" val="3369149021"/>
-      </p:ext>
-    </p:extLst>
-  </p:cSld>
-  <p:clrMapOvr>
-    <a:masterClrMapping/>
-  </p:clrMapOvr>
-</p:notes>
-</file>
-
-<file path=ppt/notesSlides/notesSlide23.xml><?xml version="1.0" encoding="utf-8"?>
-<p:notes xmlns:a="http://schemas.openxmlformats.org/drawingml/2006/main" xmlns:r="http://schemas.openxmlformats.org/officeDocument/2006/relationships" xmlns:p="http://schemas.openxmlformats.org/presentationml/2006/main">
-  <p:cSld>
-    <p:spTree>
-      <p:nvGrpSpPr>
-        <p:cNvPr id="1" name=""/>
-        <p:cNvGrpSpPr/>
-        <p:nvPr/>
-      </p:nvGrpSpPr>
-      <p:grpSpPr>
-        <a:xfrm>
-          <a:off x="0" y="0"/>
-          <a:ext cx="0" cy="0"/>
-          <a:chOff x="0" y="0"/>
-          <a:chExt cx="0" cy="0"/>
-        </a:xfrm>
-      </p:grpSpPr>
-      <p:sp>
-        <p:nvSpPr>
-          <p:cNvPr id="2" name="Slide Image Placeholder 1"/>
-          <p:cNvSpPr>
-            <a:spLocks noGrp="1" noRot="1" noChangeAspect="1"/>
-          </p:cNvSpPr>
-          <p:nvPr>
-            <p:ph type="sldImg"/>
-          </p:nvPr>
-        </p:nvSpPr>
-        <p:spPr/>
-      </p:sp>
-      <p:sp>
-        <p:nvSpPr>
-          <p:cNvPr id="3" name="Notes Placeholder 2"/>
-          <p:cNvSpPr>
-            <a:spLocks noGrp="1"/>
-          </p:cNvSpPr>
-          <p:nvPr>
-            <p:ph type="body" idx="1"/>
-          </p:nvPr>
-        </p:nvSpPr>
-        <p:spPr/>
-        <p:txBody>
-          <a:bodyPr/>
-          <a:lstStyle/>
-          <a:p>
-            <a:r>
-              <a:rPr lang="en-US" dirty="0" smtClean="0"/>
-              <a:t>But can we really hand off calls to achieve greater savings? The answer, from datasets collected from live networks, is yes.</a:t>
-            </a:r>
-            <a:r>
-              <a:rPr lang="en-US" baseline="0" dirty="0" smtClean="0"/>
-              <a:t> As we can see about 50% callers have 3 or more candidate </a:t>
-            </a:r>
-            <a:r>
-              <a:rPr lang="en-US" baseline="0" dirty="0" err="1" smtClean="0"/>
-              <a:t>BTSs.</a:t>
-            </a:r>
-            <a:r>
-              <a:rPr lang="en-US" baseline="0" dirty="0" smtClean="0"/>
-              <a:t> </a:t>
-            </a:r>
-            <a:endParaRPr lang="en-US" dirty="0"/>
-          </a:p>
-        </p:txBody>
-      </p:sp>
-      <p:sp>
-        <p:nvSpPr>
-          <p:cNvPr id="4" name="Slide Number Placeholder 3"/>
-          <p:cNvSpPr>
-            <a:spLocks noGrp="1"/>
-          </p:cNvSpPr>
-          <p:nvPr>
-            <p:ph type="sldNum" sz="quarter" idx="10"/>
-          </p:nvPr>
-        </p:nvSpPr>
-        <p:spPr/>
-        <p:txBody>
-          <a:bodyPr/>
-          <a:lstStyle/>
-          <a:p>
-            <a:fld id="{AC4C8082-06D5-434F-B0D3-36AEC474937D}" type="slidenum">
-              <a:rPr lang="en-US" smtClean="0"/>
-              <a:t>29</a:t>
             </a:fld>
             <a:endParaRPr lang="en-US"/>
           </a:p>
@@ -3192,7 +2792,7 @@
           <a:p>
             <a:fld id="{9B9C6BD3-A386-45A9-B437-ACD036466786}" type="datetimeFigureOut">
               <a:rPr lang="en-US" smtClean="0"/>
-              <a:t>2/2/2016</a:t>
+              <a:t>2/4/2016</a:t>
             </a:fld>
             <a:endParaRPr lang="en-US"/>
           </a:p>
@@ -3362,7 +2962,7 @@
           <a:p>
             <a:fld id="{9B9C6BD3-A386-45A9-B437-ACD036466786}" type="datetimeFigureOut">
               <a:rPr lang="en-US" smtClean="0"/>
-              <a:t>2/2/2016</a:t>
+              <a:t>2/4/2016</a:t>
             </a:fld>
             <a:endParaRPr lang="en-US"/>
           </a:p>
@@ -3542,7 +3142,7 @@
           <a:p>
             <a:fld id="{9B9C6BD3-A386-45A9-B437-ACD036466786}" type="datetimeFigureOut">
               <a:rPr lang="en-US" smtClean="0"/>
-              <a:t>2/2/2016</a:t>
+              <a:t>2/4/2016</a:t>
             </a:fld>
             <a:endParaRPr lang="en-US"/>
           </a:p>
@@ -3791,7 +3391,7 @@
                 </a:solidFill>
               </a:rPr>
               <a:pPr/>
-              <a:t>2/2/2016</a:t>
+              <a:t>2/4/2016</a:t>
             </a:fld>
             <a:endParaRPr lang="en-US">
               <a:solidFill>
@@ -3993,7 +3593,7 @@
                 </a:solidFill>
               </a:rPr>
               <a:pPr/>
-              <a:t>2/2/2016</a:t>
+              <a:t>2/4/2016</a:t>
             </a:fld>
             <a:endParaRPr lang="en-US">
               <a:solidFill>
@@ -4271,7 +3871,7 @@
                 </a:solidFill>
               </a:rPr>
               <a:pPr/>
-              <a:t>2/2/2016</a:t>
+              <a:t>2/4/2016</a:t>
             </a:fld>
             <a:endParaRPr lang="en-US">
               <a:solidFill>
@@ -4591,7 +4191,7 @@
                 </a:solidFill>
               </a:rPr>
               <a:pPr/>
-              <a:t>2/2/2016</a:t>
+              <a:t>2/4/2016</a:t>
             </a:fld>
             <a:endParaRPr lang="en-US">
               <a:solidFill>
@@ -5045,7 +4645,7 @@
                 </a:solidFill>
               </a:rPr>
               <a:pPr/>
-              <a:t>2/2/2016</a:t>
+              <a:t>2/4/2016</a:t>
             </a:fld>
             <a:endParaRPr lang="en-US">
               <a:solidFill>
@@ -5195,7 +4795,7 @@
                 </a:solidFill>
               </a:rPr>
               <a:pPr/>
-              <a:t>2/2/2016</a:t>
+              <a:t>2/4/2016</a:t>
             </a:fld>
             <a:endParaRPr lang="en-US">
               <a:solidFill>
@@ -5322,7 +4922,7 @@
                 </a:solidFill>
               </a:rPr>
               <a:pPr/>
-              <a:t>2/2/2016</a:t>
+              <a:t>2/4/2016</a:t>
             </a:fld>
             <a:endParaRPr lang="en-US">
               <a:solidFill>
@@ -5631,7 +5231,7 @@
                 </a:solidFill>
               </a:rPr>
               <a:pPr/>
-              <a:t>2/2/2016</a:t>
+              <a:t>2/4/2016</a:t>
             </a:fld>
             <a:endParaRPr lang="en-US">
               <a:solidFill>
@@ -5826,7 +5426,7 @@
           <a:p>
             <a:fld id="{9B9C6BD3-A386-45A9-B437-ACD036466786}" type="datetimeFigureOut">
               <a:rPr lang="en-US" smtClean="0"/>
-              <a:t>2/2/2016</a:t>
+              <a:t>2/4/2016</a:t>
             </a:fld>
             <a:endParaRPr lang="en-US"/>
           </a:p>
@@ -6086,7 +5686,7 @@
                 </a:solidFill>
               </a:rPr>
               <a:pPr/>
-              <a:t>2/2/2016</a:t>
+              <a:t>2/4/2016</a:t>
             </a:fld>
             <a:endParaRPr lang="en-US">
               <a:solidFill>
@@ -6288,7 +5888,7 @@
                 </a:solidFill>
               </a:rPr>
               <a:pPr/>
-              <a:t>2/2/2016</a:t>
+              <a:t>2/4/2016</a:t>
             </a:fld>
             <a:endParaRPr lang="en-US">
               <a:solidFill>
@@ -6500,7 +6100,7 @@
                 </a:solidFill>
               </a:rPr>
               <a:pPr/>
-              <a:t>2/2/2016</a:t>
+              <a:t>2/4/2016</a:t>
             </a:fld>
             <a:endParaRPr lang="en-US">
               <a:solidFill>
@@ -6771,7 +6371,7 @@
           <a:p>
             <a:fld id="{9B9C6BD3-A386-45A9-B437-ACD036466786}" type="datetimeFigureOut">
               <a:rPr lang="en-US" smtClean="0"/>
-              <a:t>2/2/2016</a:t>
+              <a:t>2/4/2016</a:t>
             </a:fld>
             <a:endParaRPr lang="en-US"/>
           </a:p>
@@ -7059,7 +6659,7 @@
           <a:p>
             <a:fld id="{9B9C6BD3-A386-45A9-B437-ACD036466786}" type="datetimeFigureOut">
               <a:rPr lang="en-US" smtClean="0"/>
-              <a:t>2/2/2016</a:t>
+              <a:t>2/4/2016</a:t>
             </a:fld>
             <a:endParaRPr lang="en-US"/>
           </a:p>
@@ -7481,7 +7081,7 @@
           <a:p>
             <a:fld id="{9B9C6BD3-A386-45A9-B437-ACD036466786}" type="datetimeFigureOut">
               <a:rPr lang="en-US" smtClean="0"/>
-              <a:t>2/2/2016</a:t>
+              <a:t>2/4/2016</a:t>
             </a:fld>
             <a:endParaRPr lang="en-US"/>
           </a:p>
@@ -7599,7 +7199,7 @@
           <a:p>
             <a:fld id="{9B9C6BD3-A386-45A9-B437-ACD036466786}" type="datetimeFigureOut">
               <a:rPr lang="en-US" smtClean="0"/>
-              <a:t>2/2/2016</a:t>
+              <a:t>2/4/2016</a:t>
             </a:fld>
             <a:endParaRPr lang="en-US"/>
           </a:p>
@@ -7694,7 +7294,7 @@
           <a:p>
             <a:fld id="{9B9C6BD3-A386-45A9-B437-ACD036466786}" type="datetimeFigureOut">
               <a:rPr lang="en-US" smtClean="0"/>
-              <a:t>2/2/2016</a:t>
+              <a:t>2/4/2016</a:t>
             </a:fld>
             <a:endParaRPr lang="en-US"/>
           </a:p>
@@ -7971,7 +7571,7 @@
           <a:p>
             <a:fld id="{9B9C6BD3-A386-45A9-B437-ACD036466786}" type="datetimeFigureOut">
               <a:rPr lang="en-US" smtClean="0"/>
-              <a:t>2/2/2016</a:t>
+              <a:t>2/4/2016</a:t>
             </a:fld>
             <a:endParaRPr lang="en-US"/>
           </a:p>
@@ -8224,7 +7824,7 @@
           <a:p>
             <a:fld id="{9B9C6BD3-A386-45A9-B437-ACD036466786}" type="datetimeFigureOut">
               <a:rPr lang="en-US" smtClean="0"/>
-              <a:t>2/2/2016</a:t>
+              <a:t>2/4/2016</a:t>
             </a:fld>
             <a:endParaRPr lang="en-US"/>
           </a:p>
@@ -8437,7 +8037,7 @@
           <a:p>
             <a:fld id="{9B9C6BD3-A386-45A9-B437-ACD036466786}" type="datetimeFigureOut">
               <a:rPr lang="en-US" smtClean="0"/>
-              <a:t>2/2/2016</a:t>
+              <a:t>2/4/2016</a:t>
             </a:fld>
             <a:endParaRPr lang="en-US"/>
           </a:p>
@@ -8954,7 +8554,7 @@
                 </a:solidFill>
               </a:rPr>
               <a:pPr/>
-              <a:t>2/2/2016</a:t>
+              <a:t>2/4/2016</a:t>
             </a:fld>
             <a:endParaRPr lang="en-US">
               <a:solidFill>
@@ -9451,11 +9051,7 @@
           <a:p>
             <a:r>
               <a:rPr lang="en-US" dirty="0" smtClean="0"/>
-              <a:t>Lowering </a:t>
-            </a:r>
-            <a:r>
-              <a:rPr lang="en-US" dirty="0" smtClean="0"/>
-              <a:t>Electricity Cost</a:t>
+              <a:t>Lowering Electricity Cost</a:t>
             </a:r>
             <a:endParaRPr lang="en-US" dirty="0"/>
           </a:p>
@@ -10627,11 +10223,7 @@
           <a:p>
             <a:r>
               <a:rPr lang="en-US" dirty="0" smtClean="0"/>
-              <a:t>Using </a:t>
-            </a:r>
-            <a:r>
-              <a:rPr lang="en-US" dirty="0" smtClean="0"/>
-              <a:t>Cheaper Electricity</a:t>
+              <a:t>Using Cheaper Electricity</a:t>
             </a:r>
             <a:endParaRPr lang="en-US" dirty="0"/>
           </a:p>
@@ -11632,14 +11224,6 @@
             </a:r>
             <a:r>
               <a:rPr lang="en-US" dirty="0" smtClean="0"/>
-              <a:t>Limitation </a:t>
-            </a:r>
-            <a:r>
-              <a:rPr lang="en-US" dirty="0" smtClean="0"/>
-              <a:t>- a </a:t>
-            </a:r>
-            <a:r>
-              <a:rPr lang="en-US" dirty="0" smtClean="0"/>
               <a:t>Better Strategy</a:t>
             </a:r>
             <a:endParaRPr lang="en-US" dirty="0"/>
@@ -11654,7 +11238,7 @@
         </p:nvCxnSpPr>
         <p:spPr>
           <a:xfrm flipV="1">
-            <a:off x="350449" y="1992868"/>
+            <a:off x="350449" y="1066800"/>
             <a:ext cx="0" cy="2895600"/>
           </a:xfrm>
           <a:prstGeom prst="straightConnector1">
@@ -11687,7 +11271,7 @@
         </p:nvCxnSpPr>
         <p:spPr>
           <a:xfrm>
-            <a:off x="350449" y="4888468"/>
+            <a:off x="350449" y="3962400"/>
             <a:ext cx="3429000" cy="0"/>
           </a:xfrm>
           <a:prstGeom prst="straightConnector1">
@@ -11720,7 +11304,7 @@
         </p:nvSpPr>
         <p:spPr>
           <a:xfrm>
-            <a:off x="1493449" y="4964668"/>
+            <a:off x="1493449" y="4038600"/>
             <a:ext cx="1093504" cy="369332"/>
           </a:xfrm>
           <a:prstGeom prst="rect">
@@ -11750,7 +11334,7 @@
         </p:nvCxnSpPr>
         <p:spPr>
           <a:xfrm flipV="1">
-            <a:off x="350449" y="2450068"/>
+            <a:off x="350449" y="1524000"/>
             <a:ext cx="2819400" cy="2438400"/>
           </a:xfrm>
           <a:prstGeom prst="line">
@@ -11786,7 +11370,7 @@
         </p:nvSpPr>
         <p:spPr>
           <a:xfrm>
-            <a:off x="1060479" y="2233136"/>
+            <a:off x="1060479" y="1307068"/>
             <a:ext cx="1499770" cy="369332"/>
           </a:xfrm>
           <a:prstGeom prst="rect">
@@ -11824,7 +11408,7 @@
         </p:nvSpPr>
         <p:spPr>
           <a:xfrm>
-            <a:off x="1645849" y="3669268"/>
+            <a:off x="1645849" y="2743200"/>
             <a:ext cx="1505412" cy="369332"/>
           </a:xfrm>
           <a:prstGeom prst="rect">
@@ -11862,7 +11446,7 @@
         </p:nvCxnSpPr>
         <p:spPr>
           <a:xfrm>
-            <a:off x="807649" y="2450068"/>
+            <a:off x="807649" y="1524000"/>
             <a:ext cx="0" cy="533400"/>
           </a:xfrm>
           <a:prstGeom prst="straightConnector1">
@@ -11901,7 +11485,7 @@
         </p:nvSpPr>
         <p:spPr>
           <a:xfrm>
-            <a:off x="807649" y="1535668"/>
+            <a:off x="807649" y="609600"/>
             <a:ext cx="2590800" cy="685800"/>
           </a:xfrm>
           <a:prstGeom prst="wedgeRoundRectCallout">
@@ -11949,7 +11533,7 @@
         </p:nvCxnSpPr>
         <p:spPr>
           <a:xfrm>
-            <a:off x="807649" y="2907268"/>
+            <a:off x="807649" y="1981200"/>
             <a:ext cx="0" cy="2001185"/>
           </a:xfrm>
           <a:prstGeom prst="straightConnector1">
@@ -11986,7 +11570,7 @@
         </p:nvSpPr>
         <p:spPr>
           <a:xfrm>
-            <a:off x="1188649" y="2754868"/>
+            <a:off x="1188649" y="1828800"/>
             <a:ext cx="2438400" cy="685800"/>
           </a:xfrm>
           <a:prstGeom prst="wedgeRoundRectCallout">
@@ -12034,7 +11618,7 @@
         </p:nvGrpSpPr>
         <p:grpSpPr>
           <a:xfrm>
-            <a:off x="-30551" y="1930316"/>
+            <a:off x="-30551" y="1004248"/>
             <a:ext cx="6380819" cy="1066800"/>
             <a:chOff x="2292126" y="1371600"/>
             <a:chExt cx="6380819" cy="1066800"/>
@@ -12119,7 +11703,7 @@
         </p:nvSpPr>
         <p:spPr>
           <a:xfrm rot="16200000">
-            <a:off x="-1195322" y="3348238"/>
+            <a:off x="-1195322" y="2422170"/>
             <a:ext cx="2711127" cy="369332"/>
           </a:xfrm>
           <a:prstGeom prst="rect">
@@ -12151,7 +11735,7 @@
         </p:nvSpPr>
         <p:spPr>
           <a:xfrm>
-            <a:off x="5711297" y="2754868"/>
+            <a:off x="5711297" y="1828800"/>
             <a:ext cx="685800" cy="685800"/>
           </a:xfrm>
           <a:prstGeom prst="ellipse">
@@ -12201,7 +11785,7 @@
         </p:nvSpPr>
         <p:spPr>
           <a:xfrm>
-            <a:off x="6854297" y="3288268"/>
+            <a:off x="6854297" y="2362200"/>
             <a:ext cx="685800" cy="685800"/>
           </a:xfrm>
           <a:prstGeom prst="ellipse">
@@ -12249,7 +11833,7 @@
         </p:nvSpPr>
         <p:spPr>
           <a:xfrm>
-            <a:off x="7768697" y="2411968"/>
+            <a:off x="7768697" y="1485900"/>
             <a:ext cx="685800" cy="685800"/>
           </a:xfrm>
           <a:prstGeom prst="ellipse">
@@ -12299,7 +11883,7 @@
         </p:nvCxnSpPr>
         <p:spPr>
           <a:xfrm>
-            <a:off x="5254097" y="4888468"/>
+            <a:off x="5254097" y="3962400"/>
             <a:ext cx="3745467" cy="0"/>
           </a:xfrm>
           <a:prstGeom prst="straightConnector1">
@@ -12332,7 +11916,7 @@
         </p:nvSpPr>
         <p:spPr>
           <a:xfrm>
-            <a:off x="6928773" y="5410200"/>
+            <a:off x="6928773" y="4484132"/>
             <a:ext cx="622991" cy="369332"/>
           </a:xfrm>
           <a:prstGeom prst="rect">
@@ -12362,7 +11946,7 @@
         </p:nvSpPr>
         <p:spPr>
           <a:xfrm>
-            <a:off x="5863697" y="5040868"/>
+            <a:off x="5863697" y="4114800"/>
             <a:ext cx="301686" cy="369332"/>
           </a:xfrm>
           <a:prstGeom prst="rect">
@@ -12392,7 +11976,7 @@
         </p:nvSpPr>
         <p:spPr>
           <a:xfrm>
-            <a:off x="7086011" y="5040868"/>
+            <a:off x="7086011" y="4114800"/>
             <a:ext cx="301686" cy="369332"/>
           </a:xfrm>
           <a:prstGeom prst="rect">
@@ -12422,7 +12006,7 @@
         </p:nvSpPr>
         <p:spPr>
           <a:xfrm>
-            <a:off x="8076611" y="5040868"/>
+            <a:off x="8076611" y="4114800"/>
             <a:ext cx="301686" cy="369332"/>
           </a:xfrm>
           <a:prstGeom prst="rect">
@@ -12452,8 +12036,8 @@
         </p:nvCxnSpPr>
         <p:spPr>
           <a:xfrm flipV="1">
-            <a:off x="5254097" y="1535668"/>
-            <a:ext cx="0" cy="3352800"/>
+            <a:off x="5254097" y="1270948"/>
+            <a:ext cx="0" cy="2691452"/>
           </a:xfrm>
           <a:prstGeom prst="straightConnector1">
             <a:avLst/>
@@ -12485,7 +12069,7 @@
         </p:nvSpPr>
         <p:spPr>
           <a:xfrm rot="16200000">
-            <a:off x="4104148" y="3052719"/>
+            <a:off x="4104148" y="2126651"/>
             <a:ext cx="1625766" cy="369332"/>
           </a:xfrm>
           <a:prstGeom prst="rect">
@@ -12504,6 +12088,383 @@
               <a:t>Electricity price</a:t>
             </a:r>
             <a:endParaRPr lang="en-US" dirty="0"/>
+          </a:p>
+        </p:txBody>
+      </p:sp>
+      <p:sp>
+        <p:nvSpPr>
+          <p:cNvPr id="49" name="Content Placeholder 2"/>
+          <p:cNvSpPr>
+            <a:spLocks noGrp="1"/>
+          </p:cNvSpPr>
+          <p:nvPr>
+            <p:ph idx="1"/>
+          </p:nvPr>
+        </p:nvSpPr>
+        <p:spPr>
+          <a:xfrm>
+            <a:off x="3813703" y="5049672"/>
+            <a:ext cx="3120497" cy="1828800"/>
+          </a:xfrm>
+        </p:spPr>
+        <p:txBody>
+          <a:bodyPr/>
+          <a:lstStyle/>
+          <a:p>
+            <a:r>
+              <a:rPr lang="en-US" sz="2400" dirty="0" smtClean="0"/>
+              <a:t>Servers</a:t>
+            </a:r>
+          </a:p>
+          <a:p>
+            <a:r>
+              <a:rPr lang="en-US" sz="2400" dirty="0" smtClean="0"/>
+              <a:t>Storage</a:t>
+            </a:r>
+            <a:endParaRPr lang="en-US" sz="2400" dirty="0"/>
+          </a:p>
+        </p:txBody>
+      </p:sp>
+      <p:sp>
+        <p:nvSpPr>
+          <p:cNvPr id="50" name="Content Placeholder 2"/>
+          <p:cNvSpPr txBox="1">
+            <a:spLocks/>
+          </p:cNvSpPr>
+          <p:nvPr/>
+        </p:nvSpPr>
+        <p:spPr>
+          <a:xfrm>
+            <a:off x="0" y="5029200"/>
+            <a:ext cx="3120497" cy="1828800"/>
+          </a:xfrm>
+          <a:prstGeom prst="rect">
+            <a:avLst/>
+          </a:prstGeom>
+        </p:spPr>
+        <p:txBody>
+          <a:bodyPr vert="horz" lIns="91440" tIns="45720" rIns="91440" bIns="45720" rtlCol="0">
+            <a:normAutofit/>
+          </a:bodyPr>
+          <a:lstStyle>
+            <a:lvl1pPr marL="342900" indent="-342900" algn="l" defTabSz="914400" rtl="0" eaLnBrk="1" latinLnBrk="0" hangingPunct="1">
+              <a:spcBef>
+                <a:spcPct val="20000"/>
+              </a:spcBef>
+              <a:buFont typeface="Arial" panose="020B0604020202020204" pitchFamily="34" charset="0"/>
+              <a:buChar char="•"/>
+              <a:defRPr sz="3200" kern="1200">
+                <a:solidFill>
+                  <a:schemeClr val="tx1"/>
+                </a:solidFill>
+                <a:latin typeface="+mn-lt"/>
+                <a:ea typeface="+mn-ea"/>
+                <a:cs typeface="+mn-cs"/>
+              </a:defRPr>
+            </a:lvl1pPr>
+            <a:lvl2pPr marL="742950" indent="-285750" algn="l" defTabSz="914400" rtl="0" eaLnBrk="1" latinLnBrk="0" hangingPunct="1">
+              <a:spcBef>
+                <a:spcPct val="20000"/>
+              </a:spcBef>
+              <a:buFont typeface="Arial" panose="020B0604020202020204" pitchFamily="34" charset="0"/>
+              <a:buChar char="–"/>
+              <a:defRPr sz="2800" kern="1200">
+                <a:solidFill>
+                  <a:schemeClr val="tx1"/>
+                </a:solidFill>
+                <a:latin typeface="+mn-lt"/>
+                <a:ea typeface="+mn-ea"/>
+                <a:cs typeface="+mn-cs"/>
+              </a:defRPr>
+            </a:lvl2pPr>
+            <a:lvl3pPr marL="1143000" indent="-228600" algn="l" defTabSz="914400" rtl="0" eaLnBrk="1" latinLnBrk="0" hangingPunct="1">
+              <a:spcBef>
+                <a:spcPct val="20000"/>
+              </a:spcBef>
+              <a:buFont typeface="Arial" panose="020B0604020202020204" pitchFamily="34" charset="0"/>
+              <a:buChar char="•"/>
+              <a:defRPr sz="2400" kern="1200">
+                <a:solidFill>
+                  <a:schemeClr val="tx1"/>
+                </a:solidFill>
+                <a:latin typeface="+mn-lt"/>
+                <a:ea typeface="+mn-ea"/>
+                <a:cs typeface="+mn-cs"/>
+              </a:defRPr>
+            </a:lvl3pPr>
+            <a:lvl4pPr marL="1600200" indent="-228600" algn="l" defTabSz="914400" rtl="0" eaLnBrk="1" latinLnBrk="0" hangingPunct="1">
+              <a:spcBef>
+                <a:spcPct val="20000"/>
+              </a:spcBef>
+              <a:buFont typeface="Arial" panose="020B0604020202020204" pitchFamily="34" charset="0"/>
+              <a:buChar char="–"/>
+              <a:defRPr sz="2000" kern="1200">
+                <a:solidFill>
+                  <a:schemeClr val="tx1"/>
+                </a:solidFill>
+                <a:latin typeface="+mn-lt"/>
+                <a:ea typeface="+mn-ea"/>
+                <a:cs typeface="+mn-cs"/>
+              </a:defRPr>
+            </a:lvl4pPr>
+            <a:lvl5pPr marL="2057400" indent="-228600" algn="l" defTabSz="914400" rtl="0" eaLnBrk="1" latinLnBrk="0" hangingPunct="1">
+              <a:spcBef>
+                <a:spcPct val="20000"/>
+              </a:spcBef>
+              <a:buFont typeface="Arial" panose="020B0604020202020204" pitchFamily="34" charset="0"/>
+              <a:buChar char="»"/>
+              <a:defRPr sz="2000" kern="1200">
+                <a:solidFill>
+                  <a:schemeClr val="tx1"/>
+                </a:solidFill>
+                <a:latin typeface="+mn-lt"/>
+                <a:ea typeface="+mn-ea"/>
+                <a:cs typeface="+mn-cs"/>
+              </a:defRPr>
+            </a:lvl5pPr>
+            <a:lvl6pPr marL="2514600" indent="-228600" algn="l" defTabSz="914400" rtl="0" eaLnBrk="1" latinLnBrk="0" hangingPunct="1">
+              <a:spcBef>
+                <a:spcPct val="20000"/>
+              </a:spcBef>
+              <a:buFont typeface="Arial" panose="020B0604020202020204" pitchFamily="34" charset="0"/>
+              <a:buChar char="•"/>
+              <a:defRPr sz="2000" kern="1200">
+                <a:solidFill>
+                  <a:schemeClr val="tx1"/>
+                </a:solidFill>
+                <a:latin typeface="+mn-lt"/>
+                <a:ea typeface="+mn-ea"/>
+                <a:cs typeface="+mn-cs"/>
+              </a:defRPr>
+            </a:lvl6pPr>
+            <a:lvl7pPr marL="2971800" indent="-228600" algn="l" defTabSz="914400" rtl="0" eaLnBrk="1" latinLnBrk="0" hangingPunct="1">
+              <a:spcBef>
+                <a:spcPct val="20000"/>
+              </a:spcBef>
+              <a:buFont typeface="Arial" panose="020B0604020202020204" pitchFamily="34" charset="0"/>
+              <a:buChar char="•"/>
+              <a:defRPr sz="2000" kern="1200">
+                <a:solidFill>
+                  <a:schemeClr val="tx1"/>
+                </a:solidFill>
+                <a:latin typeface="+mn-lt"/>
+                <a:ea typeface="+mn-ea"/>
+                <a:cs typeface="+mn-cs"/>
+              </a:defRPr>
+            </a:lvl7pPr>
+            <a:lvl8pPr marL="3429000" indent="-228600" algn="l" defTabSz="914400" rtl="0" eaLnBrk="1" latinLnBrk="0" hangingPunct="1">
+              <a:spcBef>
+                <a:spcPct val="20000"/>
+              </a:spcBef>
+              <a:buFont typeface="Arial" panose="020B0604020202020204" pitchFamily="34" charset="0"/>
+              <a:buChar char="•"/>
+              <a:defRPr sz="2000" kern="1200">
+                <a:solidFill>
+                  <a:schemeClr val="tx1"/>
+                </a:solidFill>
+                <a:latin typeface="+mn-lt"/>
+                <a:ea typeface="+mn-ea"/>
+                <a:cs typeface="+mn-cs"/>
+              </a:defRPr>
+            </a:lvl8pPr>
+            <a:lvl9pPr marL="3886200" indent="-228600" algn="l" defTabSz="914400" rtl="0" eaLnBrk="1" latinLnBrk="0" hangingPunct="1">
+              <a:spcBef>
+                <a:spcPct val="20000"/>
+              </a:spcBef>
+              <a:buFont typeface="Arial" panose="020B0604020202020204" pitchFamily="34" charset="0"/>
+              <a:buChar char="•"/>
+              <a:defRPr sz="2000" kern="1200">
+                <a:solidFill>
+                  <a:schemeClr val="tx1"/>
+                </a:solidFill>
+                <a:latin typeface="+mn-lt"/>
+                <a:ea typeface="+mn-ea"/>
+                <a:cs typeface="+mn-cs"/>
+              </a:defRPr>
+            </a:lvl9pPr>
+          </a:lstStyle>
+          <a:p>
+            <a:r>
+              <a:rPr lang="en-US" sz="2400" dirty="0" smtClean="0"/>
+              <a:t>Power distribution</a:t>
+            </a:r>
+          </a:p>
+          <a:p>
+            <a:r>
+              <a:rPr lang="en-US" sz="2400" dirty="0" smtClean="0"/>
+              <a:t>Cooling</a:t>
+            </a:r>
+          </a:p>
+          <a:p>
+            <a:r>
+              <a:rPr lang="en-US" sz="2400" dirty="0" smtClean="0"/>
+              <a:t>Network</a:t>
+            </a:r>
+          </a:p>
+          <a:p>
+            <a:r>
+              <a:rPr lang="en-US" sz="2400" dirty="0" smtClean="0"/>
+              <a:t>Some servers</a:t>
+            </a:r>
+            <a:endParaRPr lang="en-US" sz="2400" dirty="0"/>
+          </a:p>
+        </p:txBody>
+      </p:sp>
+      <p:sp>
+        <p:nvSpPr>
+          <p:cNvPr id="4" name="TextBox 3"/>
+          <p:cNvSpPr txBox="1"/>
+          <p:nvPr/>
+        </p:nvSpPr>
+        <p:spPr>
+          <a:xfrm>
+            <a:off x="685800" y="4643735"/>
+            <a:ext cx="1825884" cy="461665"/>
+          </a:xfrm>
+          <a:prstGeom prst="rect">
+            <a:avLst/>
+          </a:prstGeom>
+          <a:noFill/>
+        </p:spPr>
+        <p:txBody>
+          <a:bodyPr wrap="none" rtlCol="0">
+            <a:spAutoFit/>
+          </a:bodyPr>
+          <a:lstStyle/>
+          <a:p>
+            <a:r>
+              <a:rPr lang="en-US" sz="2400" u="sng" dirty="0" smtClean="0">
+                <a:solidFill>
+                  <a:srgbClr val="FF0000"/>
+                </a:solidFill>
+              </a:rPr>
+              <a:t>Inelastic load</a:t>
+            </a:r>
+            <a:endParaRPr lang="en-US" sz="2400" u="sng" dirty="0">
+              <a:solidFill>
+                <a:srgbClr val="FF0000"/>
+              </a:solidFill>
+            </a:endParaRPr>
+          </a:p>
+        </p:txBody>
+      </p:sp>
+      <p:sp>
+        <p:nvSpPr>
+          <p:cNvPr id="51" name="TextBox 50"/>
+          <p:cNvSpPr txBox="1"/>
+          <p:nvPr/>
+        </p:nvSpPr>
+        <p:spPr>
+          <a:xfrm>
+            <a:off x="3906271" y="4648200"/>
+            <a:ext cx="1583832" cy="461665"/>
+          </a:xfrm>
+          <a:prstGeom prst="rect">
+            <a:avLst/>
+          </a:prstGeom>
+          <a:noFill/>
+        </p:spPr>
+        <p:txBody>
+          <a:bodyPr wrap="none" rtlCol="0">
+            <a:spAutoFit/>
+          </a:bodyPr>
+          <a:lstStyle/>
+          <a:p>
+            <a:r>
+              <a:rPr lang="en-US" sz="2400" u="sng" dirty="0" smtClean="0">
+                <a:solidFill>
+                  <a:srgbClr val="008000"/>
+                </a:solidFill>
+              </a:rPr>
+              <a:t>Elastic load</a:t>
+            </a:r>
+            <a:endParaRPr lang="en-US" sz="2400" u="sng" dirty="0">
+              <a:solidFill>
+                <a:srgbClr val="008000"/>
+              </a:solidFill>
+            </a:endParaRPr>
+          </a:p>
+        </p:txBody>
+      </p:sp>
+      <p:sp>
+        <p:nvSpPr>
+          <p:cNvPr id="5" name="Rectangle 4"/>
+          <p:cNvSpPr/>
+          <p:nvPr/>
+        </p:nvSpPr>
+        <p:spPr>
+          <a:xfrm>
+            <a:off x="0" y="4668798"/>
+            <a:ext cx="2895600" cy="2189202"/>
+          </a:xfrm>
+          <a:prstGeom prst="rect">
+            <a:avLst/>
+          </a:prstGeom>
+          <a:noFill/>
+        </p:spPr>
+        <p:style>
+          <a:lnRef idx="2">
+            <a:schemeClr val="accent1">
+              <a:shade val="50000"/>
+            </a:schemeClr>
+          </a:lnRef>
+          <a:fillRef idx="1">
+            <a:schemeClr val="accent1"/>
+          </a:fillRef>
+          <a:effectRef idx="0">
+            <a:schemeClr val="accent1"/>
+          </a:effectRef>
+          <a:fontRef idx="minor">
+            <a:schemeClr val="lt1"/>
+          </a:fontRef>
+        </p:style>
+        <p:txBody>
+          <a:bodyPr rtlCol="0" anchor="ctr"/>
+          <a:lstStyle/>
+          <a:p>
+            <a:pPr algn="ctr"/>
+            <a:endParaRPr lang="en-US"/>
+          </a:p>
+        </p:txBody>
+      </p:sp>
+      <p:sp>
+        <p:nvSpPr>
+          <p:cNvPr id="52" name="Rectangle 51"/>
+          <p:cNvSpPr/>
+          <p:nvPr/>
+        </p:nvSpPr>
+        <p:spPr>
+          <a:xfrm>
+            <a:off x="3200400" y="4661848"/>
+            <a:ext cx="2895600" cy="2189202"/>
+          </a:xfrm>
+          <a:prstGeom prst="rect">
+            <a:avLst/>
+          </a:prstGeom>
+          <a:noFill/>
+        </p:spPr>
+        <p:style>
+          <a:lnRef idx="2">
+            <a:schemeClr val="accent1">
+              <a:shade val="50000"/>
+            </a:schemeClr>
+          </a:lnRef>
+          <a:fillRef idx="1">
+            <a:schemeClr val="accent1"/>
+          </a:fillRef>
+          <a:effectRef idx="0">
+            <a:schemeClr val="accent1"/>
+          </a:effectRef>
+          <a:fontRef idx="minor">
+            <a:schemeClr val="lt1"/>
+          </a:fontRef>
+        </p:style>
+        <p:txBody>
+          <a:bodyPr rtlCol="0" anchor="ctr"/>
+          <a:lstStyle/>
+          <a:p>
+            <a:pPr algn="ctr"/>
+            <a:endParaRPr lang="en-US"/>
           </a:p>
         </p:txBody>
       </p:sp>
@@ -13388,6 +13349,221 @@
                       </p:childTnLst>
                     </p:cTn>
                   </p:par>
+                  <p:par>
+                    <p:cTn id="73" fill="hold">
+                      <p:stCondLst>
+                        <p:cond delay="indefinite"/>
+                      </p:stCondLst>
+                      <p:childTnLst>
+                        <p:par>
+                          <p:cTn id="74" fill="hold">
+                            <p:stCondLst>
+                              <p:cond delay="0"/>
+                            </p:stCondLst>
+                            <p:childTnLst>
+                              <p:par>
+                                <p:cTn id="75" presetID="1" presetClass="entr" presetSubtype="0" fill="hold" grpId="0" nodeType="clickEffect">
+                                  <p:stCondLst>
+                                    <p:cond delay="0"/>
+                                  </p:stCondLst>
+                                  <p:childTnLst>
+                                    <p:set>
+                                      <p:cBhvr>
+                                        <p:cTn id="76" dur="1" fill="hold">
+                                          <p:stCondLst>
+                                            <p:cond delay="0"/>
+                                          </p:stCondLst>
+                                        </p:cTn>
+                                        <p:tgtEl>
+                                          <p:spTgt spid="4"/>
+                                        </p:tgtEl>
+                                        <p:attrNameLst>
+                                          <p:attrName>style.visibility</p:attrName>
+                                        </p:attrNameLst>
+                                      </p:cBhvr>
+                                      <p:to>
+                                        <p:strVal val="visible"/>
+                                      </p:to>
+                                    </p:set>
+                                  </p:childTnLst>
+                                </p:cTn>
+                              </p:par>
+                              <p:par>
+                                <p:cTn id="77" presetID="1" presetClass="entr" presetSubtype="0" fill="hold" grpId="0" nodeType="withEffect">
+                                  <p:stCondLst>
+                                    <p:cond delay="0"/>
+                                  </p:stCondLst>
+                                  <p:childTnLst>
+                                    <p:set>
+                                      <p:cBhvr>
+                                        <p:cTn id="78" dur="1" fill="hold">
+                                          <p:stCondLst>
+                                            <p:cond delay="0"/>
+                                          </p:stCondLst>
+                                        </p:cTn>
+                                        <p:tgtEl>
+                                          <p:spTgt spid="50"/>
+                                        </p:tgtEl>
+                                        <p:attrNameLst>
+                                          <p:attrName>style.visibility</p:attrName>
+                                        </p:attrNameLst>
+                                      </p:cBhvr>
+                                      <p:to>
+                                        <p:strVal val="visible"/>
+                                      </p:to>
+                                    </p:set>
+                                  </p:childTnLst>
+                                </p:cTn>
+                              </p:par>
+                              <p:par>
+                                <p:cTn id="79" presetID="1" presetClass="entr" presetSubtype="0" fill="hold" grpId="0" nodeType="withEffect">
+                                  <p:stCondLst>
+                                    <p:cond delay="0"/>
+                                  </p:stCondLst>
+                                  <p:childTnLst>
+                                    <p:set>
+                                      <p:cBhvr>
+                                        <p:cTn id="80" dur="1" fill="hold">
+                                          <p:stCondLst>
+                                            <p:cond delay="0"/>
+                                          </p:stCondLst>
+                                        </p:cTn>
+                                        <p:tgtEl>
+                                          <p:spTgt spid="5"/>
+                                        </p:tgtEl>
+                                        <p:attrNameLst>
+                                          <p:attrName>style.visibility</p:attrName>
+                                        </p:attrNameLst>
+                                      </p:cBhvr>
+                                      <p:to>
+                                        <p:strVal val="visible"/>
+                                      </p:to>
+                                    </p:set>
+                                  </p:childTnLst>
+                                </p:cTn>
+                              </p:par>
+                              <p:par>
+                                <p:cTn id="81" presetID="1" presetClass="entr" presetSubtype="0" fill="hold" grpId="0" nodeType="withEffect">
+                                  <p:stCondLst>
+                                    <p:cond delay="0"/>
+                                  </p:stCondLst>
+                                  <p:childTnLst>
+                                    <p:set>
+                                      <p:cBhvr>
+                                        <p:cTn id="82" dur="1" fill="hold">
+                                          <p:stCondLst>
+                                            <p:cond delay="0"/>
+                                          </p:stCondLst>
+                                        </p:cTn>
+                                        <p:tgtEl>
+                                          <p:spTgt spid="49">
+                                            <p:txEl>
+                                              <p:pRg st="0" end="0"/>
+                                            </p:txEl>
+                                          </p:spTgt>
+                                        </p:tgtEl>
+                                        <p:attrNameLst>
+                                          <p:attrName>style.visibility</p:attrName>
+                                        </p:attrNameLst>
+                                      </p:cBhvr>
+                                      <p:to>
+                                        <p:strVal val="visible"/>
+                                      </p:to>
+                                    </p:set>
+                                  </p:childTnLst>
+                                </p:cTn>
+                              </p:par>
+                              <p:par>
+                                <p:cTn id="83" presetID="1" presetClass="entr" presetSubtype="0" fill="hold" grpId="0" nodeType="withEffect">
+                                  <p:stCondLst>
+                                    <p:cond delay="0"/>
+                                  </p:stCondLst>
+                                  <p:childTnLst>
+                                    <p:set>
+                                      <p:cBhvr>
+                                        <p:cTn id="84" dur="1" fill="hold">
+                                          <p:stCondLst>
+                                            <p:cond delay="0"/>
+                                          </p:stCondLst>
+                                        </p:cTn>
+                                        <p:tgtEl>
+                                          <p:spTgt spid="49">
+                                            <p:txEl>
+                                              <p:pRg st="1" end="1"/>
+                                            </p:txEl>
+                                          </p:spTgt>
+                                        </p:tgtEl>
+                                        <p:attrNameLst>
+                                          <p:attrName>style.visibility</p:attrName>
+                                        </p:attrNameLst>
+                                      </p:cBhvr>
+                                      <p:to>
+                                        <p:strVal val="visible"/>
+                                      </p:to>
+                                    </p:set>
+                                  </p:childTnLst>
+                                </p:cTn>
+                              </p:par>
+                              <p:par>
+                                <p:cTn id="85" presetID="1" presetClass="entr" presetSubtype="0" fill="hold" grpId="0" nodeType="withEffect">
+                                  <p:stCondLst>
+                                    <p:cond delay="0"/>
+                                  </p:stCondLst>
+                                  <p:childTnLst>
+                                    <p:set>
+                                      <p:cBhvr>
+                                        <p:cTn id="86" dur="1" fill="hold">
+                                          <p:stCondLst>
+                                            <p:cond delay="0"/>
+                                          </p:stCondLst>
+                                        </p:cTn>
+                                        <p:tgtEl>
+                                          <p:spTgt spid="51"/>
+                                        </p:tgtEl>
+                                        <p:attrNameLst>
+                                          <p:attrName>style.visibility</p:attrName>
+                                        </p:attrNameLst>
+                                      </p:cBhvr>
+                                      <p:to>
+                                        <p:strVal val="visible"/>
+                                      </p:to>
+                                    </p:set>
+                                  </p:childTnLst>
+                                </p:cTn>
+                              </p:par>
+                              <p:par>
+                                <p:cTn id="87" presetID="1" presetClass="entr" presetSubtype="0" fill="hold" grpId="0" nodeType="withEffect">
+                                  <p:stCondLst>
+                                    <p:cond delay="0"/>
+                                  </p:stCondLst>
+                                  <p:childTnLst>
+                                    <p:set>
+                                      <p:cBhvr>
+                                        <p:cTn id="88" dur="1" fill="hold">
+                                          <p:stCondLst>
+                                            <p:cond delay="0"/>
+                                          </p:stCondLst>
+                                        </p:cTn>
+                                        <p:tgtEl>
+                                          <p:spTgt spid="52"/>
+                                        </p:tgtEl>
+                                        <p:attrNameLst>
+                                          <p:attrName>style.visibility</p:attrName>
+                                        </p:attrNameLst>
+                                      </p:cBhvr>
+                                      <p:to>
+                                        <p:strVal val="visible"/>
+                                      </p:to>
+                                    </p:set>
+                                  </p:childTnLst>
+                                </p:cTn>
+                              </p:par>
+                            </p:childTnLst>
+                          </p:cTn>
+                        </p:par>
+                      </p:childTnLst>
+                    </p:cTn>
+                  </p:par>
                 </p:childTnLst>
               </p:cTn>
               <p:prevCondLst>
@@ -13422,6 +13598,12 @@
       <p:bldP spid="45" grpId="0"/>
       <p:bldP spid="46" grpId="0"/>
       <p:bldP spid="48" grpId="0"/>
+      <p:bldP spid="49" grpId="0" uiExpand="1" build="p"/>
+      <p:bldP spid="50" grpId="0"/>
+      <p:bldP spid="4" grpId="0"/>
+      <p:bldP spid="51" grpId="0"/>
+      <p:bldP spid="5" grpId="0" animBg="1"/>
+      <p:bldP spid="52" grpId="0" animBg="1"/>
     </p:bldLst>
   </p:timing>
 </p:sld>
@@ -13461,11 +13643,7 @@
           <a:p>
             <a:r>
               <a:rPr lang="en-US" dirty="0" smtClean="0"/>
-              <a:t>Problem </a:t>
-            </a:r>
-            <a:r>
-              <a:rPr lang="en-US" dirty="0" smtClean="0"/>
-              <a:t>Formulation</a:t>
+              <a:t>Problem Formulation</a:t>
             </a:r>
             <a:endParaRPr lang="en-US" dirty="0"/>
           </a:p>
@@ -15807,19 +15985,7 @@
           <a:p>
             <a:r>
               <a:rPr lang="en-US" dirty="0" smtClean="0"/>
-              <a:t>Mathematical </a:t>
-            </a:r>
-            <a:r>
-              <a:rPr lang="en-US" dirty="0" smtClean="0"/>
-              <a:t>Model </a:t>
-            </a:r>
-            <a:r>
-              <a:rPr lang="en-US" dirty="0" smtClean="0"/>
-              <a:t>– State </a:t>
-            </a:r>
-            <a:r>
-              <a:rPr lang="en-US" dirty="0" smtClean="0"/>
-              <a:t>Cost</a:t>
+              <a:t>Mathematical Model – State Cost</a:t>
             </a:r>
             <a:endParaRPr lang="en-US" dirty="0"/>
           </a:p>
@@ -15837,159 +16003,15 @@
         </p:nvSpPr>
         <p:spPr/>
         <p:txBody>
-          <a:bodyPr>
-            <a:normAutofit/>
-          </a:bodyPr>
+          <a:bodyPr/>
           <a:lstStyle/>
           <a:p>
-            <a:r>
-              <a:rPr lang="en-US" sz="2800" dirty="0" err="1" smtClean="0"/>
-              <a:t>P</a:t>
-            </a:r>
-            <a:r>
-              <a:rPr lang="en-US" sz="2800" baseline="-25000" dirty="0" err="1" smtClean="0"/>
-              <a:t>max</a:t>
-            </a:r>
-            <a:r>
-              <a:rPr lang="en-US" sz="2800" dirty="0" smtClean="0"/>
-              <a:t>(</a:t>
-            </a:r>
-            <a:r>
-              <a:rPr lang="en-US" sz="2800" dirty="0" err="1" smtClean="0"/>
-              <a:t>P</a:t>
-            </a:r>
-            <a:r>
-              <a:rPr lang="en-US" sz="2800" baseline="-25000" dirty="0" err="1" smtClean="0"/>
-              <a:t>min</a:t>
-            </a:r>
-            <a:r>
-              <a:rPr lang="en-US" sz="2800" dirty="0" smtClean="0"/>
-              <a:t>): Network’s max (min) power consumption</a:t>
-            </a:r>
-          </a:p>
-          <a:p>
-            <a:r>
-              <a:rPr lang="en-US" sz="2800" dirty="0" smtClean="0"/>
-              <a:t>c</a:t>
-            </a:r>
-            <a:r>
-              <a:rPr lang="en-US" sz="2800" baseline="-25000" dirty="0" smtClean="0"/>
-              <a:t>i</a:t>
-            </a:r>
-            <a:r>
-              <a:rPr lang="en-US" sz="2800" dirty="0" smtClean="0"/>
-              <a:t>: Normalized capacity of site </a:t>
-            </a:r>
-            <a:r>
-              <a:rPr lang="en-US" sz="2800" i="1" dirty="0" err="1" smtClean="0"/>
-              <a:t>i</a:t>
-            </a:r>
-            <a:endParaRPr lang="en-US" sz="2800" i="1" dirty="0" smtClean="0"/>
-          </a:p>
-          <a:p>
-            <a:r>
-              <a:rPr lang="en-US" sz="2800" dirty="0" err="1" smtClean="0"/>
-              <a:t>c</a:t>
-            </a:r>
-            <a:r>
-              <a:rPr lang="en-US" sz="2800" baseline="-25000" dirty="0" err="1" smtClean="0"/>
-              <a:t>i</a:t>
-            </a:r>
-            <a:r>
-              <a:rPr lang="en-US" sz="2800" dirty="0" err="1" smtClean="0"/>
-              <a:t>P</a:t>
-            </a:r>
-            <a:r>
-              <a:rPr lang="en-US" sz="2800" baseline="-25000" dirty="0" err="1" smtClean="0"/>
-              <a:t>max</a:t>
-            </a:r>
-            <a:r>
-              <a:rPr lang="en-US" sz="2800" dirty="0" smtClean="0"/>
-              <a:t>(</a:t>
-            </a:r>
-            <a:r>
-              <a:rPr lang="en-US" sz="2800" dirty="0" err="1" smtClean="0"/>
-              <a:t>c</a:t>
-            </a:r>
-            <a:r>
-              <a:rPr lang="en-US" sz="2800" baseline="-25000" dirty="0" err="1" smtClean="0"/>
-              <a:t>i</a:t>
-            </a:r>
-            <a:r>
-              <a:rPr lang="en-US" sz="2800" dirty="0" err="1" smtClean="0"/>
-              <a:t>P</a:t>
-            </a:r>
-            <a:r>
-              <a:rPr lang="en-US" sz="2800" baseline="-25000" dirty="0" err="1" smtClean="0"/>
-              <a:t>min</a:t>
-            </a:r>
-            <a:r>
-              <a:rPr lang="en-US" sz="2800" dirty="0" smtClean="0"/>
-              <a:t>): Max (min) power consumption for site </a:t>
-            </a:r>
-            <a:r>
-              <a:rPr lang="en-US" sz="2800" i="1" dirty="0" err="1" smtClean="0"/>
-              <a:t>i</a:t>
-            </a:r>
-            <a:endParaRPr lang="en-US" sz="2800" i="1" dirty="0" smtClean="0"/>
-          </a:p>
-          <a:p>
-            <a:r>
-              <a:rPr lang="en-US" sz="2800" i="1" dirty="0" err="1" smtClean="0"/>
-              <a:t>x</a:t>
-            </a:r>
-            <a:r>
-              <a:rPr lang="en-US" sz="2800" i="1" baseline="-25000" dirty="0" err="1" smtClean="0"/>
-              <a:t>i</a:t>
-            </a:r>
-            <a:r>
-              <a:rPr lang="en-US" sz="2800" i="1" baseline="30000" dirty="0" err="1" smtClean="0"/>
-              <a:t>j</a:t>
-            </a:r>
-            <a:r>
-              <a:rPr lang="en-US" sz="2800" i="1" dirty="0" smtClean="0"/>
-              <a:t>: </a:t>
-            </a:r>
-            <a:r>
-              <a:rPr lang="en-US" sz="2800" dirty="0" smtClean="0"/>
-              <a:t>workload assigned to site </a:t>
-            </a:r>
-            <a:r>
-              <a:rPr lang="en-US" sz="2800" i="1" dirty="0" err="1" smtClean="0"/>
-              <a:t>i</a:t>
-            </a:r>
-            <a:r>
-              <a:rPr lang="en-US" sz="2800" dirty="0" smtClean="0"/>
-              <a:t> during interval </a:t>
-            </a:r>
-            <a:r>
-              <a:rPr lang="en-US" sz="2800" i="1" dirty="0" smtClean="0"/>
-              <a:t>j</a:t>
-            </a:r>
-          </a:p>
-          <a:p>
-            <a:r>
-              <a:rPr lang="en-US" sz="2800" dirty="0" smtClean="0"/>
-              <a:t>Power consumption at site </a:t>
-            </a:r>
-            <a:r>
-              <a:rPr lang="en-US" sz="2800" i="1" dirty="0" err="1" smtClean="0"/>
-              <a:t>i</a:t>
-            </a:r>
-            <a:r>
-              <a:rPr lang="en-US" sz="2800" dirty="0" smtClean="0"/>
-              <a:t> during interval </a:t>
-            </a:r>
-            <a:r>
-              <a:rPr lang="en-US" sz="2800" i="1" dirty="0" smtClean="0"/>
-              <a:t>j</a:t>
-            </a:r>
-            <a:endParaRPr lang="en-US" sz="2800" i="1" dirty="0"/>
+            <a:endParaRPr lang="en-US" dirty="0"/>
           </a:p>
         </p:txBody>
       </p:sp>
-      <mc:AlternateContent xmlns:mc="http://schemas.openxmlformats.org/markup-compatibility/2006" xmlns:a14="http://schemas.microsoft.com/office/drawing/2010/main">
-        <mc:Choice Requires="a14">
+      <mc:AlternateContent xmlns:mc="http://schemas.openxmlformats.org/markup-compatibility/2006">
+        <mc:Choice xmlns:a14="http://schemas.microsoft.com/office/drawing/2010/main" Requires="a14">
           <p:sp>
             <p:nvSpPr>
               <p:cNvPr id="4" name="TextBox 3"/>
@@ -15998,8 +16020,8 @@
             </p:nvSpPr>
             <p:spPr>
               <a:xfrm>
-                <a:off x="2362200" y="4191000"/>
-                <a:ext cx="4038600" cy="741613"/>
+                <a:off x="2209800" y="2326711"/>
+                <a:ext cx="4747146" cy="1102289"/>
               </a:xfrm>
               <a:prstGeom prst="rect">
                 <a:avLst/>
@@ -16022,7 +16044,7 @@
                       <m:sSub>
                         <m:sSubPr>
                           <m:ctrlPr>
-                            <a:rPr lang="en-US" i="1" smtClean="0">
+                            <a:rPr lang="en-US" sz="2800" i="1" smtClean="0">
                               <a:latin typeface="Cambria Math"/>
                             </a:rPr>
                           </m:ctrlPr>
@@ -16031,14 +16053,14 @@
                           <m:sSub>
                             <m:sSubPr>
                               <m:ctrlPr>
-                                <a:rPr lang="en-US" i="1" smtClean="0">
+                                <a:rPr lang="en-US" sz="2800" i="1" smtClean="0">
                                   <a:latin typeface="Cambria Math"/>
                                 </a:rPr>
                               </m:ctrlPr>
                             </m:sSubPr>
                             <m:e>
                               <m:r>
-                                <a:rPr lang="en-US" b="0" i="1" smtClean="0">
+                                <a:rPr lang="en-US" sz="2800" b="0" i="1" smtClean="0">
                                   <a:latin typeface="Cambria Math"/>
                                 </a:rPr>
                                 <m:t>𝑐</m:t>
@@ -16046,7 +16068,7 @@
                             </m:e>
                             <m:sub>
                               <m:r>
-                                <a:rPr lang="en-US" b="0" i="1" smtClean="0">
+                                <a:rPr lang="en-US" sz="2800" b="0" i="1" smtClean="0">
                                   <a:latin typeface="Cambria Math"/>
                                 </a:rPr>
                                 <m:t>𝑖</m:t>
@@ -16054,7 +16076,7 @@
                             </m:sub>
                           </m:sSub>
                           <m:r>
-                            <a:rPr lang="en-US" b="0" i="1" smtClean="0">
+                            <a:rPr lang="en-US" sz="2800" b="0" i="1" smtClean="0">
                               <a:latin typeface="Cambria Math"/>
                             </a:rPr>
                             <m:t>𝑃</m:t>
@@ -16062,7 +16084,7 @@
                         </m:e>
                         <m:sub>
                           <m:r>
-                            <a:rPr lang="en-US" b="0" i="1" smtClean="0">
+                            <a:rPr lang="en-US" sz="2800" b="0" i="1" smtClean="0">
                               <a:latin typeface="Cambria Math"/>
                             </a:rPr>
                             <m:t>𝑚𝑖𝑛</m:t>
@@ -16070,7 +16092,7 @@
                         </m:sub>
                       </m:sSub>
                       <m:r>
-                        <a:rPr lang="en-US" b="0" i="1" smtClean="0">
+                        <a:rPr lang="en-US" sz="2800" b="0" i="1" smtClean="0">
                           <a:latin typeface="Cambria Math"/>
                         </a:rPr>
                         <m:t>+</m:t>
@@ -16078,7 +16100,7 @@
                       <m:f>
                         <m:fPr>
                           <m:ctrlPr>
-                            <a:rPr lang="en-US" b="0" i="1" smtClean="0">
+                            <a:rPr lang="en-US" sz="2800" b="0" i="1" smtClean="0">
                               <a:latin typeface="Cambria Math"/>
                             </a:rPr>
                           </m:ctrlPr>
@@ -16087,7 +16109,7 @@
                           <m:sSubSup>
                             <m:sSubSupPr>
                               <m:ctrlPr>
-                                <a:rPr lang="en-US" b="0" i="1" smtClean="0">
+                                <a:rPr lang="en-US" sz="2800" b="0" i="1" smtClean="0">
                                   <a:latin typeface="Cambria Math"/>
                                 </a:rPr>
                               </m:ctrlPr>
@@ -16096,7 +16118,7 @@
                               <m:d>
                                 <m:dPr>
                                   <m:ctrlPr>
-                                    <a:rPr lang="en-US" i="1">
+                                    <a:rPr lang="en-US" sz="2800" i="1">
                                       <a:latin typeface="Cambria Math"/>
                                     </a:rPr>
                                   </m:ctrlPr>
@@ -16105,14 +16127,14 @@
                                   <m:sSub>
                                     <m:sSubPr>
                                       <m:ctrlPr>
-                                        <a:rPr lang="en-US" i="1">
+                                        <a:rPr lang="en-US" sz="2800" i="1">
                                           <a:latin typeface="Cambria Math"/>
                                         </a:rPr>
                                       </m:ctrlPr>
                                     </m:sSubPr>
                                     <m:e>
                                       <m:r>
-                                        <a:rPr lang="en-US" i="1">
+                                        <a:rPr lang="en-US" sz="2800" i="1">
                                           <a:latin typeface="Cambria Math"/>
                                         </a:rPr>
                                         <m:t>𝑐</m:t>
@@ -16120,7 +16142,7 @@
                                     </m:e>
                                     <m:sub>
                                       <m:r>
-                                        <a:rPr lang="en-US" i="1">
+                                        <a:rPr lang="en-US" sz="2800" i="1">
                                           <a:latin typeface="Cambria Math"/>
                                         </a:rPr>
                                         <m:t>𝑖</m:t>
@@ -16130,14 +16152,14 @@
                                   <m:sSub>
                                     <m:sSubPr>
                                       <m:ctrlPr>
-                                        <a:rPr lang="en-US" i="1">
+                                        <a:rPr lang="en-US" sz="2800" i="1">
                                           <a:latin typeface="Cambria Math"/>
                                         </a:rPr>
                                       </m:ctrlPr>
                                     </m:sSubPr>
                                     <m:e>
                                       <m:r>
-                                        <a:rPr lang="en-US" i="1">
+                                        <a:rPr lang="en-US" sz="2800" i="1">
                                           <a:latin typeface="Cambria Math"/>
                                         </a:rPr>
                                         <m:t>𝑃</m:t>
@@ -16145,7 +16167,7 @@
                                     </m:e>
                                     <m:sub>
                                       <m:r>
-                                        <a:rPr lang="en-US" i="1">
+                                        <a:rPr lang="en-US" sz="2800" i="1">
                                           <a:latin typeface="Cambria Math"/>
                                         </a:rPr>
                                         <m:t>𝑚𝑎𝑥</m:t>
@@ -16153,7 +16175,7 @@
                                     </m:sub>
                                   </m:sSub>
                                   <m:r>
-                                    <a:rPr lang="en-US" i="1">
+                                    <a:rPr lang="en-US" sz="2800" i="1">
                                       <a:latin typeface="Cambria Math"/>
                                     </a:rPr>
                                     <m:t>−</m:t>
@@ -16161,14 +16183,14 @@
                                   <m:sSub>
                                     <m:sSubPr>
                                       <m:ctrlPr>
-                                        <a:rPr lang="en-US" i="1">
+                                        <a:rPr lang="en-US" sz="2800" i="1">
                                           <a:latin typeface="Cambria Math"/>
                                         </a:rPr>
                                       </m:ctrlPr>
                                     </m:sSubPr>
                                     <m:e>
                                       <m:r>
-                                        <a:rPr lang="en-US" i="1">
+                                        <a:rPr lang="en-US" sz="2800" i="1">
                                           <a:latin typeface="Cambria Math"/>
                                         </a:rPr>
                                         <m:t>𝑐</m:t>
@@ -16176,7 +16198,7 @@
                                     </m:e>
                                     <m:sub>
                                       <m:r>
-                                        <a:rPr lang="en-US" i="1">
+                                        <a:rPr lang="en-US" sz="2800" i="1">
                                           <a:latin typeface="Cambria Math"/>
                                         </a:rPr>
                                         <m:t>𝑖</m:t>
@@ -16186,14 +16208,14 @@
                                   <m:sSub>
                                     <m:sSubPr>
                                       <m:ctrlPr>
-                                        <a:rPr lang="en-US" i="1">
+                                        <a:rPr lang="en-US" sz="2800" i="1">
                                           <a:latin typeface="Cambria Math"/>
                                         </a:rPr>
                                       </m:ctrlPr>
                                     </m:sSubPr>
                                     <m:e>
                                       <m:r>
-                                        <a:rPr lang="en-US" i="1">
+                                        <a:rPr lang="en-US" sz="2800" i="1">
                                           <a:latin typeface="Cambria Math"/>
                                         </a:rPr>
                                         <m:t>𝑃</m:t>
@@ -16201,7 +16223,7 @@
                                     </m:e>
                                     <m:sub>
                                       <m:r>
-                                        <a:rPr lang="en-US" i="1">
+                                        <a:rPr lang="en-US" sz="2800" i="1">
                                           <a:latin typeface="Cambria Math"/>
                                         </a:rPr>
                                         <m:t>𝑚𝑖𝑛</m:t>
@@ -16211,7 +16233,7 @@
                                 </m:e>
                               </m:d>
                               <m:r>
-                                <a:rPr lang="en-US" b="0" i="1" smtClean="0">
+                                <a:rPr lang="en-US" sz="2800" b="0" i="1" smtClean="0">
                                   <a:latin typeface="Cambria Math"/>
                                 </a:rPr>
                                 <m:t>𝑥</m:t>
@@ -16219,7 +16241,7 @@
                             </m:e>
                             <m:sub>
                               <m:r>
-                                <a:rPr lang="en-US" b="0" i="1" smtClean="0">
+                                <a:rPr lang="en-US" sz="2800" b="0" i="1" smtClean="0">
                                   <a:latin typeface="Cambria Math"/>
                                 </a:rPr>
                                 <m:t>𝑖</m:t>
@@ -16227,7 +16249,7 @@
                             </m:sub>
                             <m:sup>
                               <m:r>
-                                <a:rPr lang="en-US" b="0" i="1" smtClean="0">
+                                <a:rPr lang="en-US" sz="2800" b="0" i="1" smtClean="0">
                                   <a:latin typeface="Cambria Math"/>
                                 </a:rPr>
                                 <m:t>𝑗</m:t>
@@ -16239,14 +16261,14 @@
                           <m:sSub>
                             <m:sSubPr>
                               <m:ctrlPr>
-                                <a:rPr lang="en-US" b="0" i="1" smtClean="0">
+                                <a:rPr lang="en-US" sz="2800" b="0" i="1" smtClean="0">
                                   <a:latin typeface="Cambria Math"/>
                                 </a:rPr>
                               </m:ctrlPr>
                             </m:sSubPr>
                             <m:e>
                               <m:r>
-                                <a:rPr lang="en-US" b="0" i="1" smtClean="0">
+                                <a:rPr lang="en-US" sz="2800" b="0" i="1" smtClean="0">
                                   <a:latin typeface="Cambria Math"/>
                                 </a:rPr>
                                 <m:t>𝑐</m:t>
@@ -16254,7 +16276,7 @@
                             </m:e>
                             <m:sub>
                               <m:r>
-                                <a:rPr lang="en-US" b="0" i="1" smtClean="0">
+                                <a:rPr lang="en-US" sz="2800" b="0" i="1" smtClean="0">
                                   <a:latin typeface="Cambria Math"/>
                                 </a:rPr>
                                 <m:t>𝑖</m:t>
@@ -16266,12 +16288,12 @@
                     </m:oMath>
                   </m:oMathPara>
                 </a14:m>
-                <a:endParaRPr lang="en-US" dirty="0"/>
+                <a:endParaRPr lang="en-US" sz="2800" dirty="0"/>
               </a:p>
             </p:txBody>
           </p:sp>
         </mc:Choice>
-        <mc:Fallback xmlns="">
+        <mc:Fallback>
           <p:sp>
             <p:nvSpPr>
               <p:cNvPr id="4" name="TextBox 3"/>
@@ -16282,8 +16304,729 @@
             </p:nvSpPr>
             <p:spPr>
               <a:xfrm>
+                <a:off x="2209800" y="2326711"/>
+                <a:ext cx="4747146" cy="1102289"/>
+              </a:xfrm>
+              <a:prstGeom prst="rect">
+                <a:avLst/>
+              </a:prstGeom>
+              <a:blipFill rotWithShape="1">
+                <a:blip r:embed="rId2"/>
+                <a:stretch>
+                  <a:fillRect/>
+                </a:stretch>
+              </a:blipFill>
+            </p:spPr>
+            <p:txBody>
+              <a:bodyPr/>
+              <a:lstStyle/>
+              <a:p>
+                <a:r>
+                  <a:rPr lang="en-US">
+                    <a:noFill/>
+                  </a:rPr>
+                  <a:t> </a:t>
+                </a:r>
+              </a:p>
+            </p:txBody>
+          </p:sp>
+        </mc:Fallback>
+      </mc:AlternateContent>
+      <p:sp>
+        <p:nvSpPr>
+          <p:cNvPr id="5" name="Rounded Rectangular Callout 4"/>
+          <p:cNvSpPr/>
+          <p:nvPr/>
+        </p:nvSpPr>
+        <p:spPr>
+          <a:xfrm>
+            <a:off x="1066800" y="1371600"/>
+            <a:ext cx="2286000" cy="609600"/>
+          </a:xfrm>
+          <a:prstGeom prst="wedgeRoundRectCallout">
+            <a:avLst>
+              <a:gd name="adj1" fmla="val 29913"/>
+              <a:gd name="adj2" fmla="val 196828"/>
+              <a:gd name="adj3" fmla="val 16667"/>
+            </a:avLst>
+          </a:prstGeom>
+        </p:spPr>
+        <p:style>
+          <a:lnRef idx="2">
+            <a:schemeClr val="accent1">
+              <a:shade val="50000"/>
+            </a:schemeClr>
+          </a:lnRef>
+          <a:fillRef idx="1">
+            <a:schemeClr val="accent1"/>
+          </a:fillRef>
+          <a:effectRef idx="0">
+            <a:schemeClr val="accent1"/>
+          </a:effectRef>
+          <a:fontRef idx="minor">
+            <a:schemeClr val="lt1"/>
+          </a:fontRef>
+        </p:style>
+        <p:txBody>
+          <a:bodyPr rtlCol="0" anchor="ctr"/>
+          <a:lstStyle/>
+          <a:p>
+            <a:pPr algn="ctr"/>
+            <a:r>
+              <a:rPr lang="en-US" dirty="0" smtClean="0"/>
+              <a:t>Network’s idle power consumption</a:t>
+            </a:r>
+            <a:endParaRPr lang="en-US" dirty="0"/>
+          </a:p>
+        </p:txBody>
+      </p:sp>
+      <p:sp>
+        <p:nvSpPr>
+          <p:cNvPr id="6" name="Rounded Rectangular Callout 5"/>
+          <p:cNvSpPr/>
+          <p:nvPr/>
+        </p:nvSpPr>
+        <p:spPr>
+          <a:xfrm>
+            <a:off x="228600" y="2057400"/>
+            <a:ext cx="1981200" cy="609600"/>
+          </a:xfrm>
+          <a:prstGeom prst="wedgeRoundRectCallout">
+            <a:avLst>
+              <a:gd name="adj1" fmla="val 56320"/>
+              <a:gd name="adj2" fmla="val 98321"/>
+              <a:gd name="adj3" fmla="val 16667"/>
+            </a:avLst>
+          </a:prstGeom>
+        </p:spPr>
+        <p:style>
+          <a:lnRef idx="2">
+            <a:schemeClr val="accent1">
+              <a:shade val="50000"/>
+            </a:schemeClr>
+          </a:lnRef>
+          <a:fillRef idx="1">
+            <a:schemeClr val="accent1"/>
+          </a:fillRef>
+          <a:effectRef idx="0">
+            <a:schemeClr val="accent1"/>
+          </a:effectRef>
+          <a:fontRef idx="minor">
+            <a:schemeClr val="lt1"/>
+          </a:fontRef>
+        </p:style>
+        <p:txBody>
+          <a:bodyPr rtlCol="0" anchor="ctr"/>
+          <a:lstStyle/>
+          <a:p>
+            <a:pPr algn="ctr"/>
+            <a:r>
+              <a:rPr lang="en-US" dirty="0" smtClean="0"/>
+              <a:t>Site i’s workload capacity</a:t>
+            </a:r>
+            <a:endParaRPr lang="en-US" dirty="0"/>
+          </a:p>
+        </p:txBody>
+      </p:sp>
+      <p:sp>
+        <p:nvSpPr>
+          <p:cNvPr id="7" name="Right Brace 6"/>
+          <p:cNvSpPr/>
+          <p:nvPr/>
+        </p:nvSpPr>
+        <p:spPr>
+          <a:xfrm rot="5400000">
+            <a:off x="2743200" y="2756848"/>
+            <a:ext cx="228600" cy="990600"/>
+          </a:xfrm>
+          <a:prstGeom prst="rightBrace">
+            <a:avLst/>
+          </a:prstGeom>
+        </p:spPr>
+        <p:style>
+          <a:lnRef idx="1">
+            <a:schemeClr val="accent1"/>
+          </a:lnRef>
+          <a:fillRef idx="0">
+            <a:schemeClr val="accent1"/>
+          </a:fillRef>
+          <a:effectRef idx="0">
+            <a:schemeClr val="accent1"/>
+          </a:effectRef>
+          <a:fontRef idx="minor">
+            <a:schemeClr val="tx1"/>
+          </a:fontRef>
+        </p:style>
+        <p:txBody>
+          <a:bodyPr rtlCol="0" anchor="ctr"/>
+          <a:lstStyle/>
+          <a:p>
+            <a:pPr algn="ctr"/>
+            <a:endParaRPr lang="en-US"/>
+          </a:p>
+        </p:txBody>
+      </p:sp>
+      <p:sp>
+        <p:nvSpPr>
+          <p:cNvPr id="8" name="Rounded Rectangular Callout 7"/>
+          <p:cNvSpPr/>
+          <p:nvPr/>
+        </p:nvSpPr>
+        <p:spPr>
+          <a:xfrm>
+            <a:off x="1219200" y="4114800"/>
+            <a:ext cx="2133600" cy="609600"/>
+          </a:xfrm>
+          <a:prstGeom prst="wedgeRoundRectCallout">
+            <a:avLst>
+              <a:gd name="adj1" fmla="val 27141"/>
+              <a:gd name="adj2" fmla="val -159142"/>
+              <a:gd name="adj3" fmla="val 16667"/>
+            </a:avLst>
+          </a:prstGeom>
+        </p:spPr>
+        <p:style>
+          <a:lnRef idx="2">
+            <a:schemeClr val="accent1">
+              <a:shade val="50000"/>
+            </a:schemeClr>
+          </a:lnRef>
+          <a:fillRef idx="1">
+            <a:schemeClr val="accent1"/>
+          </a:fillRef>
+          <a:effectRef idx="0">
+            <a:schemeClr val="accent1"/>
+          </a:effectRef>
+          <a:fontRef idx="minor">
+            <a:schemeClr val="lt1"/>
+          </a:fontRef>
+        </p:style>
+        <p:txBody>
+          <a:bodyPr rtlCol="0" anchor="ctr"/>
+          <a:lstStyle/>
+          <a:p>
+            <a:pPr algn="ctr"/>
+            <a:r>
+              <a:rPr lang="en-US" dirty="0" smtClean="0"/>
+              <a:t>Site i’s idle power consumption</a:t>
+            </a:r>
+            <a:endParaRPr lang="en-US" dirty="0"/>
+          </a:p>
+        </p:txBody>
+      </p:sp>
+      <p:sp>
+        <p:nvSpPr>
+          <p:cNvPr id="9" name="Right Brace 8"/>
+          <p:cNvSpPr/>
+          <p:nvPr/>
+        </p:nvSpPr>
+        <p:spPr>
+          <a:xfrm rot="16200000">
+            <a:off x="4267200" y="1905000"/>
+            <a:ext cx="228600" cy="990600"/>
+          </a:xfrm>
+          <a:prstGeom prst="rightBrace">
+            <a:avLst/>
+          </a:prstGeom>
+        </p:spPr>
+        <p:style>
+          <a:lnRef idx="1">
+            <a:schemeClr val="accent1"/>
+          </a:lnRef>
+          <a:fillRef idx="0">
+            <a:schemeClr val="accent1"/>
+          </a:fillRef>
+          <a:effectRef idx="0">
+            <a:schemeClr val="accent1"/>
+          </a:effectRef>
+          <a:fontRef idx="minor">
+            <a:schemeClr val="tx1"/>
+          </a:fontRef>
+        </p:style>
+        <p:txBody>
+          <a:bodyPr rtlCol="0" anchor="ctr"/>
+          <a:lstStyle/>
+          <a:p>
+            <a:pPr algn="ctr"/>
+            <a:endParaRPr lang="en-US"/>
+          </a:p>
+        </p:txBody>
+      </p:sp>
+      <p:sp>
+        <p:nvSpPr>
+          <p:cNvPr id="10" name="Rounded Rectangular Callout 9"/>
+          <p:cNvSpPr/>
+          <p:nvPr/>
+        </p:nvSpPr>
+        <p:spPr>
+          <a:xfrm>
+            <a:off x="4381500" y="1470547"/>
+            <a:ext cx="2133600" cy="609600"/>
+          </a:xfrm>
+          <a:prstGeom prst="wedgeRoundRectCallout">
+            <a:avLst>
+              <a:gd name="adj1" fmla="val -47059"/>
+              <a:gd name="adj2" fmla="val 75933"/>
+              <a:gd name="adj3" fmla="val 16667"/>
+            </a:avLst>
+          </a:prstGeom>
+        </p:spPr>
+        <p:style>
+          <a:lnRef idx="2">
+            <a:schemeClr val="accent1">
+              <a:shade val="50000"/>
+            </a:schemeClr>
+          </a:lnRef>
+          <a:fillRef idx="1">
+            <a:schemeClr val="accent1"/>
+          </a:fillRef>
+          <a:effectRef idx="0">
+            <a:schemeClr val="accent1"/>
+          </a:effectRef>
+          <a:fontRef idx="minor">
+            <a:schemeClr val="lt1"/>
+          </a:fontRef>
+        </p:style>
+        <p:txBody>
+          <a:bodyPr rtlCol="0" anchor="ctr"/>
+          <a:lstStyle/>
+          <a:p>
+            <a:pPr algn="ctr"/>
+            <a:r>
+              <a:rPr lang="en-US" dirty="0" smtClean="0"/>
+              <a:t>Site i’s peak power consumption</a:t>
+            </a:r>
+            <a:endParaRPr lang="en-US" dirty="0"/>
+          </a:p>
+        </p:txBody>
+      </p:sp>
+      <p:sp>
+        <p:nvSpPr>
+          <p:cNvPr id="11" name="Right Brace 10"/>
+          <p:cNvSpPr/>
+          <p:nvPr/>
+        </p:nvSpPr>
+        <p:spPr>
+          <a:xfrm rot="5400000">
+            <a:off x="4953000" y="2071048"/>
+            <a:ext cx="228600" cy="2667000"/>
+          </a:xfrm>
+          <a:prstGeom prst="rightBrace">
+            <a:avLst/>
+          </a:prstGeom>
+        </p:spPr>
+        <p:style>
+          <a:lnRef idx="1">
+            <a:schemeClr val="accent1"/>
+          </a:lnRef>
+          <a:fillRef idx="0">
+            <a:schemeClr val="accent1"/>
+          </a:fillRef>
+          <a:effectRef idx="0">
+            <a:schemeClr val="accent1"/>
+          </a:effectRef>
+          <a:fontRef idx="minor">
+            <a:schemeClr val="tx1"/>
+          </a:fontRef>
+        </p:style>
+        <p:txBody>
+          <a:bodyPr rtlCol="0" anchor="ctr"/>
+          <a:lstStyle/>
+          <a:p>
+            <a:pPr algn="ctr"/>
+            <a:endParaRPr lang="en-US"/>
+          </a:p>
+        </p:txBody>
+      </p:sp>
+      <p:sp>
+        <p:nvSpPr>
+          <p:cNvPr id="12" name="Rounded Rectangular Callout 11"/>
+          <p:cNvSpPr/>
+          <p:nvPr/>
+        </p:nvSpPr>
+        <p:spPr>
+          <a:xfrm>
+            <a:off x="5791200" y="4114800"/>
+            <a:ext cx="2286000" cy="609600"/>
+          </a:xfrm>
+          <a:prstGeom prst="wedgeRoundRectCallout">
+            <a:avLst>
+              <a:gd name="adj1" fmla="val -78743"/>
+              <a:gd name="adj2" fmla="val -138992"/>
+              <a:gd name="adj3" fmla="val 16667"/>
+            </a:avLst>
+          </a:prstGeom>
+        </p:spPr>
+        <p:style>
+          <a:lnRef idx="2">
+            <a:schemeClr val="accent1">
+              <a:shade val="50000"/>
+            </a:schemeClr>
+          </a:lnRef>
+          <a:fillRef idx="1">
+            <a:schemeClr val="accent1"/>
+          </a:fillRef>
+          <a:effectRef idx="0">
+            <a:schemeClr val="accent1"/>
+          </a:effectRef>
+          <a:fontRef idx="minor">
+            <a:schemeClr val="lt1"/>
+          </a:fontRef>
+        </p:style>
+        <p:txBody>
+          <a:bodyPr rtlCol="0" anchor="ctr"/>
+          <a:lstStyle/>
+          <a:p>
+            <a:pPr algn="ctr"/>
+            <a:r>
+              <a:rPr lang="en-US" dirty="0" smtClean="0"/>
+              <a:t>Slope of power consumption profile</a:t>
+            </a:r>
+            <a:endParaRPr lang="en-US" dirty="0"/>
+          </a:p>
+        </p:txBody>
+      </p:sp>
+      <p:sp>
+        <p:nvSpPr>
+          <p:cNvPr id="13" name="Rounded Rectangular Callout 12"/>
+          <p:cNvSpPr/>
+          <p:nvPr/>
+        </p:nvSpPr>
+        <p:spPr>
+          <a:xfrm>
+            <a:off x="228600" y="3657600"/>
+            <a:ext cx="1600200" cy="457200"/>
+          </a:xfrm>
+          <a:prstGeom prst="wedgeRoundRectCallout">
+            <a:avLst>
+              <a:gd name="adj1" fmla="val 110510"/>
+              <a:gd name="adj2" fmla="val -101679"/>
+              <a:gd name="adj3" fmla="val 16667"/>
+            </a:avLst>
+          </a:prstGeom>
+        </p:spPr>
+        <p:style>
+          <a:lnRef idx="2">
+            <a:schemeClr val="accent1">
+              <a:shade val="50000"/>
+            </a:schemeClr>
+          </a:lnRef>
+          <a:fillRef idx="1">
+            <a:schemeClr val="accent1"/>
+          </a:fillRef>
+          <a:effectRef idx="0">
+            <a:schemeClr val="accent1"/>
+          </a:effectRef>
+          <a:fontRef idx="minor">
+            <a:schemeClr val="lt1"/>
+          </a:fontRef>
+        </p:style>
+        <p:txBody>
+          <a:bodyPr rtlCol="0" anchor="ctr"/>
+          <a:lstStyle/>
+          <a:p>
+            <a:pPr algn="ctr"/>
+            <a:r>
+              <a:rPr lang="en-US" dirty="0" smtClean="0"/>
+              <a:t>Idling power</a:t>
+            </a:r>
+            <a:endParaRPr lang="en-US" dirty="0"/>
+          </a:p>
+        </p:txBody>
+      </p:sp>
+      <p:sp>
+        <p:nvSpPr>
+          <p:cNvPr id="14" name="Right Brace 13"/>
+          <p:cNvSpPr/>
+          <p:nvPr/>
+        </p:nvSpPr>
+        <p:spPr>
+          <a:xfrm rot="5400000">
+            <a:off x="5181600" y="1828800"/>
+            <a:ext cx="228600" cy="3124200"/>
+          </a:xfrm>
+          <a:prstGeom prst="rightBrace">
+            <a:avLst/>
+          </a:prstGeom>
+        </p:spPr>
+        <p:style>
+          <a:lnRef idx="1">
+            <a:schemeClr val="accent1"/>
+          </a:lnRef>
+          <a:fillRef idx="0">
+            <a:schemeClr val="accent1"/>
+          </a:fillRef>
+          <a:effectRef idx="0">
+            <a:schemeClr val="accent1"/>
+          </a:effectRef>
+          <a:fontRef idx="minor">
+            <a:schemeClr val="tx1"/>
+          </a:fontRef>
+        </p:style>
+        <p:txBody>
+          <a:bodyPr rtlCol="0" anchor="ctr"/>
+          <a:lstStyle/>
+          <a:p>
+            <a:pPr algn="ctr"/>
+            <a:endParaRPr lang="en-US"/>
+          </a:p>
+        </p:txBody>
+      </p:sp>
+      <p:sp>
+        <p:nvSpPr>
+          <p:cNvPr id="15" name="Rounded Rectangular Callout 14"/>
+          <p:cNvSpPr/>
+          <p:nvPr/>
+        </p:nvSpPr>
+        <p:spPr>
+          <a:xfrm>
+            <a:off x="6515100" y="3657600"/>
+            <a:ext cx="2476500" cy="609600"/>
+          </a:xfrm>
+          <a:prstGeom prst="wedgeRoundRectCallout">
+            <a:avLst>
+              <a:gd name="adj1" fmla="val -97435"/>
+              <a:gd name="adj2" fmla="val -71828"/>
+              <a:gd name="adj3" fmla="val 16667"/>
+            </a:avLst>
+          </a:prstGeom>
+        </p:spPr>
+        <p:style>
+          <a:lnRef idx="2">
+            <a:schemeClr val="accent1">
+              <a:shade val="50000"/>
+            </a:schemeClr>
+          </a:lnRef>
+          <a:fillRef idx="1">
+            <a:schemeClr val="accent1"/>
+          </a:fillRef>
+          <a:effectRef idx="0">
+            <a:schemeClr val="accent1"/>
+          </a:effectRef>
+          <a:fontRef idx="minor">
+            <a:schemeClr val="lt1"/>
+          </a:fontRef>
+        </p:style>
+        <p:txBody>
+          <a:bodyPr rtlCol="0" anchor="ctr"/>
+          <a:lstStyle/>
+          <a:p>
+            <a:pPr algn="ctr"/>
+            <a:r>
+              <a:rPr lang="en-US" dirty="0" smtClean="0"/>
+              <a:t>Workload dependent power</a:t>
+            </a:r>
+            <a:endParaRPr lang="en-US" dirty="0"/>
+          </a:p>
+        </p:txBody>
+      </p:sp>
+      <p:sp>
+        <p:nvSpPr>
+          <p:cNvPr id="16" name="TextBox 15"/>
+          <p:cNvSpPr txBox="1"/>
+          <p:nvPr/>
+        </p:nvSpPr>
+        <p:spPr>
+          <a:xfrm>
+            <a:off x="1371600" y="3581400"/>
+            <a:ext cx="6841938" cy="523220"/>
+          </a:xfrm>
+          <a:prstGeom prst="rect">
+            <a:avLst/>
+          </a:prstGeom>
+          <a:noFill/>
+        </p:spPr>
+        <p:txBody>
+          <a:bodyPr wrap="none" rtlCol="0">
+            <a:spAutoFit/>
+          </a:bodyPr>
+          <a:lstStyle/>
+          <a:p>
+            <a:r>
+              <a:rPr lang="en-US" sz="2800" dirty="0" smtClean="0"/>
+              <a:t>Normalize over </a:t>
+            </a:r>
+            <a:r>
+              <a:rPr lang="en-US" sz="2800" dirty="0" err="1" smtClean="0"/>
+              <a:t>P</a:t>
+            </a:r>
+            <a:r>
+              <a:rPr lang="en-US" sz="2800" baseline="-25000" dirty="0" err="1" smtClean="0"/>
+              <a:t>max</a:t>
+            </a:r>
+            <a:r>
+              <a:rPr lang="en-US" sz="2800" dirty="0" smtClean="0"/>
+              <a:t> and replace f = </a:t>
+            </a:r>
+            <a:r>
+              <a:rPr lang="en-US" sz="2800" dirty="0" err="1" smtClean="0"/>
+              <a:t>P</a:t>
+            </a:r>
+            <a:r>
+              <a:rPr lang="en-US" sz="2800" baseline="-25000" dirty="0" err="1" smtClean="0"/>
+              <a:t>min</a:t>
+            </a:r>
+            <a:r>
+              <a:rPr lang="en-US" sz="2800" dirty="0" smtClean="0"/>
+              <a:t> / </a:t>
+            </a:r>
+            <a:r>
+              <a:rPr lang="en-US" sz="2800" dirty="0" err="1" smtClean="0"/>
+              <a:t>P</a:t>
+            </a:r>
+            <a:r>
+              <a:rPr lang="en-US" sz="2800" baseline="-25000" dirty="0" err="1" smtClean="0"/>
+              <a:t>max</a:t>
+            </a:r>
+            <a:endParaRPr lang="en-US" sz="2800" baseline="-25000" dirty="0"/>
+          </a:p>
+        </p:txBody>
+      </p:sp>
+      <mc:AlternateContent xmlns:mc="http://schemas.openxmlformats.org/markup-compatibility/2006">
+        <mc:Choice xmlns:a14="http://schemas.microsoft.com/office/drawing/2010/main" Requires="a14">
+          <p:sp>
+            <p:nvSpPr>
+              <p:cNvPr id="17" name="TextBox 16"/>
+              <p:cNvSpPr txBox="1"/>
+              <p:nvPr/>
+            </p:nvSpPr>
+            <p:spPr>
+              <a:xfrm>
                 <a:off x="2362200" y="4191000"/>
-                <a:ext cx="4038600" cy="741613"/>
+                <a:ext cx="4038600" cy="703013"/>
+              </a:xfrm>
+              <a:prstGeom prst="rect">
+                <a:avLst/>
+              </a:prstGeom>
+              <a:noFill/>
+            </p:spPr>
+            <p:txBody>
+              <a:bodyPr wrap="square" rtlCol="0">
+                <a:spAutoFit/>
+              </a:bodyPr>
+              <a:lstStyle/>
+              <a:p>
+                <a:pPr/>
+                <a14:m>
+                  <m:oMathPara xmlns:m="http://schemas.openxmlformats.org/officeDocument/2006/math">
+                    <m:oMathParaPr>
+                      <m:jc m:val="centerGroup"/>
+                    </m:oMathParaPr>
+                    <m:oMath xmlns:m="http://schemas.openxmlformats.org/officeDocument/2006/math">
+                      <m:r>
+                        <a:rPr lang="en-US" sz="3200" b="0" i="1" smtClean="0">
+                          <a:latin typeface="Cambria Math"/>
+                        </a:rPr>
+                        <m:t>𝑓</m:t>
+                      </m:r>
+                      <m:sSub>
+                        <m:sSubPr>
+                          <m:ctrlPr>
+                            <a:rPr lang="en-US" sz="3200" b="0" i="1" smtClean="0">
+                              <a:latin typeface="Cambria Math"/>
+                            </a:rPr>
+                          </m:ctrlPr>
+                        </m:sSubPr>
+                        <m:e>
+                          <m:r>
+                            <a:rPr lang="en-US" sz="3200" b="0" i="1" smtClean="0">
+                              <a:latin typeface="Cambria Math"/>
+                            </a:rPr>
+                            <m:t>𝑐</m:t>
+                          </m:r>
+                        </m:e>
+                        <m:sub>
+                          <m:r>
+                            <a:rPr lang="en-US" sz="3200" b="0" i="1" smtClean="0">
+                              <a:latin typeface="Cambria Math"/>
+                            </a:rPr>
+                            <m:t>𝑖</m:t>
+                          </m:r>
+                        </m:sub>
+                      </m:sSub>
+                      <m:r>
+                        <a:rPr lang="en-US" sz="3200" b="0" i="1" smtClean="0">
+                          <a:latin typeface="Cambria Math"/>
+                        </a:rPr>
+                        <m:t>+</m:t>
+                      </m:r>
+                      <m:d>
+                        <m:dPr>
+                          <m:ctrlPr>
+                            <a:rPr lang="en-US" sz="3200" i="1">
+                              <a:latin typeface="Cambria Math"/>
+                            </a:rPr>
+                          </m:ctrlPr>
+                        </m:dPr>
+                        <m:e>
+                          <m:r>
+                            <a:rPr lang="en-US" sz="3200" i="1">
+                              <a:latin typeface="Cambria Math"/>
+                            </a:rPr>
+                            <m:t>1−</m:t>
+                          </m:r>
+                          <m:r>
+                            <a:rPr lang="en-US" sz="3200" i="1">
+                              <a:latin typeface="Cambria Math"/>
+                            </a:rPr>
+                            <m:t>𝑓</m:t>
+                          </m:r>
+                        </m:e>
+                      </m:d>
+                      <m:sSubSup>
+                        <m:sSubSupPr>
+                          <m:ctrlPr>
+                            <a:rPr lang="en-US" sz="3200" i="1" smtClean="0">
+                              <a:latin typeface="Cambria Math"/>
+                            </a:rPr>
+                          </m:ctrlPr>
+                        </m:sSubSupPr>
+                        <m:e>
+                          <m:r>
+                            <a:rPr lang="en-US" sz="3200" b="0" i="1" smtClean="0">
+                              <a:latin typeface="Cambria Math"/>
+                            </a:rPr>
+                            <m:t>𝑥</m:t>
+                          </m:r>
+                        </m:e>
+                        <m:sub>
+                          <m:r>
+                            <a:rPr lang="en-US" sz="3200" b="0" i="1" smtClean="0">
+                              <a:latin typeface="Cambria Math"/>
+                            </a:rPr>
+                            <m:t>𝑖</m:t>
+                          </m:r>
+                        </m:sub>
+                        <m:sup>
+                          <m:r>
+                            <a:rPr lang="en-US" sz="3200" b="0" i="1" smtClean="0">
+                              <a:latin typeface="Cambria Math"/>
+                            </a:rPr>
+                            <m:t>𝑗</m:t>
+                          </m:r>
+                        </m:sup>
+                      </m:sSubSup>
+                    </m:oMath>
+                  </m:oMathPara>
+                </a14:m>
+                <a:endParaRPr lang="en-US" sz="3200" dirty="0"/>
+              </a:p>
+            </p:txBody>
+          </p:sp>
+        </mc:Choice>
+        <mc:Fallback>
+          <p:sp>
+            <p:nvSpPr>
+              <p:cNvPr id="17" name="TextBox 16"/>
+              <p:cNvSpPr txBox="1">
+                <a:spLocks noRot="1" noChangeAspect="1" noMove="1" noResize="1" noEditPoints="1" noAdjustHandles="1" noChangeArrowheads="1" noChangeShapeType="1" noTextEdit="1"/>
+              </p:cNvSpPr>
+              <p:nvPr/>
+            </p:nvSpPr>
+            <p:spPr>
+              <a:xfrm>
+                <a:off x="2362200" y="4191000"/>
+                <a:ext cx="4038600" cy="703013"/>
               </a:xfrm>
               <a:prstGeom prst="rect">
                 <a:avLst/>
@@ -16310,86 +17053,18 @@
           </p:sp>
         </mc:Fallback>
       </mc:AlternateContent>
-      <p:sp>
-        <p:nvSpPr>
-          <p:cNvPr id="5" name="TextBox 4"/>
-          <p:cNvSpPr txBox="1"/>
-          <p:nvPr/>
-        </p:nvSpPr>
-        <p:spPr>
-          <a:xfrm>
-            <a:off x="1305012" y="4974177"/>
-            <a:ext cx="6924588" cy="830997"/>
-          </a:xfrm>
-          <a:prstGeom prst="rect">
-            <a:avLst/>
-          </a:prstGeom>
-          <a:noFill/>
-        </p:spPr>
-        <p:txBody>
-          <a:bodyPr wrap="none" rtlCol="0">
-            <a:spAutoFit/>
-          </a:bodyPr>
-          <a:lstStyle/>
-          <a:p>
-            <a:r>
-              <a:rPr lang="en-US" sz="2400" dirty="0" smtClean="0"/>
-              <a:t>Divide by </a:t>
-            </a:r>
-            <a:r>
-              <a:rPr lang="en-US" sz="2400" dirty="0" err="1" smtClean="0"/>
-              <a:t>P</a:t>
-            </a:r>
-            <a:r>
-              <a:rPr lang="en-US" sz="2400" baseline="-25000" dirty="0" err="1" smtClean="0"/>
-              <a:t>max</a:t>
-            </a:r>
-            <a:r>
-              <a:rPr lang="en-US" sz="2400" dirty="0" smtClean="0"/>
-              <a:t> to get normalized power consumption</a:t>
-            </a:r>
-          </a:p>
-          <a:p>
-            <a:r>
-              <a:rPr lang="en-US" sz="2400" dirty="0" smtClean="0"/>
-              <a:t>Substitute f = </a:t>
-            </a:r>
-            <a:r>
-              <a:rPr lang="en-US" sz="2400" dirty="0" err="1" smtClean="0"/>
-              <a:t>P</a:t>
-            </a:r>
-            <a:r>
-              <a:rPr lang="en-US" sz="2400" baseline="-25000" dirty="0" err="1" smtClean="0"/>
-              <a:t>min</a:t>
-            </a:r>
-            <a:r>
-              <a:rPr lang="en-US" sz="2400" dirty="0" smtClean="0"/>
-              <a:t>/</a:t>
-            </a:r>
-            <a:r>
-              <a:rPr lang="en-US" sz="2400" dirty="0" err="1" smtClean="0"/>
-              <a:t>P</a:t>
-            </a:r>
-            <a:r>
-              <a:rPr lang="en-US" sz="2400" baseline="-25000" dirty="0" err="1" smtClean="0"/>
-              <a:t>max</a:t>
-            </a:r>
-            <a:endParaRPr lang="en-US" sz="2400" baseline="-25000" dirty="0"/>
-          </a:p>
-        </p:txBody>
-      </p:sp>
-      <mc:AlternateContent xmlns:mc="http://schemas.openxmlformats.org/markup-compatibility/2006" xmlns:a14="http://schemas.microsoft.com/office/drawing/2010/main">
-        <mc:Choice Requires="a14">
+      <mc:AlternateContent xmlns:mc="http://schemas.openxmlformats.org/markup-compatibility/2006">
+        <mc:Choice xmlns:a14="http://schemas.microsoft.com/office/drawing/2010/main" Requires="a14">
           <p:sp>
             <p:nvSpPr>
-              <p:cNvPr id="6" name="TextBox 5"/>
+              <p:cNvPr id="18" name="TextBox 17"/>
               <p:cNvSpPr txBox="1"/>
               <p:nvPr/>
             </p:nvSpPr>
             <p:spPr>
               <a:xfrm>
-                <a:off x="2362200" y="5867400"/>
-                <a:ext cx="4038600" cy="436145"/>
+                <a:off x="2362200" y="5382022"/>
+                <a:ext cx="4038600" cy="1029513"/>
               </a:xfrm>
               <a:prstGeom prst="rect">
                 <a:avLst/>
@@ -16410,7 +17085,7 @@
                     </m:oMathParaPr>
                     <m:oMath xmlns:m="http://schemas.openxmlformats.org/officeDocument/2006/math">
                       <m:r>
-                        <a:rPr lang="en-US" b="0" i="1" smtClean="0">
+                        <a:rPr lang="en-US" sz="2800" b="0" i="1" smtClean="0">
                           <a:latin typeface="Cambria Math"/>
                         </a:rPr>
                         <m:t>𝑓</m:t>
@@ -16418,14 +17093,14 @@
                       <m:sSub>
                         <m:sSubPr>
                           <m:ctrlPr>
-                            <a:rPr lang="en-US" b="0" i="1" smtClean="0">
+                            <a:rPr lang="en-US" sz="2800" b="0" i="1" smtClean="0">
                               <a:latin typeface="Cambria Math"/>
                             </a:rPr>
                           </m:ctrlPr>
                         </m:sSubPr>
                         <m:e>
                           <m:r>
-                            <a:rPr lang="en-US" b="0" i="1" smtClean="0">
+                            <a:rPr lang="en-US" sz="2800" b="0" i="1" smtClean="0">
                               <a:latin typeface="Cambria Math"/>
                             </a:rPr>
                             <m:t>𝑐</m:t>
@@ -16433,15 +17108,67 @@
                         </m:e>
                         <m:sub>
                           <m:r>
-                            <a:rPr lang="en-US" b="0" i="1" smtClean="0">
+                            <a:rPr lang="en-US" sz="2800" b="0" i="1" smtClean="0">
                               <a:latin typeface="Cambria Math"/>
                             </a:rPr>
                             <m:t>𝑖</m:t>
                           </m:r>
                         </m:sub>
                       </m:sSub>
+                      <m:f>
+                        <m:fPr>
+                          <m:ctrlPr>
+                            <a:rPr lang="en-US" sz="2800" b="0" i="1" smtClean="0">
+                              <a:latin typeface="Cambria Math"/>
+                            </a:rPr>
+                          </m:ctrlPr>
+                        </m:fPr>
+                        <m:num>
+                          <m:sSubSup>
+                            <m:sSubSupPr>
+                              <m:ctrlPr>
+                                <a:rPr lang="en-US" sz="2800" b="0" i="1" smtClean="0">
+                                  <a:latin typeface="Cambria Math"/>
+                                </a:rPr>
+                              </m:ctrlPr>
+                            </m:sSubSupPr>
+                            <m:e>
+                              <m:r>
+                                <a:rPr lang="en-US" sz="2800" b="0" i="1" smtClean="0">
+                                  <a:latin typeface="Cambria Math"/>
+                                </a:rPr>
+                                <m:t>𝑝</m:t>
+                              </m:r>
+                            </m:e>
+                            <m:sub>
+                              <m:r>
+                                <a:rPr lang="en-US" sz="2800" b="0" i="1" smtClean="0">
+                                  <a:latin typeface="Cambria Math"/>
+                                </a:rPr>
+                                <m:t>𝑖</m:t>
+                              </m:r>
+                            </m:sub>
+                            <m:sup>
+                              <m:r>
+                                <a:rPr lang="en-US" sz="2800" b="0" i="1" smtClean="0">
+                                  <a:latin typeface="Cambria Math"/>
+                                </a:rPr>
+                                <m:t>𝑗</m:t>
+                              </m:r>
+                            </m:sup>
+                          </m:sSubSup>
+                        </m:num>
+                        <m:den>
+                          <m:r>
+                            <a:rPr lang="en-US" sz="2800" b="0" i="1" smtClean="0">
+                              <a:latin typeface="Cambria Math"/>
+                            </a:rPr>
+                            <m:t>𝑙</m:t>
+                          </m:r>
+                        </m:den>
+                      </m:f>
                       <m:r>
-                        <a:rPr lang="en-US" b="0" i="1" smtClean="0">
+                        <a:rPr lang="en-US" sz="2800" b="0" i="1" smtClean="0">
                           <a:latin typeface="Cambria Math"/>
                         </a:rPr>
                         <m:t>+</m:t>
@@ -16449,20 +17176,20 @@
                       <m:d>
                         <m:dPr>
                           <m:ctrlPr>
-                            <a:rPr lang="en-US" i="1">
+                            <a:rPr lang="en-US" sz="2800" i="1">
                               <a:latin typeface="Cambria Math"/>
                             </a:rPr>
                           </m:ctrlPr>
                         </m:dPr>
                         <m:e>
                           <m:r>
-                            <a:rPr lang="en-US" i="1">
+                            <a:rPr lang="en-US" sz="2800" i="1">
                               <a:latin typeface="Cambria Math"/>
                             </a:rPr>
                             <m:t>1−</m:t>
                           </m:r>
                           <m:r>
-                            <a:rPr lang="en-US" i="1">
+                            <a:rPr lang="en-US" sz="2800" i="1">
                               <a:latin typeface="Cambria Math"/>
                             </a:rPr>
                             <m:t>𝑓</m:t>
@@ -16472,14 +17199,14 @@
                       <m:sSubSup>
                         <m:sSubSupPr>
                           <m:ctrlPr>
-                            <a:rPr lang="en-US" i="1" smtClean="0">
+                            <a:rPr lang="en-US" sz="2800" i="1" smtClean="0">
                               <a:latin typeface="Cambria Math"/>
                             </a:rPr>
                           </m:ctrlPr>
                         </m:sSubSupPr>
                         <m:e>
                           <m:r>
-                            <a:rPr lang="en-US" b="0" i="1" smtClean="0">
+                            <a:rPr lang="en-US" sz="2800" b="0" i="1" smtClean="0">
                               <a:latin typeface="Cambria Math"/>
                             </a:rPr>
                             <m:t>𝑥</m:t>
@@ -16487,7 +17214,7 @@
                         </m:e>
                         <m:sub>
                           <m:r>
-                            <a:rPr lang="en-US" b="0" i="1" smtClean="0">
+                            <a:rPr lang="en-US" sz="2800" b="0" i="1" smtClean="0">
                               <a:latin typeface="Cambria Math"/>
                             </a:rPr>
                             <m:t>𝑖</m:t>
@@ -16495,7 +17222,7 @@
                         </m:sub>
                         <m:sup>
                           <m:r>
-                            <a:rPr lang="en-US" b="0" i="1" smtClean="0">
+                            <a:rPr lang="en-US" sz="2800" b="0" i="1" smtClean="0">
                               <a:latin typeface="Cambria Math"/>
                             </a:rPr>
                             <m:t>𝑗</m:t>
@@ -16505,15 +17232,15 @@
                     </m:oMath>
                   </m:oMathPara>
                 </a14:m>
-                <a:endParaRPr lang="en-US" dirty="0"/>
+                <a:endParaRPr lang="en-US" sz="2800" dirty="0"/>
               </a:p>
             </p:txBody>
           </p:sp>
         </mc:Choice>
-        <mc:Fallback xmlns="">
+        <mc:Fallback>
           <p:sp>
             <p:nvSpPr>
-              <p:cNvPr id="6" name="TextBox 5"/>
+              <p:cNvPr id="18" name="TextBox 17"/>
               <p:cNvSpPr txBox="1">
                 <a:spLocks noRot="1" noChangeAspect="1" noMove="1" noResize="1" noEditPoints="1" noAdjustHandles="1" noChangeArrowheads="1" noChangeShapeType="1" noTextEdit="1"/>
               </p:cNvSpPr>
@@ -16521,8 +17248,8 @@
             </p:nvSpPr>
             <p:spPr>
               <a:xfrm>
-                <a:off x="2362200" y="5867400"/>
-                <a:ext cx="4038600" cy="436145"/>
+                <a:off x="2362200" y="5382022"/>
+                <a:ext cx="4038600" cy="1029513"/>
               </a:xfrm>
               <a:prstGeom prst="rect">
                 <a:avLst/>
@@ -16530,7 +17257,7 @@
               <a:blipFill rotWithShape="1">
                 <a:blip r:embed="rId4"/>
                 <a:stretch>
-                  <a:fillRect b="-7042"/>
+                  <a:fillRect/>
                 </a:stretch>
               </a:blipFill>
             </p:spPr>
@@ -16551,19 +17278,19 @@
       </mc:AlternateContent>
       <p:sp>
         <p:nvSpPr>
-          <p:cNvPr id="7" name="Rounded Rectangular Callout 6"/>
+          <p:cNvPr id="19" name="Rounded Rectangular Callout 18"/>
           <p:cNvSpPr/>
           <p:nvPr/>
         </p:nvSpPr>
         <p:spPr>
           <a:xfrm>
-            <a:off x="1524000" y="6373091"/>
-            <a:ext cx="1600200" cy="381000"/>
+            <a:off x="202442" y="4924822"/>
+            <a:ext cx="2921758" cy="561578"/>
           </a:xfrm>
           <a:prstGeom prst="wedgeRoundRectCallout">
             <a:avLst>
-              <a:gd name="adj1" fmla="val 70942"/>
-              <a:gd name="adj2" fmla="val -89015"/>
+              <a:gd name="adj1" fmla="val 53563"/>
+              <a:gd name="adj2" fmla="val -82792"/>
               <a:gd name="adj3" fmla="val 16667"/>
             </a:avLst>
           </a:prstGeom>
@@ -16591,7 +17318,15 @@
             <a:pPr algn="ctr"/>
             <a:r>
               <a:rPr lang="en-US" dirty="0" smtClean="0"/>
-              <a:t>Idling power</a:t>
+              <a:t>Incurred if some resources on site </a:t>
+            </a:r>
+            <a:r>
+              <a:rPr lang="en-US" dirty="0" err="1" smtClean="0"/>
+              <a:t>i</a:t>
+            </a:r>
+            <a:r>
+              <a:rPr lang="en-US" dirty="0" smtClean="0"/>
+              <a:t> are active</a:t>
             </a:r>
             <a:endParaRPr lang="en-US" dirty="0"/>
           </a:p>
@@ -16599,19 +17334,19 @@
       </p:sp>
       <p:sp>
         <p:nvSpPr>
-          <p:cNvPr id="8" name="Rounded Rectangular Callout 7"/>
+          <p:cNvPr id="20" name="Rounded Rectangular Callout 19"/>
           <p:cNvSpPr/>
           <p:nvPr/>
         </p:nvSpPr>
         <p:spPr>
           <a:xfrm>
-            <a:off x="5486400" y="6400800"/>
-            <a:ext cx="2971800" cy="381000"/>
+            <a:off x="4304731" y="4905641"/>
+            <a:ext cx="3238500" cy="488009"/>
           </a:xfrm>
           <a:prstGeom prst="wedgeRoundRectCallout">
             <a:avLst>
-              <a:gd name="adj1" fmla="val -60660"/>
-              <a:gd name="adj2" fmla="val -107197"/>
+              <a:gd name="adj1" fmla="val -62553"/>
+              <a:gd name="adj2" fmla="val 115636"/>
               <a:gd name="adj3" fmla="val 16667"/>
             </a:avLst>
           </a:prstGeom>
@@ -16639,7 +17374,55 @@
             <a:pPr algn="ctr"/>
             <a:r>
               <a:rPr lang="en-US" dirty="0" smtClean="0"/>
-              <a:t>Workload dependent power</a:t>
+              <a:t>Number of active resource sets</a:t>
+            </a:r>
+            <a:endParaRPr lang="en-US" dirty="0"/>
+          </a:p>
+        </p:txBody>
+      </p:sp>
+      <p:sp>
+        <p:nvSpPr>
+          <p:cNvPr id="21" name="Rounded Rectangular Callout 20"/>
+          <p:cNvSpPr/>
+          <p:nvPr/>
+        </p:nvSpPr>
+        <p:spPr>
+          <a:xfrm>
+            <a:off x="4533616" y="6248401"/>
+            <a:ext cx="3238500" cy="582904"/>
+          </a:xfrm>
+          <a:prstGeom prst="wedgeRoundRectCallout">
+            <a:avLst>
+              <a:gd name="adj1" fmla="val -73088"/>
+              <a:gd name="adj2" fmla="val -52096"/>
+              <a:gd name="adj3" fmla="val 16667"/>
+            </a:avLst>
+          </a:prstGeom>
+        </p:spPr>
+        <p:style>
+          <a:lnRef idx="2">
+            <a:schemeClr val="accent1">
+              <a:shade val="50000"/>
+            </a:schemeClr>
+          </a:lnRef>
+          <a:fillRef idx="1">
+            <a:schemeClr val="accent1"/>
+          </a:fillRef>
+          <a:effectRef idx="0">
+            <a:schemeClr val="accent1"/>
+          </a:effectRef>
+          <a:fontRef idx="minor">
+            <a:schemeClr val="lt1"/>
+          </a:fontRef>
+        </p:style>
+        <p:txBody>
+          <a:bodyPr rtlCol="0" anchor="ctr"/>
+          <a:lstStyle/>
+          <a:p>
+            <a:pPr algn="ctr"/>
+            <a:r>
+              <a:rPr lang="en-US" dirty="0" smtClean="0"/>
+              <a:t>Number of independent resource sets</a:t>
             </a:r>
             <a:endParaRPr lang="en-US" dirty="0"/>
           </a:p>
@@ -16648,7 +17431,7 @@
     </p:spTree>
     <p:extLst>
       <p:ext uri="{BB962C8B-B14F-4D97-AF65-F5344CB8AC3E}">
-        <p14:creationId xmlns:p14="http://schemas.microsoft.com/office/powerpoint/2010/main" val="2304962408"/>
+        <p14:creationId xmlns:p14="http://schemas.microsoft.com/office/powerpoint/2010/main" val="3245779898"/>
       </p:ext>
     </p:extLst>
   </p:cSld>
@@ -16689,11 +17472,7 @@
                                           </p:stCondLst>
                                         </p:cTn>
                                         <p:tgtEl>
-                                          <p:spTgt spid="3">
-                                            <p:txEl>
-                                              <p:pRg st="1" end="1"/>
-                                            </p:txEl>
-                                          </p:spTgt>
+                                          <p:spTgt spid="5"/>
                                         </p:tgtEl>
                                         <p:attrNameLst>
                                           <p:attrName>style.visibility</p:attrName>
@@ -16738,11 +17517,7 @@
                                           </p:stCondLst>
                                         </p:cTn>
                                         <p:tgtEl>
-                                          <p:spTgt spid="3">
-                                            <p:txEl>
-                                              <p:pRg st="2" end="2"/>
-                                            </p:txEl>
-                                          </p:spTgt>
+                                          <p:spTgt spid="6"/>
                                         </p:tgtEl>
                                         <p:attrNameLst>
                                           <p:attrName>style.visibility</p:attrName>
@@ -16787,11 +17562,34 @@
                                           </p:stCondLst>
                                         </p:cTn>
                                         <p:tgtEl>
-                                          <p:spTgt spid="3">
-                                            <p:txEl>
-                                              <p:pRg st="3" end="3"/>
-                                            </p:txEl>
-                                          </p:spTgt>
+                                          <p:spTgt spid="7"/>
+                                        </p:tgtEl>
+                                        <p:attrNameLst>
+                                          <p:attrName>style.visibility</p:attrName>
+                                        </p:attrNameLst>
+                                      </p:cBhvr>
+                                      <p:to>
+                                        <p:strVal val="visible"/>
+                                      </p:to>
+                                    </p:set>
+                                  </p:childTnLst>
+                                </p:cTn>
+                              </p:par>
+                              <p:par>
+                                <p:cTn id="15" presetID="1" presetClass="entr" presetSubtype="0" fill="hold" grpId="0" nodeType="withEffect">
+                                  <p:stCondLst>
+                                    <p:cond delay="0"/>
+                                  </p:stCondLst>
+                                  <p:childTnLst>
+                                    <p:set>
+                                      <p:cBhvr>
+                                        <p:cTn id="16" dur="1" fill="hold">
+                                          <p:stCondLst>
+                                            <p:cond delay="0"/>
+                                          </p:stCondLst>
+                                        </p:cTn>
+                                        <p:tgtEl>
+                                          <p:spTgt spid="8"/>
                                         </p:tgtEl>
                                         <p:attrNameLst>
                                           <p:attrName>style.visibility</p:attrName>
@@ -16811,36 +17609,140 @@
                     </p:cTn>
                   </p:par>
                   <p:par>
-                    <p:cTn id="15" fill="hold">
+                    <p:cTn id="17" fill="hold">
                       <p:stCondLst>
                         <p:cond delay="indefinite"/>
                       </p:stCondLst>
                       <p:childTnLst>
                         <p:par>
-                          <p:cTn id="16" fill="hold">
+                          <p:cTn id="18" fill="hold">
                             <p:stCondLst>
                               <p:cond delay="0"/>
                             </p:stCondLst>
                             <p:childTnLst>
                               <p:par>
-                                <p:cTn id="17" presetID="1" presetClass="entr" presetSubtype="0" fill="hold" grpId="0" nodeType="clickEffect">
+                                <p:cTn id="19" presetID="1" presetClass="exit" presetSubtype="0" fill="hold" grpId="1" nodeType="clickEffect">
                                   <p:stCondLst>
                                     <p:cond delay="0"/>
                                   </p:stCondLst>
                                   <p:childTnLst>
                                     <p:set>
                                       <p:cBhvr>
-                                        <p:cTn id="18" dur="1" fill="hold">
+                                        <p:cTn id="20" dur="1" fill="hold">
                                           <p:stCondLst>
                                             <p:cond delay="0"/>
                                           </p:stCondLst>
                                         </p:cTn>
                                         <p:tgtEl>
-                                          <p:spTgt spid="3">
-                                            <p:txEl>
-                                              <p:pRg st="4" end="4"/>
-                                            </p:txEl>
-                                          </p:spTgt>
+                                          <p:spTgt spid="5"/>
+                                        </p:tgtEl>
+                                        <p:attrNameLst>
+                                          <p:attrName>style.visibility</p:attrName>
+                                        </p:attrNameLst>
+                                      </p:cBhvr>
+                                      <p:to>
+                                        <p:strVal val="hidden"/>
+                                      </p:to>
+                                    </p:set>
+                                  </p:childTnLst>
+                                </p:cTn>
+                              </p:par>
+                              <p:par>
+                                <p:cTn id="21" presetID="1" presetClass="exit" presetSubtype="0" fill="hold" grpId="1" nodeType="withEffect">
+                                  <p:stCondLst>
+                                    <p:cond delay="0"/>
+                                  </p:stCondLst>
+                                  <p:childTnLst>
+                                    <p:set>
+                                      <p:cBhvr>
+                                        <p:cTn id="22" dur="1" fill="hold">
+                                          <p:stCondLst>
+                                            <p:cond delay="0"/>
+                                          </p:stCondLst>
+                                        </p:cTn>
+                                        <p:tgtEl>
+                                          <p:spTgt spid="6"/>
+                                        </p:tgtEl>
+                                        <p:attrNameLst>
+                                          <p:attrName>style.visibility</p:attrName>
+                                        </p:attrNameLst>
+                                      </p:cBhvr>
+                                      <p:to>
+                                        <p:strVal val="hidden"/>
+                                      </p:to>
+                                    </p:set>
+                                  </p:childTnLst>
+                                </p:cTn>
+                              </p:par>
+                              <p:par>
+                                <p:cTn id="23" presetID="1" presetClass="exit" presetSubtype="0" fill="hold" grpId="2" nodeType="withEffect">
+                                  <p:stCondLst>
+                                    <p:cond delay="0"/>
+                                  </p:stCondLst>
+                                  <p:childTnLst>
+                                    <p:set>
+                                      <p:cBhvr>
+                                        <p:cTn id="24" dur="1" fill="hold">
+                                          <p:stCondLst>
+                                            <p:cond delay="0"/>
+                                          </p:stCondLst>
+                                        </p:cTn>
+                                        <p:tgtEl>
+                                          <p:spTgt spid="7"/>
+                                        </p:tgtEl>
+                                        <p:attrNameLst>
+                                          <p:attrName>style.visibility</p:attrName>
+                                        </p:attrNameLst>
+                                      </p:cBhvr>
+                                      <p:to>
+                                        <p:strVal val="hidden"/>
+                                      </p:to>
+                                    </p:set>
+                                  </p:childTnLst>
+                                </p:cTn>
+                              </p:par>
+                              <p:par>
+                                <p:cTn id="25" presetID="1" presetClass="exit" presetSubtype="0" fill="hold" grpId="1" nodeType="withEffect">
+                                  <p:stCondLst>
+                                    <p:cond delay="0"/>
+                                  </p:stCondLst>
+                                  <p:childTnLst>
+                                    <p:set>
+                                      <p:cBhvr>
+                                        <p:cTn id="26" dur="1" fill="hold">
+                                          <p:stCondLst>
+                                            <p:cond delay="0"/>
+                                          </p:stCondLst>
+                                        </p:cTn>
+                                        <p:tgtEl>
+                                          <p:spTgt spid="8"/>
+                                        </p:tgtEl>
+                                        <p:attrNameLst>
+                                          <p:attrName>style.visibility</p:attrName>
+                                        </p:attrNameLst>
+                                      </p:cBhvr>
+                                      <p:to>
+                                        <p:strVal val="hidden"/>
+                                      </p:to>
+                                    </p:set>
+                                  </p:childTnLst>
+                                </p:cTn>
+                              </p:par>
+                              <p:par>
+                                <p:cTn id="27" presetID="1" presetClass="entr" presetSubtype="0" fill="hold" grpId="0" nodeType="withEffect">
+                                  <p:stCondLst>
+                                    <p:cond delay="0"/>
+                                  </p:stCondLst>
+                                  <p:childTnLst>
+                                    <p:set>
+                                      <p:cBhvr>
+                                        <p:cTn id="28" dur="1" fill="hold">
+                                          <p:stCondLst>
+                                            <p:cond delay="0"/>
+                                          </p:stCondLst>
+                                        </p:cTn>
+                                        <p:tgtEl>
+                                          <p:spTgt spid="9"/>
                                         </p:tgtEl>
                                         <p:attrNameLst>
                                           <p:attrName>style.visibility</p:attrName>
@@ -16853,116 +17755,8 @@
                                   </p:childTnLst>
                                 </p:cTn>
                               </p:par>
-                            </p:childTnLst>
-                          </p:cTn>
-                        </p:par>
-                      </p:childTnLst>
-                    </p:cTn>
-                  </p:par>
-                  <p:par>
-                    <p:cTn id="19" fill="hold">
-                      <p:stCondLst>
-                        <p:cond delay="indefinite"/>
-                      </p:stCondLst>
-                      <p:childTnLst>
-                        <p:par>
-                          <p:cTn id="20" fill="hold">
-                            <p:stCondLst>
-                              <p:cond delay="0"/>
-                            </p:stCondLst>
-                            <p:childTnLst>
                               <p:par>
-                                <p:cTn id="21" presetID="1" presetClass="entr" presetSubtype="0" fill="hold" grpId="0" nodeType="clickEffect">
-                                  <p:stCondLst>
-                                    <p:cond delay="0"/>
-                                  </p:stCondLst>
-                                  <p:childTnLst>
-                                    <p:set>
-                                      <p:cBhvr>
-                                        <p:cTn id="22" dur="1" fill="hold">
-                                          <p:stCondLst>
-                                            <p:cond delay="0"/>
-                                          </p:stCondLst>
-                                        </p:cTn>
-                                        <p:tgtEl>
-                                          <p:spTgt spid="4"/>
-                                        </p:tgtEl>
-                                        <p:attrNameLst>
-                                          <p:attrName>style.visibility</p:attrName>
-                                        </p:attrNameLst>
-                                      </p:cBhvr>
-                                      <p:to>
-                                        <p:strVal val="visible"/>
-                                      </p:to>
-                                    </p:set>
-                                  </p:childTnLst>
-                                </p:cTn>
-                              </p:par>
-                            </p:childTnLst>
-                          </p:cTn>
-                        </p:par>
-                      </p:childTnLst>
-                    </p:cTn>
-                  </p:par>
-                  <p:par>
-                    <p:cTn id="23" fill="hold">
-                      <p:stCondLst>
-                        <p:cond delay="indefinite"/>
-                      </p:stCondLst>
-                      <p:childTnLst>
-                        <p:par>
-                          <p:cTn id="24" fill="hold">
-                            <p:stCondLst>
-                              <p:cond delay="0"/>
-                            </p:stCondLst>
-                            <p:childTnLst>
-                              <p:par>
-                                <p:cTn id="25" presetID="1" presetClass="entr" presetSubtype="0" fill="hold" grpId="0" nodeType="clickEffect">
-                                  <p:stCondLst>
-                                    <p:cond delay="0"/>
-                                  </p:stCondLst>
-                                  <p:childTnLst>
-                                    <p:set>
-                                      <p:cBhvr>
-                                        <p:cTn id="26" dur="1" fill="hold">
-                                          <p:stCondLst>
-                                            <p:cond delay="0"/>
-                                          </p:stCondLst>
-                                        </p:cTn>
-                                        <p:tgtEl>
-                                          <p:spTgt spid="5"/>
-                                        </p:tgtEl>
-                                        <p:attrNameLst>
-                                          <p:attrName>style.visibility</p:attrName>
-                                        </p:attrNameLst>
-                                      </p:cBhvr>
-                                      <p:to>
-                                        <p:strVal val="visible"/>
-                                      </p:to>
-                                    </p:set>
-                                  </p:childTnLst>
-                                </p:cTn>
-                              </p:par>
-                            </p:childTnLst>
-                          </p:cTn>
-                        </p:par>
-                      </p:childTnLst>
-                    </p:cTn>
-                  </p:par>
-                  <p:par>
-                    <p:cTn id="27" fill="hold">
-                      <p:stCondLst>
-                        <p:cond delay="indefinite"/>
-                      </p:stCondLst>
-                      <p:childTnLst>
-                        <p:par>
-                          <p:cTn id="28" fill="hold">
-                            <p:stCondLst>
-                              <p:cond delay="0"/>
-                            </p:stCondLst>
-                            <p:childTnLst>
-                              <p:par>
-                                <p:cTn id="29" presetID="1" presetClass="entr" presetSubtype="0" fill="hold" grpId="0" nodeType="clickEffect">
+                                <p:cTn id="29" presetID="1" presetClass="entr" presetSubtype="0" fill="hold" grpId="0" nodeType="withEffect">
                                   <p:stCondLst>
                                     <p:cond delay="0"/>
                                   </p:stCondLst>
@@ -16975,7 +17769,7 @@
                                           </p:stCondLst>
                                         </p:cTn>
                                         <p:tgtEl>
-                                          <p:spTgt spid="6"/>
+                                          <p:spTgt spid="10"/>
                                         </p:tgtEl>
                                         <p:attrNameLst>
                                           <p:attrName>style.visibility</p:attrName>
@@ -17007,7 +17801,7 @@
                             </p:stCondLst>
                             <p:childTnLst>
                               <p:par>
-                                <p:cTn id="33" presetID="1" presetClass="entr" presetSubtype="0" fill="hold" grpId="0" nodeType="clickEffect">
+                                <p:cTn id="33" presetID="1" presetClass="exit" presetSubtype="0" fill="hold" grpId="1" nodeType="clickEffect">
                                   <p:stCondLst>
                                     <p:cond delay="0"/>
                                   </p:stCondLst>
@@ -17020,7 +17814,88 @@
                                           </p:stCondLst>
                                         </p:cTn>
                                         <p:tgtEl>
-                                          <p:spTgt spid="7"/>
+                                          <p:spTgt spid="9"/>
+                                        </p:tgtEl>
+                                        <p:attrNameLst>
+                                          <p:attrName>style.visibility</p:attrName>
+                                        </p:attrNameLst>
+                                      </p:cBhvr>
+                                      <p:to>
+                                        <p:strVal val="hidden"/>
+                                      </p:to>
+                                    </p:set>
+                                  </p:childTnLst>
+                                </p:cTn>
+                              </p:par>
+                              <p:par>
+                                <p:cTn id="35" presetID="1" presetClass="exit" presetSubtype="0" fill="hold" grpId="1" nodeType="withEffect">
+                                  <p:stCondLst>
+                                    <p:cond delay="0"/>
+                                  </p:stCondLst>
+                                  <p:childTnLst>
+                                    <p:set>
+                                      <p:cBhvr>
+                                        <p:cTn id="36" dur="1" fill="hold">
+                                          <p:stCondLst>
+                                            <p:cond delay="0"/>
+                                          </p:stCondLst>
+                                        </p:cTn>
+                                        <p:tgtEl>
+                                          <p:spTgt spid="10"/>
+                                        </p:tgtEl>
+                                        <p:attrNameLst>
+                                          <p:attrName>style.visibility</p:attrName>
+                                        </p:attrNameLst>
+                                      </p:cBhvr>
+                                      <p:to>
+                                        <p:strVal val="hidden"/>
+                                      </p:to>
+                                    </p:set>
+                                  </p:childTnLst>
+                                </p:cTn>
+                              </p:par>
+                              <p:par>
+                                <p:cTn id="37" presetID="1" presetClass="entr" presetSubtype="0" fill="hold" grpId="0" nodeType="withEffect">
+                                  <p:stCondLst>
+                                    <p:cond delay="0"/>
+                                  </p:stCondLst>
+                                  <p:childTnLst>
+                                    <p:set>
+                                      <p:cBhvr>
+                                        <p:cTn id="38" dur="1" fill="hold">
+                                          <p:stCondLst>
+                                            <p:cond delay="0"/>
+                                          </p:stCondLst>
+                                        </p:cTn>
+                                        <p:tgtEl>
+                                          <p:spTgt spid="11"/>
+                                        </p:tgtEl>
+                                        <p:attrNameLst>
+                                          <p:attrName>style.visibility</p:attrName>
+                                        </p:attrNameLst>
+                                      </p:cBhvr>
+                                      <p:to>
+                                        <p:strVal val="visible"/>
+                                      </p:to>
+                                    </p:set>
+                                  </p:childTnLst>
+                                </p:cTn>
+                              </p:par>
+                              <p:par>
+                                <p:cTn id="39" presetID="1" presetClass="entr" presetSubtype="0" fill="hold" grpId="0" nodeType="withEffect">
+                                  <p:stCondLst>
+                                    <p:cond delay="0"/>
+                                  </p:stCondLst>
+                                  <p:childTnLst>
+                                    <p:set>
+                                      <p:cBhvr>
+                                        <p:cTn id="40" dur="1" fill="hold">
+                                          <p:stCondLst>
+                                            <p:cond delay="0"/>
+                                          </p:stCondLst>
+                                        </p:cTn>
+                                        <p:tgtEl>
+                                          <p:spTgt spid="12"/>
                                         </p:tgtEl>
                                         <p:attrNameLst>
                                           <p:attrName>style.visibility</p:attrName>
@@ -17040,32 +17915,572 @@
                     </p:cTn>
                   </p:par>
                   <p:par>
-                    <p:cTn id="35" fill="hold">
+                    <p:cTn id="41" fill="hold">
                       <p:stCondLst>
                         <p:cond delay="indefinite"/>
                       </p:stCondLst>
                       <p:childTnLst>
                         <p:par>
-                          <p:cTn id="36" fill="hold">
+                          <p:cTn id="42" fill="hold">
                             <p:stCondLst>
                               <p:cond delay="0"/>
                             </p:stCondLst>
                             <p:childTnLst>
                               <p:par>
-                                <p:cTn id="37" presetID="1" presetClass="entr" presetSubtype="0" fill="hold" grpId="0" nodeType="clickEffect">
+                                <p:cTn id="43" presetID="1" presetClass="exit" presetSubtype="0" fill="hold" grpId="1" nodeType="clickEffect">
                                   <p:stCondLst>
                                     <p:cond delay="0"/>
                                   </p:stCondLst>
                                   <p:childTnLst>
                                     <p:set>
                                       <p:cBhvr>
-                                        <p:cTn id="38" dur="1" fill="hold">
+                                        <p:cTn id="44" dur="1" fill="hold">
                                           <p:stCondLst>
                                             <p:cond delay="0"/>
                                           </p:stCondLst>
                                         </p:cTn>
                                         <p:tgtEl>
-                                          <p:spTgt spid="8"/>
+                                          <p:spTgt spid="11"/>
+                                        </p:tgtEl>
+                                        <p:attrNameLst>
+                                          <p:attrName>style.visibility</p:attrName>
+                                        </p:attrNameLst>
+                                      </p:cBhvr>
+                                      <p:to>
+                                        <p:strVal val="hidden"/>
+                                      </p:to>
+                                    </p:set>
+                                  </p:childTnLst>
+                                </p:cTn>
+                              </p:par>
+                              <p:par>
+                                <p:cTn id="45" presetID="1" presetClass="exit" presetSubtype="0" fill="hold" grpId="1" nodeType="withEffect">
+                                  <p:stCondLst>
+                                    <p:cond delay="0"/>
+                                  </p:stCondLst>
+                                  <p:childTnLst>
+                                    <p:set>
+                                      <p:cBhvr>
+                                        <p:cTn id="46" dur="1" fill="hold">
+                                          <p:stCondLst>
+                                            <p:cond delay="0"/>
+                                          </p:stCondLst>
+                                        </p:cTn>
+                                        <p:tgtEl>
+                                          <p:spTgt spid="12"/>
+                                        </p:tgtEl>
+                                        <p:attrNameLst>
+                                          <p:attrName>style.visibility</p:attrName>
+                                        </p:attrNameLst>
+                                      </p:cBhvr>
+                                      <p:to>
+                                        <p:strVal val="hidden"/>
+                                      </p:to>
+                                    </p:set>
+                                  </p:childTnLst>
+                                </p:cTn>
+                              </p:par>
+                              <p:par>
+                                <p:cTn id="47" presetID="1" presetClass="entr" presetSubtype="0" fill="hold" grpId="1" nodeType="withEffect">
+                                  <p:stCondLst>
+                                    <p:cond delay="0"/>
+                                  </p:stCondLst>
+                                  <p:childTnLst>
+                                    <p:set>
+                                      <p:cBhvr>
+                                        <p:cTn id="48" dur="1" fill="hold">
+                                          <p:stCondLst>
+                                            <p:cond delay="0"/>
+                                          </p:stCondLst>
+                                        </p:cTn>
+                                        <p:tgtEl>
+                                          <p:spTgt spid="7"/>
+                                        </p:tgtEl>
+                                        <p:attrNameLst>
+                                          <p:attrName>style.visibility</p:attrName>
+                                        </p:attrNameLst>
+                                      </p:cBhvr>
+                                      <p:to>
+                                        <p:strVal val="visible"/>
+                                      </p:to>
+                                    </p:set>
+                                  </p:childTnLst>
+                                </p:cTn>
+                              </p:par>
+                              <p:par>
+                                <p:cTn id="49" presetID="1" presetClass="entr" presetSubtype="0" fill="hold" grpId="0" nodeType="withEffect">
+                                  <p:stCondLst>
+                                    <p:cond delay="0"/>
+                                  </p:stCondLst>
+                                  <p:childTnLst>
+                                    <p:set>
+                                      <p:cBhvr>
+                                        <p:cTn id="50" dur="1" fill="hold">
+                                          <p:stCondLst>
+                                            <p:cond delay="0"/>
+                                          </p:stCondLst>
+                                        </p:cTn>
+                                        <p:tgtEl>
+                                          <p:spTgt spid="13"/>
+                                        </p:tgtEl>
+                                        <p:attrNameLst>
+                                          <p:attrName>style.visibility</p:attrName>
+                                        </p:attrNameLst>
+                                      </p:cBhvr>
+                                      <p:to>
+                                        <p:strVal val="visible"/>
+                                      </p:to>
+                                    </p:set>
+                                  </p:childTnLst>
+                                </p:cTn>
+                              </p:par>
+                            </p:childTnLst>
+                          </p:cTn>
+                        </p:par>
+                      </p:childTnLst>
+                    </p:cTn>
+                  </p:par>
+                  <p:par>
+                    <p:cTn id="51" fill="hold">
+                      <p:stCondLst>
+                        <p:cond delay="indefinite"/>
+                      </p:stCondLst>
+                      <p:childTnLst>
+                        <p:par>
+                          <p:cTn id="52" fill="hold">
+                            <p:stCondLst>
+                              <p:cond delay="0"/>
+                            </p:stCondLst>
+                            <p:childTnLst>
+                              <p:par>
+                                <p:cTn id="53" presetID="1" presetClass="entr" presetSubtype="0" fill="hold" grpId="0" nodeType="clickEffect">
+                                  <p:stCondLst>
+                                    <p:cond delay="0"/>
+                                  </p:stCondLst>
+                                  <p:childTnLst>
+                                    <p:set>
+                                      <p:cBhvr>
+                                        <p:cTn id="54" dur="1" fill="hold">
+                                          <p:stCondLst>
+                                            <p:cond delay="0"/>
+                                          </p:stCondLst>
+                                        </p:cTn>
+                                        <p:tgtEl>
+                                          <p:spTgt spid="14"/>
+                                        </p:tgtEl>
+                                        <p:attrNameLst>
+                                          <p:attrName>style.visibility</p:attrName>
+                                        </p:attrNameLst>
+                                      </p:cBhvr>
+                                      <p:to>
+                                        <p:strVal val="visible"/>
+                                      </p:to>
+                                    </p:set>
+                                  </p:childTnLst>
+                                </p:cTn>
+                              </p:par>
+                              <p:par>
+                                <p:cTn id="55" presetID="1" presetClass="entr" presetSubtype="0" fill="hold" grpId="0" nodeType="withEffect">
+                                  <p:stCondLst>
+                                    <p:cond delay="0"/>
+                                  </p:stCondLst>
+                                  <p:childTnLst>
+                                    <p:set>
+                                      <p:cBhvr>
+                                        <p:cTn id="56" dur="1" fill="hold">
+                                          <p:stCondLst>
+                                            <p:cond delay="0"/>
+                                          </p:stCondLst>
+                                        </p:cTn>
+                                        <p:tgtEl>
+                                          <p:spTgt spid="15"/>
+                                        </p:tgtEl>
+                                        <p:attrNameLst>
+                                          <p:attrName>style.visibility</p:attrName>
+                                        </p:attrNameLst>
+                                      </p:cBhvr>
+                                      <p:to>
+                                        <p:strVal val="visible"/>
+                                      </p:to>
+                                    </p:set>
+                                  </p:childTnLst>
+                                </p:cTn>
+                              </p:par>
+                            </p:childTnLst>
+                          </p:cTn>
+                        </p:par>
+                      </p:childTnLst>
+                    </p:cTn>
+                  </p:par>
+                  <p:par>
+                    <p:cTn id="57" fill="hold">
+                      <p:stCondLst>
+                        <p:cond delay="indefinite"/>
+                      </p:stCondLst>
+                      <p:childTnLst>
+                        <p:par>
+                          <p:cTn id="58" fill="hold">
+                            <p:stCondLst>
+                              <p:cond delay="0"/>
+                            </p:stCondLst>
+                            <p:childTnLst>
+                              <p:par>
+                                <p:cTn id="59" presetID="1" presetClass="exit" presetSubtype="0" fill="hold" grpId="1" nodeType="clickEffect">
+                                  <p:stCondLst>
+                                    <p:cond delay="0"/>
+                                  </p:stCondLst>
+                                  <p:childTnLst>
+                                    <p:set>
+                                      <p:cBhvr>
+                                        <p:cTn id="60" dur="1" fill="hold">
+                                          <p:stCondLst>
+                                            <p:cond delay="0"/>
+                                          </p:stCondLst>
+                                        </p:cTn>
+                                        <p:tgtEl>
+                                          <p:spTgt spid="14"/>
+                                        </p:tgtEl>
+                                        <p:attrNameLst>
+                                          <p:attrName>style.visibility</p:attrName>
+                                        </p:attrNameLst>
+                                      </p:cBhvr>
+                                      <p:to>
+                                        <p:strVal val="hidden"/>
+                                      </p:to>
+                                    </p:set>
+                                  </p:childTnLst>
+                                </p:cTn>
+                              </p:par>
+                              <p:par>
+                                <p:cTn id="61" presetID="1" presetClass="exit" presetSubtype="0" fill="hold" grpId="1" nodeType="withEffect">
+                                  <p:stCondLst>
+                                    <p:cond delay="0"/>
+                                  </p:stCondLst>
+                                  <p:childTnLst>
+                                    <p:set>
+                                      <p:cBhvr>
+                                        <p:cTn id="62" dur="1" fill="hold">
+                                          <p:stCondLst>
+                                            <p:cond delay="0"/>
+                                          </p:stCondLst>
+                                        </p:cTn>
+                                        <p:tgtEl>
+                                          <p:spTgt spid="15"/>
+                                        </p:tgtEl>
+                                        <p:attrNameLst>
+                                          <p:attrName>style.visibility</p:attrName>
+                                        </p:attrNameLst>
+                                      </p:cBhvr>
+                                      <p:to>
+                                        <p:strVal val="hidden"/>
+                                      </p:to>
+                                    </p:set>
+                                  </p:childTnLst>
+                                </p:cTn>
+                              </p:par>
+                              <p:par>
+                                <p:cTn id="63" presetID="1" presetClass="exit" presetSubtype="0" fill="hold" grpId="3" nodeType="withEffect">
+                                  <p:stCondLst>
+                                    <p:cond delay="0"/>
+                                  </p:stCondLst>
+                                  <p:childTnLst>
+                                    <p:set>
+                                      <p:cBhvr>
+                                        <p:cTn id="64" dur="1" fill="hold">
+                                          <p:stCondLst>
+                                            <p:cond delay="0"/>
+                                          </p:stCondLst>
+                                        </p:cTn>
+                                        <p:tgtEl>
+                                          <p:spTgt spid="7"/>
+                                        </p:tgtEl>
+                                        <p:attrNameLst>
+                                          <p:attrName>style.visibility</p:attrName>
+                                        </p:attrNameLst>
+                                      </p:cBhvr>
+                                      <p:to>
+                                        <p:strVal val="hidden"/>
+                                      </p:to>
+                                    </p:set>
+                                  </p:childTnLst>
+                                </p:cTn>
+                              </p:par>
+                              <p:par>
+                                <p:cTn id="65" presetID="1" presetClass="exit" presetSubtype="0" fill="hold" grpId="1" nodeType="withEffect">
+                                  <p:stCondLst>
+                                    <p:cond delay="0"/>
+                                  </p:stCondLst>
+                                  <p:childTnLst>
+                                    <p:set>
+                                      <p:cBhvr>
+                                        <p:cTn id="66" dur="1" fill="hold">
+                                          <p:stCondLst>
+                                            <p:cond delay="0"/>
+                                          </p:stCondLst>
+                                        </p:cTn>
+                                        <p:tgtEl>
+                                          <p:spTgt spid="13"/>
+                                        </p:tgtEl>
+                                        <p:attrNameLst>
+                                          <p:attrName>style.visibility</p:attrName>
+                                        </p:attrNameLst>
+                                      </p:cBhvr>
+                                      <p:to>
+                                        <p:strVal val="hidden"/>
+                                      </p:to>
+                                    </p:set>
+                                  </p:childTnLst>
+                                </p:cTn>
+                              </p:par>
+                              <p:par>
+                                <p:cTn id="67" presetID="1" presetClass="entr" presetSubtype="0" fill="hold" grpId="0" nodeType="withEffect">
+                                  <p:stCondLst>
+                                    <p:cond delay="0"/>
+                                  </p:stCondLst>
+                                  <p:childTnLst>
+                                    <p:set>
+                                      <p:cBhvr>
+                                        <p:cTn id="68" dur="1" fill="hold">
+                                          <p:stCondLst>
+                                            <p:cond delay="0"/>
+                                          </p:stCondLst>
+                                        </p:cTn>
+                                        <p:tgtEl>
+                                          <p:spTgt spid="16"/>
+                                        </p:tgtEl>
+                                        <p:attrNameLst>
+                                          <p:attrName>style.visibility</p:attrName>
+                                        </p:attrNameLst>
+                                      </p:cBhvr>
+                                      <p:to>
+                                        <p:strVal val="visible"/>
+                                      </p:to>
+                                    </p:set>
+                                  </p:childTnLst>
+                                </p:cTn>
+                              </p:par>
+                              <p:par>
+                                <p:cTn id="69" presetID="1" presetClass="entr" presetSubtype="0" fill="hold" grpId="0" nodeType="withEffect">
+                                  <p:stCondLst>
+                                    <p:cond delay="0"/>
+                                  </p:stCondLst>
+                                  <p:childTnLst>
+                                    <p:set>
+                                      <p:cBhvr>
+                                        <p:cTn id="70" dur="1" fill="hold">
+                                          <p:stCondLst>
+                                            <p:cond delay="0"/>
+                                          </p:stCondLst>
+                                        </p:cTn>
+                                        <p:tgtEl>
+                                          <p:spTgt spid="17"/>
+                                        </p:tgtEl>
+                                        <p:attrNameLst>
+                                          <p:attrName>style.visibility</p:attrName>
+                                        </p:attrNameLst>
+                                      </p:cBhvr>
+                                      <p:to>
+                                        <p:strVal val="visible"/>
+                                      </p:to>
+                                    </p:set>
+                                  </p:childTnLst>
+                                </p:cTn>
+                              </p:par>
+                            </p:childTnLst>
+                          </p:cTn>
+                        </p:par>
+                      </p:childTnLst>
+                    </p:cTn>
+                  </p:par>
+                  <p:par>
+                    <p:cTn id="71" fill="hold">
+                      <p:stCondLst>
+                        <p:cond delay="indefinite"/>
+                      </p:stCondLst>
+                      <p:childTnLst>
+                        <p:par>
+                          <p:cTn id="72" fill="hold">
+                            <p:stCondLst>
+                              <p:cond delay="0"/>
+                            </p:stCondLst>
+                            <p:childTnLst>
+                              <p:par>
+                                <p:cTn id="73" presetID="1" presetClass="entr" presetSubtype="0" fill="hold" grpId="0" nodeType="clickEffect">
+                                  <p:stCondLst>
+                                    <p:cond delay="0"/>
+                                  </p:stCondLst>
+                                  <p:childTnLst>
+                                    <p:set>
+                                      <p:cBhvr>
+                                        <p:cTn id="74" dur="1" fill="hold">
+                                          <p:stCondLst>
+                                            <p:cond delay="0"/>
+                                          </p:stCondLst>
+                                        </p:cTn>
+                                        <p:tgtEl>
+                                          <p:spTgt spid="19"/>
+                                        </p:tgtEl>
+                                        <p:attrNameLst>
+                                          <p:attrName>style.visibility</p:attrName>
+                                        </p:attrNameLst>
+                                      </p:cBhvr>
+                                      <p:to>
+                                        <p:strVal val="visible"/>
+                                      </p:to>
+                                    </p:set>
+                                  </p:childTnLst>
+                                </p:cTn>
+                              </p:par>
+                            </p:childTnLst>
+                          </p:cTn>
+                        </p:par>
+                      </p:childTnLst>
+                    </p:cTn>
+                  </p:par>
+                  <p:par>
+                    <p:cTn id="75" fill="hold">
+                      <p:stCondLst>
+                        <p:cond delay="indefinite"/>
+                      </p:stCondLst>
+                      <p:childTnLst>
+                        <p:par>
+                          <p:cTn id="76" fill="hold">
+                            <p:stCondLst>
+                              <p:cond delay="0"/>
+                            </p:stCondLst>
+                            <p:childTnLst>
+                              <p:par>
+                                <p:cTn id="77" presetID="1" presetClass="entr" presetSubtype="0" fill="hold" grpId="0" nodeType="clickEffect">
+                                  <p:stCondLst>
+                                    <p:cond delay="0"/>
+                                  </p:stCondLst>
+                                  <p:childTnLst>
+                                    <p:set>
+                                      <p:cBhvr>
+                                        <p:cTn id="78" dur="1" fill="hold">
+                                          <p:stCondLst>
+                                            <p:cond delay="0"/>
+                                          </p:stCondLst>
+                                        </p:cTn>
+                                        <p:tgtEl>
+                                          <p:spTgt spid="18"/>
+                                        </p:tgtEl>
+                                        <p:attrNameLst>
+                                          <p:attrName>style.visibility</p:attrName>
+                                        </p:attrNameLst>
+                                      </p:cBhvr>
+                                      <p:to>
+                                        <p:strVal val="visible"/>
+                                      </p:to>
+                                    </p:set>
+                                  </p:childTnLst>
+                                </p:cTn>
+                              </p:par>
+                            </p:childTnLst>
+                          </p:cTn>
+                        </p:par>
+                      </p:childTnLst>
+                    </p:cTn>
+                  </p:par>
+                  <p:par>
+                    <p:cTn id="79" fill="hold">
+                      <p:stCondLst>
+                        <p:cond delay="indefinite"/>
+                      </p:stCondLst>
+                      <p:childTnLst>
+                        <p:par>
+                          <p:cTn id="80" fill="hold">
+                            <p:stCondLst>
+                              <p:cond delay="0"/>
+                            </p:stCondLst>
+                            <p:childTnLst>
+                              <p:par>
+                                <p:cTn id="81" presetID="1" presetClass="exit" presetSubtype="0" fill="hold" grpId="1" nodeType="clickEffect">
+                                  <p:stCondLst>
+                                    <p:cond delay="0"/>
+                                  </p:stCondLst>
+                                  <p:childTnLst>
+                                    <p:set>
+                                      <p:cBhvr>
+                                        <p:cTn id="82" dur="1" fill="hold">
+                                          <p:stCondLst>
+                                            <p:cond delay="0"/>
+                                          </p:stCondLst>
+                                        </p:cTn>
+                                        <p:tgtEl>
+                                          <p:spTgt spid="19"/>
+                                        </p:tgtEl>
+                                        <p:attrNameLst>
+                                          <p:attrName>style.visibility</p:attrName>
+                                        </p:attrNameLst>
+                                      </p:cBhvr>
+                                      <p:to>
+                                        <p:strVal val="hidden"/>
+                                      </p:to>
+                                    </p:set>
+                                  </p:childTnLst>
+                                </p:cTn>
+                              </p:par>
+                              <p:par>
+                                <p:cTn id="83" presetID="1" presetClass="entr" presetSubtype="0" fill="hold" grpId="0" nodeType="withEffect">
+                                  <p:stCondLst>
+                                    <p:cond delay="0"/>
+                                  </p:stCondLst>
+                                  <p:childTnLst>
+                                    <p:set>
+                                      <p:cBhvr>
+                                        <p:cTn id="84" dur="1" fill="hold">
+                                          <p:stCondLst>
+                                            <p:cond delay="0"/>
+                                          </p:stCondLst>
+                                        </p:cTn>
+                                        <p:tgtEl>
+                                          <p:spTgt spid="21"/>
+                                        </p:tgtEl>
+                                        <p:attrNameLst>
+                                          <p:attrName>style.visibility</p:attrName>
+                                        </p:attrNameLst>
+                                      </p:cBhvr>
+                                      <p:to>
+                                        <p:strVal val="visible"/>
+                                      </p:to>
+                                    </p:set>
+                                  </p:childTnLst>
+                                </p:cTn>
+                              </p:par>
+                            </p:childTnLst>
+                          </p:cTn>
+                        </p:par>
+                      </p:childTnLst>
+                    </p:cTn>
+                  </p:par>
+                  <p:par>
+                    <p:cTn id="85" fill="hold">
+                      <p:stCondLst>
+                        <p:cond delay="indefinite"/>
+                      </p:stCondLst>
+                      <p:childTnLst>
+                        <p:par>
+                          <p:cTn id="86" fill="hold">
+                            <p:stCondLst>
+                              <p:cond delay="0"/>
+                            </p:stCondLst>
+                            <p:childTnLst>
+                              <p:par>
+                                <p:cTn id="87" presetID="1" presetClass="entr" presetSubtype="0" fill="hold" grpId="0" nodeType="clickEffect">
+                                  <p:stCondLst>
+                                    <p:cond delay="0"/>
+                                  </p:stCondLst>
+                                  <p:childTnLst>
+                                    <p:set>
+                                      <p:cBhvr>
+                                        <p:cTn id="88" dur="1" fill="hold">
+                                          <p:stCondLst>
+                                            <p:cond delay="0"/>
+                                          </p:stCondLst>
+                                        </p:cTn>
+                                        <p:tgtEl>
+                                          <p:spTgt spid="20"/>
                                         </p:tgtEl>
                                         <p:attrNameLst>
                                           <p:attrName>style.visibility</p:attrName>
@@ -17106,12 +18521,37 @@
       </p:par>
     </p:tnLst>
     <p:bldLst>
-      <p:bldP spid="3" grpId="0" uiExpand="1" build="p"/>
-      <p:bldP spid="4" grpId="0"/>
-      <p:bldP spid="5" grpId="0"/>
-      <p:bldP spid="6" grpId="0"/>
+      <p:bldP spid="5" grpId="0" animBg="1"/>
+      <p:bldP spid="5" grpId="1" animBg="1"/>
+      <p:bldP spid="6" grpId="0" animBg="1"/>
+      <p:bldP spid="6" grpId="1" animBg="1"/>
       <p:bldP spid="7" grpId="0" animBg="1"/>
+      <p:bldP spid="7" grpId="1" animBg="1"/>
+      <p:bldP spid="7" grpId="2" animBg="1"/>
+      <p:bldP spid="7" grpId="3" animBg="1"/>
       <p:bldP spid="8" grpId="0" animBg="1"/>
+      <p:bldP spid="8" grpId="1" animBg="1"/>
+      <p:bldP spid="9" grpId="0" animBg="1"/>
+      <p:bldP spid="9" grpId="1" animBg="1"/>
+      <p:bldP spid="10" grpId="0" animBg="1"/>
+      <p:bldP spid="10" grpId="1" animBg="1"/>
+      <p:bldP spid="11" grpId="0" animBg="1"/>
+      <p:bldP spid="11" grpId="1" animBg="1"/>
+      <p:bldP spid="12" grpId="0" animBg="1"/>
+      <p:bldP spid="12" grpId="1" animBg="1"/>
+      <p:bldP spid="13" grpId="0" animBg="1"/>
+      <p:bldP spid="13" grpId="1" animBg="1"/>
+      <p:bldP spid="14" grpId="0" animBg="1"/>
+      <p:bldP spid="14" grpId="1" animBg="1"/>
+      <p:bldP spid="15" grpId="0" animBg="1"/>
+      <p:bldP spid="15" grpId="1" animBg="1"/>
+      <p:bldP spid="16" grpId="0"/>
+      <p:bldP spid="17" grpId="0"/>
+      <p:bldP spid="18" grpId="0"/>
+      <p:bldP spid="19" grpId="0" animBg="1"/>
+      <p:bldP spid="19" grpId="1" animBg="1"/>
+      <p:bldP spid="20" grpId="0" animBg="1"/>
+      <p:bldP spid="21" grpId="0" animBg="1"/>
     </p:bldLst>
   </p:timing>
 </p:sld>
@@ -17151,480 +18591,7 @@
           <a:p>
             <a:r>
               <a:rPr lang="en-US" dirty="0" smtClean="0"/>
-              <a:t>Mathematical </a:t>
-            </a:r>
-            <a:r>
-              <a:rPr lang="en-US" dirty="0" smtClean="0"/>
-              <a:t>Model </a:t>
-            </a:r>
-            <a:r>
-              <a:rPr lang="en-US" dirty="0" smtClean="0"/>
-              <a:t>– State </a:t>
-            </a:r>
-            <a:r>
-              <a:rPr lang="en-US" dirty="0" smtClean="0"/>
-              <a:t>Cost</a:t>
-            </a:r>
-            <a:endParaRPr lang="en-US" dirty="0"/>
-          </a:p>
-        </p:txBody>
-      </p:sp>
-      <p:sp>
-        <p:nvSpPr>
-          <p:cNvPr id="3" name="Content Placeholder 2"/>
-          <p:cNvSpPr>
-            <a:spLocks noGrp="1"/>
-          </p:cNvSpPr>
-          <p:nvPr>
-            <p:ph idx="1"/>
-          </p:nvPr>
-        </p:nvSpPr>
-        <p:spPr/>
-        <p:txBody>
-          <a:bodyPr/>
-          <a:lstStyle/>
-          <a:p>
-            <a:r>
-              <a:rPr lang="en-US" dirty="0" smtClean="0"/>
-              <a:t>Power incurred only if site is active</a:t>
-            </a:r>
-          </a:p>
-          <a:p>
-            <a:r>
-              <a:rPr lang="en-US" dirty="0" smtClean="0">
-                <a:latin typeface="Brush Script Std" pitchFamily="66" charset="0"/>
-              </a:rPr>
-              <a:t>l</a:t>
-            </a:r>
-            <a:r>
-              <a:rPr lang="en-US" dirty="0" smtClean="0">
-                <a:latin typeface="+mj-lt"/>
-              </a:rPr>
-              <a:t>:</a:t>
-            </a:r>
-            <a:r>
-              <a:rPr lang="en-US" dirty="0" smtClean="0"/>
-              <a:t> sets of resources that can be independently turned on/off</a:t>
-            </a:r>
-          </a:p>
-          <a:p>
-            <a:r>
-              <a:rPr lang="en-US" dirty="0" err="1" smtClean="0"/>
-              <a:t>p</a:t>
-            </a:r>
-            <a:r>
-              <a:rPr lang="en-US" baseline="-25000" dirty="0" err="1" smtClean="0"/>
-              <a:t>i</a:t>
-            </a:r>
-            <a:r>
-              <a:rPr lang="en-US" baseline="30000" dirty="0" err="1" smtClean="0"/>
-              <a:t>j</a:t>
-            </a:r>
-            <a:r>
-              <a:rPr lang="en-US" baseline="30000" dirty="0" smtClean="0"/>
-              <a:t> </a:t>
-            </a:r>
-            <a:r>
-              <a:rPr lang="en-US" dirty="0" smtClean="0"/>
-              <a:t>resource sets active at site </a:t>
-            </a:r>
-            <a:r>
-              <a:rPr lang="en-US" i="1" dirty="0" err="1" smtClean="0"/>
-              <a:t>i</a:t>
-            </a:r>
-            <a:r>
-              <a:rPr lang="en-US" dirty="0" smtClean="0"/>
-              <a:t> during interval </a:t>
-            </a:r>
-            <a:r>
-              <a:rPr lang="en-US" i="1" dirty="0" smtClean="0"/>
-              <a:t>j</a:t>
-            </a:r>
-          </a:p>
-          <a:p>
-            <a:r>
-              <a:rPr lang="en-US" dirty="0" smtClean="0"/>
-              <a:t>Computational power depends on workload only</a:t>
-            </a:r>
-          </a:p>
-          <a:p>
-            <a:r>
-              <a:rPr lang="en-US" dirty="0" smtClean="0"/>
-              <a:t>But idling power depends on number of active resource sets (</a:t>
-            </a:r>
-            <a:r>
-              <a:rPr lang="en-US" dirty="0" err="1" smtClean="0"/>
-              <a:t>p</a:t>
-            </a:r>
-            <a:r>
-              <a:rPr lang="en-US" baseline="-25000" dirty="0" err="1" smtClean="0"/>
-              <a:t>i</a:t>
-            </a:r>
-            <a:r>
-              <a:rPr lang="en-US" baseline="30000" dirty="0" err="1" smtClean="0"/>
-              <a:t>j</a:t>
-            </a:r>
-            <a:r>
-              <a:rPr lang="en-US" dirty="0" smtClean="0"/>
-              <a:t>)</a:t>
-            </a:r>
-            <a:endParaRPr lang="en-US" dirty="0"/>
-          </a:p>
-        </p:txBody>
-      </p:sp>
-      <mc:AlternateContent xmlns:mc="http://schemas.openxmlformats.org/markup-compatibility/2006" xmlns:a14="http://schemas.microsoft.com/office/drawing/2010/main">
-        <mc:Choice Requires="a14">
-          <p:sp>
-            <p:nvSpPr>
-              <p:cNvPr id="4" name="TextBox 3"/>
-              <p:cNvSpPr txBox="1"/>
-              <p:nvPr/>
-            </p:nvSpPr>
-            <p:spPr>
-              <a:xfrm>
-                <a:off x="2362200" y="5867400"/>
-                <a:ext cx="4038600" cy="713978"/>
-              </a:xfrm>
-              <a:prstGeom prst="rect">
-                <a:avLst/>
-              </a:prstGeom>
-              <a:noFill/>
-            </p:spPr>
-            <p:txBody>
-              <a:bodyPr wrap="square" rtlCol="0">
-                <a:spAutoFit/>
-              </a:bodyPr>
-              <a:lstStyle/>
-              <a:p>
-                <a:pPr/>
-                <a14:m>
-                  <m:oMathPara xmlns:m="http://schemas.openxmlformats.org/officeDocument/2006/math">
-                    <m:oMathParaPr>
-                      <m:jc m:val="centerGroup"/>
-                    </m:oMathParaPr>
-                    <m:oMath xmlns:m="http://schemas.openxmlformats.org/officeDocument/2006/math">
-                      <m:r>
-                        <a:rPr lang="en-US" b="0" i="1" smtClean="0">
-                          <a:latin typeface="Cambria Math"/>
-                        </a:rPr>
-                        <m:t>𝑓</m:t>
-                      </m:r>
-                      <m:sSub>
-                        <m:sSubPr>
-                          <m:ctrlPr>
-                            <a:rPr lang="en-US" b="0" i="1" smtClean="0">
-                              <a:latin typeface="Cambria Math"/>
-                            </a:rPr>
-                          </m:ctrlPr>
-                        </m:sSubPr>
-                        <m:e>
-                          <m:r>
-                            <a:rPr lang="en-US" b="0" i="1" smtClean="0">
-                              <a:latin typeface="Cambria Math"/>
-                            </a:rPr>
-                            <m:t>𝑐</m:t>
-                          </m:r>
-                        </m:e>
-                        <m:sub>
-                          <m:r>
-                            <a:rPr lang="en-US" b="0" i="1" smtClean="0">
-                              <a:latin typeface="Cambria Math"/>
-                            </a:rPr>
-                            <m:t>𝑖</m:t>
-                          </m:r>
-                        </m:sub>
-                      </m:sSub>
-                      <m:f>
-                        <m:fPr>
-                          <m:ctrlPr>
-                            <a:rPr lang="en-US" b="0" i="1" smtClean="0">
-                              <a:latin typeface="Cambria Math"/>
-                            </a:rPr>
-                          </m:ctrlPr>
-                        </m:fPr>
-                        <m:num>
-                          <m:sSubSup>
-                            <m:sSubSupPr>
-                              <m:ctrlPr>
-                                <a:rPr lang="en-US" b="0" i="1" smtClean="0">
-                                  <a:latin typeface="Cambria Math"/>
-                                </a:rPr>
-                              </m:ctrlPr>
-                            </m:sSubSupPr>
-                            <m:e>
-                              <m:r>
-                                <a:rPr lang="en-US" b="0" i="1" smtClean="0">
-                                  <a:latin typeface="Cambria Math"/>
-                                </a:rPr>
-                                <m:t>𝑝</m:t>
-                              </m:r>
-                            </m:e>
-                            <m:sub>
-                              <m:r>
-                                <a:rPr lang="en-US" b="0" i="1" smtClean="0">
-                                  <a:latin typeface="Cambria Math"/>
-                                </a:rPr>
-                                <m:t>𝑖</m:t>
-                              </m:r>
-                            </m:sub>
-                            <m:sup>
-                              <m:r>
-                                <a:rPr lang="en-US" b="0" i="1" smtClean="0">
-                                  <a:latin typeface="Cambria Math"/>
-                                </a:rPr>
-                                <m:t>𝑗</m:t>
-                              </m:r>
-                            </m:sup>
-                          </m:sSubSup>
-                        </m:num>
-                        <m:den>
-                          <m:r>
-                            <a:rPr lang="en-US" b="0" i="1" smtClean="0">
-                              <a:latin typeface="Cambria Math"/>
-                            </a:rPr>
-                            <m:t>𝑙</m:t>
-                          </m:r>
-                        </m:den>
-                      </m:f>
-                      <m:r>
-                        <a:rPr lang="en-US" b="0" i="1" smtClean="0">
-                          <a:latin typeface="Cambria Math"/>
-                        </a:rPr>
-                        <m:t>+</m:t>
-                      </m:r>
-                      <m:d>
-                        <m:dPr>
-                          <m:ctrlPr>
-                            <a:rPr lang="en-US" i="1">
-                              <a:latin typeface="Cambria Math"/>
-                            </a:rPr>
-                          </m:ctrlPr>
-                        </m:dPr>
-                        <m:e>
-                          <m:r>
-                            <a:rPr lang="en-US" i="1">
-                              <a:latin typeface="Cambria Math"/>
-                            </a:rPr>
-                            <m:t>1−</m:t>
-                          </m:r>
-                          <m:r>
-                            <a:rPr lang="en-US" i="1">
-                              <a:latin typeface="Cambria Math"/>
-                            </a:rPr>
-                            <m:t>𝑓</m:t>
-                          </m:r>
-                        </m:e>
-                      </m:d>
-                      <m:sSubSup>
-                        <m:sSubSupPr>
-                          <m:ctrlPr>
-                            <a:rPr lang="en-US" i="1" smtClean="0">
-                              <a:latin typeface="Cambria Math"/>
-                            </a:rPr>
-                          </m:ctrlPr>
-                        </m:sSubSupPr>
-                        <m:e>
-                          <m:r>
-                            <a:rPr lang="en-US" b="0" i="1" smtClean="0">
-                              <a:latin typeface="Cambria Math"/>
-                            </a:rPr>
-                            <m:t>𝑥</m:t>
-                          </m:r>
-                        </m:e>
-                        <m:sub>
-                          <m:r>
-                            <a:rPr lang="en-US" b="0" i="1" smtClean="0">
-                              <a:latin typeface="Cambria Math"/>
-                            </a:rPr>
-                            <m:t>𝑖</m:t>
-                          </m:r>
-                        </m:sub>
-                        <m:sup>
-                          <m:r>
-                            <a:rPr lang="en-US" b="0" i="1" smtClean="0">
-                              <a:latin typeface="Cambria Math"/>
-                            </a:rPr>
-                            <m:t>𝑗</m:t>
-                          </m:r>
-                        </m:sup>
-                      </m:sSubSup>
-                    </m:oMath>
-                  </m:oMathPara>
-                </a14:m>
-                <a:endParaRPr lang="en-US" dirty="0"/>
-              </a:p>
-            </p:txBody>
-          </p:sp>
-        </mc:Choice>
-        <mc:Fallback xmlns="">
-          <p:sp>
-            <p:nvSpPr>
-              <p:cNvPr id="4" name="TextBox 3"/>
-              <p:cNvSpPr txBox="1">
-                <a:spLocks noRot="1" noChangeAspect="1" noMove="1" noResize="1" noEditPoints="1" noAdjustHandles="1" noChangeArrowheads="1" noChangeShapeType="1" noTextEdit="1"/>
-              </p:cNvSpPr>
-              <p:nvPr/>
-            </p:nvSpPr>
-            <p:spPr>
-              <a:xfrm>
-                <a:off x="2362200" y="5867400"/>
-                <a:ext cx="4038600" cy="713978"/>
-              </a:xfrm>
-              <a:prstGeom prst="rect">
-                <a:avLst/>
-              </a:prstGeom>
-              <a:blipFill rotWithShape="1">
-                <a:blip r:embed="rId3"/>
-                <a:stretch>
-                  <a:fillRect/>
-                </a:stretch>
-              </a:blipFill>
-            </p:spPr>
-            <p:txBody>
-              <a:bodyPr/>
-              <a:lstStyle/>
-              <a:p>
-                <a:r>
-                  <a:rPr lang="en-US">
-                    <a:noFill/>
-                  </a:rPr>
-                  <a:t> </a:t>
-                </a:r>
-              </a:p>
-            </p:txBody>
-          </p:sp>
-        </mc:Fallback>
-      </mc:AlternateContent>
-    </p:spTree>
-    <p:extLst>
-      <p:ext uri="{BB962C8B-B14F-4D97-AF65-F5344CB8AC3E}">
-        <p14:creationId xmlns:p14="http://schemas.microsoft.com/office/powerpoint/2010/main" val="1558455652"/>
-      </p:ext>
-    </p:extLst>
-  </p:cSld>
-  <p:clrMapOvr>
-    <a:masterClrMapping/>
-  </p:clrMapOvr>
-  <p:timing>
-    <p:tnLst>
-      <p:par>
-        <p:cTn id="1" dur="indefinite" restart="never" nodeType="tmRoot">
-          <p:childTnLst>
-            <p:seq concurrent="1" nextAc="seek">
-              <p:cTn id="2" dur="indefinite" nodeType="mainSeq">
-                <p:childTnLst>
-                  <p:par>
-                    <p:cTn id="3" fill="hold">
-                      <p:stCondLst>
-                        <p:cond delay="indefinite"/>
-                      </p:stCondLst>
-                      <p:childTnLst>
-                        <p:par>
-                          <p:cTn id="4" fill="hold">
-                            <p:stCondLst>
-                              <p:cond delay="0"/>
-                            </p:stCondLst>
-                            <p:childTnLst>
-                              <p:par>
-                                <p:cTn id="5" presetID="1" presetClass="entr" presetSubtype="0" fill="hold" grpId="0" nodeType="clickEffect">
-                                  <p:stCondLst>
-                                    <p:cond delay="0"/>
-                                  </p:stCondLst>
-                                  <p:childTnLst>
-                                    <p:set>
-                                      <p:cBhvr>
-                                        <p:cTn id="6" dur="1" fill="hold">
-                                          <p:stCondLst>
-                                            <p:cond delay="0"/>
-                                          </p:stCondLst>
-                                        </p:cTn>
-                                        <p:tgtEl>
-                                          <p:spTgt spid="4"/>
-                                        </p:tgtEl>
-                                        <p:attrNameLst>
-                                          <p:attrName>style.visibility</p:attrName>
-                                        </p:attrNameLst>
-                                      </p:cBhvr>
-                                      <p:to>
-                                        <p:strVal val="visible"/>
-                                      </p:to>
-                                    </p:set>
-                                  </p:childTnLst>
-                                </p:cTn>
-                              </p:par>
-                            </p:childTnLst>
-                          </p:cTn>
-                        </p:par>
-                      </p:childTnLst>
-                    </p:cTn>
-                  </p:par>
-                </p:childTnLst>
-              </p:cTn>
-              <p:prevCondLst>
-                <p:cond evt="onPrev" delay="0">
-                  <p:tgtEl>
-                    <p:sldTgt/>
-                  </p:tgtEl>
-                </p:cond>
-              </p:prevCondLst>
-              <p:nextCondLst>
-                <p:cond evt="onNext" delay="0">
-                  <p:tgtEl>
-                    <p:sldTgt/>
-                  </p:tgtEl>
-                </p:cond>
-              </p:nextCondLst>
-            </p:seq>
-          </p:childTnLst>
-        </p:cTn>
-      </p:par>
-    </p:tnLst>
-    <p:bldLst>
-      <p:bldP spid="4" grpId="0"/>
-    </p:bldLst>
-  </p:timing>
-</p:sld>
-</file>
-
-<file path=ppt/slides/slide17.xml><?xml version="1.0" encoding="utf-8"?>
-<p:sld xmlns:a="http://schemas.openxmlformats.org/drawingml/2006/main" xmlns:r="http://schemas.openxmlformats.org/officeDocument/2006/relationships" xmlns:p="http://schemas.openxmlformats.org/presentationml/2006/main">
-  <p:cSld>
-    <p:spTree>
-      <p:nvGrpSpPr>
-        <p:cNvPr id="1" name=""/>
-        <p:cNvGrpSpPr/>
-        <p:nvPr/>
-      </p:nvGrpSpPr>
-      <p:grpSpPr>
-        <a:xfrm>
-          <a:off x="0" y="0"/>
-          <a:ext cx="0" cy="0"/>
-          <a:chOff x="0" y="0"/>
-          <a:chExt cx="0" cy="0"/>
-        </a:xfrm>
-      </p:grpSpPr>
-      <p:sp>
-        <p:nvSpPr>
-          <p:cNvPr id="2" name="Title 1"/>
-          <p:cNvSpPr>
-            <a:spLocks noGrp="1"/>
-          </p:cNvSpPr>
-          <p:nvPr>
-            <p:ph type="title"/>
-          </p:nvPr>
-        </p:nvSpPr>
-        <p:spPr/>
-        <p:txBody>
-          <a:bodyPr/>
-          <a:lstStyle/>
-          <a:p>
-            <a:r>
-              <a:rPr lang="en-US" dirty="0" smtClean="0"/>
-              <a:t>Two </a:t>
-            </a:r>
-            <a:r>
-              <a:rPr lang="en-US" dirty="0" smtClean="0"/>
-              <a:t>Case </a:t>
+              <a:t>Two Case </a:t>
             </a:r>
             <a:r>
               <a:rPr lang="en-US" dirty="0"/>
@@ -19378,7 +20345,7 @@
 </p:sld>
 </file>
 
-<file path=ppt/slides/slide18.xml><?xml version="1.0" encoding="utf-8"?>
+<file path=ppt/slides/slide17.xml><?xml version="1.0" encoding="utf-8"?>
 <p:sld xmlns:a="http://schemas.openxmlformats.org/drawingml/2006/main" xmlns:r="http://schemas.openxmlformats.org/officeDocument/2006/relationships" xmlns:p="http://schemas.openxmlformats.org/presentationml/2006/main">
   <p:cSld>
     <p:spTree>
@@ -19407,298 +20374,6 @@
         </p:nvSpPr>
         <p:spPr/>
         <p:txBody>
-          <a:bodyPr>
-            <a:normAutofit fontScale="90000"/>
-          </a:bodyPr>
-          <a:lstStyle/>
-          <a:p>
-            <a:r>
-              <a:rPr lang="en-US" dirty="0" smtClean="0"/>
-              <a:t>Case study I – Data centers:</a:t>
-            </a:r>
-            <a:br>
-              <a:rPr lang="en-US" dirty="0" smtClean="0"/>
-            </a:br>
-            <a:r>
-              <a:rPr lang="en-US" dirty="0" smtClean="0"/>
-              <a:t>Elastic vs </a:t>
-            </a:r>
-            <a:r>
-              <a:rPr lang="en-US" dirty="0" smtClean="0"/>
-              <a:t>Inelastic Load</a:t>
-            </a:r>
-            <a:endParaRPr lang="en-US" dirty="0"/>
-          </a:p>
-        </p:txBody>
-      </p:sp>
-      <p:sp>
-        <p:nvSpPr>
-          <p:cNvPr id="3" name="Content Placeholder 2"/>
-          <p:cNvSpPr>
-            <a:spLocks noGrp="1"/>
-          </p:cNvSpPr>
-          <p:nvPr>
-            <p:ph idx="1"/>
-          </p:nvPr>
-        </p:nvSpPr>
-        <p:spPr>
-          <a:xfrm>
-            <a:off x="457200" y="2103437"/>
-            <a:ext cx="3810000" cy="4525963"/>
-          </a:xfrm>
-        </p:spPr>
-        <p:txBody>
-          <a:bodyPr/>
-          <a:lstStyle/>
-          <a:p>
-            <a:r>
-              <a:rPr lang="en-US" dirty="0" smtClean="0"/>
-              <a:t>Servers</a:t>
-            </a:r>
-          </a:p>
-          <a:p>
-            <a:r>
-              <a:rPr lang="en-US" dirty="0" smtClean="0"/>
-              <a:t>Storage</a:t>
-            </a:r>
-            <a:endParaRPr lang="en-US" dirty="0"/>
-          </a:p>
-        </p:txBody>
-      </p:sp>
-      <p:sp>
-        <p:nvSpPr>
-          <p:cNvPr id="4" name="Content Placeholder 2"/>
-          <p:cNvSpPr txBox="1">
-            <a:spLocks/>
-          </p:cNvSpPr>
-          <p:nvPr/>
-        </p:nvSpPr>
-        <p:spPr>
-          <a:xfrm>
-            <a:off x="5257800" y="2103437"/>
-            <a:ext cx="3810000" cy="4525963"/>
-          </a:xfrm>
-          <a:prstGeom prst="rect">
-            <a:avLst/>
-          </a:prstGeom>
-        </p:spPr>
-        <p:txBody>
-          <a:bodyPr vert="horz" lIns="91440" tIns="45720" rIns="91440" bIns="45720" rtlCol="0">
-            <a:normAutofit/>
-          </a:bodyPr>
-          <a:lstStyle>
-            <a:lvl1pPr marL="342900" indent="-342900" algn="l" defTabSz="914400" rtl="0" eaLnBrk="1" latinLnBrk="0" hangingPunct="1">
-              <a:spcBef>
-                <a:spcPct val="20000"/>
-              </a:spcBef>
-              <a:buFont typeface="Arial" panose="020B0604020202020204" pitchFamily="34" charset="0"/>
-              <a:buChar char="•"/>
-              <a:defRPr sz="3200" kern="1200">
-                <a:solidFill>
-                  <a:schemeClr val="tx1"/>
-                </a:solidFill>
-                <a:latin typeface="+mn-lt"/>
-                <a:ea typeface="+mn-ea"/>
-                <a:cs typeface="+mn-cs"/>
-              </a:defRPr>
-            </a:lvl1pPr>
-            <a:lvl2pPr marL="742950" indent="-285750" algn="l" defTabSz="914400" rtl="0" eaLnBrk="1" latinLnBrk="0" hangingPunct="1">
-              <a:spcBef>
-                <a:spcPct val="20000"/>
-              </a:spcBef>
-              <a:buFont typeface="Arial" panose="020B0604020202020204" pitchFamily="34" charset="0"/>
-              <a:buChar char="–"/>
-              <a:defRPr sz="2800" kern="1200">
-                <a:solidFill>
-                  <a:schemeClr val="tx1"/>
-                </a:solidFill>
-                <a:latin typeface="+mn-lt"/>
-                <a:ea typeface="+mn-ea"/>
-                <a:cs typeface="+mn-cs"/>
-              </a:defRPr>
-            </a:lvl2pPr>
-            <a:lvl3pPr marL="1143000" indent="-228600" algn="l" defTabSz="914400" rtl="0" eaLnBrk="1" latinLnBrk="0" hangingPunct="1">
-              <a:spcBef>
-                <a:spcPct val="20000"/>
-              </a:spcBef>
-              <a:buFont typeface="Arial" panose="020B0604020202020204" pitchFamily="34" charset="0"/>
-              <a:buChar char="•"/>
-              <a:defRPr sz="2400" kern="1200">
-                <a:solidFill>
-                  <a:schemeClr val="tx1"/>
-                </a:solidFill>
-                <a:latin typeface="+mn-lt"/>
-                <a:ea typeface="+mn-ea"/>
-                <a:cs typeface="+mn-cs"/>
-              </a:defRPr>
-            </a:lvl3pPr>
-            <a:lvl4pPr marL="1600200" indent="-228600" algn="l" defTabSz="914400" rtl="0" eaLnBrk="1" latinLnBrk="0" hangingPunct="1">
-              <a:spcBef>
-                <a:spcPct val="20000"/>
-              </a:spcBef>
-              <a:buFont typeface="Arial" panose="020B0604020202020204" pitchFamily="34" charset="0"/>
-              <a:buChar char="–"/>
-              <a:defRPr sz="2000" kern="1200">
-                <a:solidFill>
-                  <a:schemeClr val="tx1"/>
-                </a:solidFill>
-                <a:latin typeface="+mn-lt"/>
-                <a:ea typeface="+mn-ea"/>
-                <a:cs typeface="+mn-cs"/>
-              </a:defRPr>
-            </a:lvl4pPr>
-            <a:lvl5pPr marL="2057400" indent="-228600" algn="l" defTabSz="914400" rtl="0" eaLnBrk="1" latinLnBrk="0" hangingPunct="1">
-              <a:spcBef>
-                <a:spcPct val="20000"/>
-              </a:spcBef>
-              <a:buFont typeface="Arial" panose="020B0604020202020204" pitchFamily="34" charset="0"/>
-              <a:buChar char="»"/>
-              <a:defRPr sz="2000" kern="1200">
-                <a:solidFill>
-                  <a:schemeClr val="tx1"/>
-                </a:solidFill>
-                <a:latin typeface="+mn-lt"/>
-                <a:ea typeface="+mn-ea"/>
-                <a:cs typeface="+mn-cs"/>
-              </a:defRPr>
-            </a:lvl5pPr>
-            <a:lvl6pPr marL="2514600" indent="-228600" algn="l" defTabSz="914400" rtl="0" eaLnBrk="1" latinLnBrk="0" hangingPunct="1">
-              <a:spcBef>
-                <a:spcPct val="20000"/>
-              </a:spcBef>
-              <a:buFont typeface="Arial" panose="020B0604020202020204" pitchFamily="34" charset="0"/>
-              <a:buChar char="•"/>
-              <a:defRPr sz="2000" kern="1200">
-                <a:solidFill>
-                  <a:schemeClr val="tx1"/>
-                </a:solidFill>
-                <a:latin typeface="+mn-lt"/>
-                <a:ea typeface="+mn-ea"/>
-                <a:cs typeface="+mn-cs"/>
-              </a:defRPr>
-            </a:lvl6pPr>
-            <a:lvl7pPr marL="2971800" indent="-228600" algn="l" defTabSz="914400" rtl="0" eaLnBrk="1" latinLnBrk="0" hangingPunct="1">
-              <a:spcBef>
-                <a:spcPct val="20000"/>
-              </a:spcBef>
-              <a:buFont typeface="Arial" panose="020B0604020202020204" pitchFamily="34" charset="0"/>
-              <a:buChar char="•"/>
-              <a:defRPr sz="2000" kern="1200">
-                <a:solidFill>
-                  <a:schemeClr val="tx1"/>
-                </a:solidFill>
-                <a:latin typeface="+mn-lt"/>
-                <a:ea typeface="+mn-ea"/>
-                <a:cs typeface="+mn-cs"/>
-              </a:defRPr>
-            </a:lvl7pPr>
-            <a:lvl8pPr marL="3429000" indent="-228600" algn="l" defTabSz="914400" rtl="0" eaLnBrk="1" latinLnBrk="0" hangingPunct="1">
-              <a:spcBef>
-                <a:spcPct val="20000"/>
-              </a:spcBef>
-              <a:buFont typeface="Arial" panose="020B0604020202020204" pitchFamily="34" charset="0"/>
-              <a:buChar char="•"/>
-              <a:defRPr sz="2000" kern="1200">
-                <a:solidFill>
-                  <a:schemeClr val="tx1"/>
-                </a:solidFill>
-                <a:latin typeface="+mn-lt"/>
-                <a:ea typeface="+mn-ea"/>
-                <a:cs typeface="+mn-cs"/>
-              </a:defRPr>
-            </a:lvl8pPr>
-            <a:lvl9pPr marL="3886200" indent="-228600" algn="l" defTabSz="914400" rtl="0" eaLnBrk="1" latinLnBrk="0" hangingPunct="1">
-              <a:spcBef>
-                <a:spcPct val="20000"/>
-              </a:spcBef>
-              <a:buFont typeface="Arial" panose="020B0604020202020204" pitchFamily="34" charset="0"/>
-              <a:buChar char="•"/>
-              <a:defRPr sz="2000" kern="1200">
-                <a:solidFill>
-                  <a:schemeClr val="tx1"/>
-                </a:solidFill>
-                <a:latin typeface="+mn-lt"/>
-                <a:ea typeface="+mn-ea"/>
-                <a:cs typeface="+mn-cs"/>
-              </a:defRPr>
-            </a:lvl9pPr>
-          </a:lstStyle>
-          <a:p>
-            <a:r>
-              <a:rPr lang="en-US" dirty="0" smtClean="0"/>
-              <a:t>Power distribution</a:t>
-            </a:r>
-          </a:p>
-          <a:p>
-            <a:r>
-              <a:rPr lang="en-US" dirty="0" smtClean="0"/>
-              <a:t>Cooling</a:t>
-            </a:r>
-          </a:p>
-          <a:p>
-            <a:r>
-              <a:rPr lang="en-US" dirty="0" smtClean="0"/>
-              <a:t>Network</a:t>
-            </a:r>
-          </a:p>
-          <a:p>
-            <a:r>
-              <a:rPr lang="en-US" dirty="0" smtClean="0"/>
-              <a:t>Some servers</a:t>
-            </a:r>
-            <a:endParaRPr lang="en-US" dirty="0"/>
-          </a:p>
-        </p:txBody>
-      </p:sp>
-    </p:spTree>
-    <p:extLst>
-      <p:ext uri="{BB962C8B-B14F-4D97-AF65-F5344CB8AC3E}">
-        <p14:creationId xmlns:p14="http://schemas.microsoft.com/office/powerpoint/2010/main" val="800833788"/>
-      </p:ext>
-    </p:extLst>
-  </p:cSld>
-  <p:clrMapOvr>
-    <a:masterClrMapping/>
-  </p:clrMapOvr>
-  <p:timing>
-    <p:tnLst>
-      <p:par>
-        <p:cTn id="1" dur="indefinite" restart="never" nodeType="tmRoot"/>
-      </p:par>
-    </p:tnLst>
-  </p:timing>
-</p:sld>
-</file>
-
-<file path=ppt/slides/slide19.xml><?xml version="1.0" encoding="utf-8"?>
-<p:sld xmlns:a="http://schemas.openxmlformats.org/drawingml/2006/main" xmlns:r="http://schemas.openxmlformats.org/officeDocument/2006/relationships" xmlns:p="http://schemas.openxmlformats.org/presentationml/2006/main">
-  <p:cSld>
-    <p:spTree>
-      <p:nvGrpSpPr>
-        <p:cNvPr id="1" name=""/>
-        <p:cNvGrpSpPr/>
-        <p:nvPr/>
-      </p:nvGrpSpPr>
-      <p:grpSpPr>
-        <a:xfrm>
-          <a:off x="0" y="0"/>
-          <a:ext cx="0" cy="0"/>
-          <a:chOff x="0" y="0"/>
-          <a:chExt cx="0" cy="0"/>
-        </a:xfrm>
-      </p:grpSpPr>
-      <p:sp>
-        <p:nvSpPr>
-          <p:cNvPr id="2" name="Title 1"/>
-          <p:cNvSpPr>
-            <a:spLocks noGrp="1"/>
-          </p:cNvSpPr>
-          <p:nvPr>
-            <p:ph type="title"/>
-          </p:nvPr>
-        </p:nvSpPr>
-        <p:spPr/>
-        <p:txBody>
           <a:bodyPr/>
           <a:lstStyle/>
           <a:p>
@@ -19833,7 +20508,7 @@
             <a:fld id="{414A3998-D133-4464-815E-125881AD5CDB}" type="slidenum">
               <a:rPr lang="en-US" smtClean="0"/>
               <a:pPr/>
-              <a:t>19</a:t>
+              <a:t>17</a:t>
             </a:fld>
             <a:endParaRPr lang="en-US"/>
           </a:p>
@@ -19859,7 +20534,7 @@
 </p:sld>
 </file>
 
-<file path=ppt/slides/slide2.xml><?xml version="1.0" encoding="utf-8"?>
+<file path=ppt/slides/slide18.xml><?xml version="1.0" encoding="utf-8"?>
 <p:sld xmlns:a="http://schemas.openxmlformats.org/drawingml/2006/main" xmlns:r="http://schemas.openxmlformats.org/officeDocument/2006/relationships" xmlns:p="http://schemas.openxmlformats.org/presentationml/2006/main">
   <p:cSld>
     <p:spTree>
@@ -19893,107 +20568,6 @@
           <a:p>
             <a:r>
               <a:rPr lang="en-US" dirty="0" smtClean="0"/>
-              <a:t>Overview</a:t>
-            </a:r>
-            <a:endParaRPr lang="en-US" dirty="0"/>
-          </a:p>
-        </p:txBody>
-      </p:sp>
-      <p:sp>
-        <p:nvSpPr>
-          <p:cNvPr id="3" name="Content Placeholder 2"/>
-          <p:cNvSpPr>
-            <a:spLocks noGrp="1"/>
-          </p:cNvSpPr>
-          <p:nvPr>
-            <p:ph idx="1"/>
-          </p:nvPr>
-        </p:nvSpPr>
-        <p:spPr/>
-        <p:txBody>
-          <a:bodyPr/>
-          <a:lstStyle/>
-          <a:p>
-            <a:r>
-              <a:rPr lang="en-US" dirty="0" smtClean="0"/>
-              <a:t>Background and motivation</a:t>
-            </a:r>
-          </a:p>
-          <a:p>
-            <a:r>
-              <a:rPr lang="en-US" dirty="0" smtClean="0"/>
-              <a:t>Problem statement and formulation</a:t>
-            </a:r>
-          </a:p>
-          <a:p>
-            <a:r>
-              <a:rPr lang="en-US" dirty="0" smtClean="0"/>
-              <a:t>Case studies</a:t>
-            </a:r>
-          </a:p>
-          <a:p>
-            <a:r>
-              <a:rPr lang="en-US" dirty="0" smtClean="0"/>
-              <a:t>Conclusion </a:t>
-            </a:r>
-            <a:endParaRPr lang="en-US" dirty="0"/>
-          </a:p>
-        </p:txBody>
-      </p:sp>
-    </p:spTree>
-    <p:extLst>
-      <p:ext uri="{BB962C8B-B14F-4D97-AF65-F5344CB8AC3E}">
-        <p14:creationId xmlns:p14="http://schemas.microsoft.com/office/powerpoint/2010/main" val="3695135300"/>
-      </p:ext>
-    </p:extLst>
-  </p:cSld>
-  <p:clrMapOvr>
-    <a:masterClrMapping/>
-  </p:clrMapOvr>
-  <p:timing>
-    <p:tnLst>
-      <p:par>
-        <p:cTn id="1" dur="indefinite" restart="never" nodeType="tmRoot"/>
-      </p:par>
-    </p:tnLst>
-  </p:timing>
-</p:sld>
-</file>
-
-<file path=ppt/slides/slide20.xml><?xml version="1.0" encoding="utf-8"?>
-<p:sld xmlns:a="http://schemas.openxmlformats.org/drawingml/2006/main" xmlns:r="http://schemas.openxmlformats.org/officeDocument/2006/relationships" xmlns:p="http://schemas.openxmlformats.org/presentationml/2006/main">
-  <p:cSld>
-    <p:spTree>
-      <p:nvGrpSpPr>
-        <p:cNvPr id="1" name=""/>
-        <p:cNvGrpSpPr/>
-        <p:nvPr/>
-      </p:nvGrpSpPr>
-      <p:grpSpPr>
-        <a:xfrm>
-          <a:off x="0" y="0"/>
-          <a:ext cx="0" cy="0"/>
-          <a:chOff x="0" y="0"/>
-          <a:chExt cx="0" cy="0"/>
-        </a:xfrm>
-      </p:grpSpPr>
-      <p:sp>
-        <p:nvSpPr>
-          <p:cNvPr id="2" name="Title 1"/>
-          <p:cNvSpPr>
-            <a:spLocks noGrp="1"/>
-          </p:cNvSpPr>
-          <p:nvPr>
-            <p:ph type="title"/>
-          </p:nvPr>
-        </p:nvSpPr>
-        <p:spPr/>
-        <p:txBody>
-          <a:bodyPr/>
-          <a:lstStyle/>
-          <a:p>
-            <a:r>
-              <a:rPr lang="en-US" dirty="0" smtClean="0"/>
               <a:t>Algorithms</a:t>
             </a:r>
             <a:endParaRPr lang="en-US" dirty="0"/>
@@ -20018,7 +20592,7 @@
             <a:fld id="{414A3998-D133-4464-815E-125881AD5CDB}" type="slidenum">
               <a:rPr lang="en-US" smtClean="0"/>
               <a:pPr/>
-              <a:t>20</a:t>
+              <a:t>18</a:t>
             </a:fld>
             <a:endParaRPr lang="en-US"/>
           </a:p>
@@ -20812,7 +21386,7 @@
 </p:sld>
 </file>
 
-<file path=ppt/slides/slide21.xml><?xml version="1.0" encoding="utf-8"?>
+<file path=ppt/slides/slide19.xml><?xml version="1.0" encoding="utf-8"?>
 <p:sld xmlns:a="http://schemas.openxmlformats.org/drawingml/2006/main" xmlns:r="http://schemas.openxmlformats.org/officeDocument/2006/relationships" xmlns:p="http://schemas.openxmlformats.org/presentationml/2006/main">
   <p:cSld>
     <p:spTree>
@@ -21410,7 +21984,108 @@
 </p:sld>
 </file>
 
-<file path=ppt/slides/slide22.xml><?xml version="1.0" encoding="utf-8"?>
+<file path=ppt/slides/slide2.xml><?xml version="1.0" encoding="utf-8"?>
+<p:sld xmlns:a="http://schemas.openxmlformats.org/drawingml/2006/main" xmlns:r="http://schemas.openxmlformats.org/officeDocument/2006/relationships" xmlns:p="http://schemas.openxmlformats.org/presentationml/2006/main">
+  <p:cSld>
+    <p:spTree>
+      <p:nvGrpSpPr>
+        <p:cNvPr id="1" name=""/>
+        <p:cNvGrpSpPr/>
+        <p:nvPr/>
+      </p:nvGrpSpPr>
+      <p:grpSpPr>
+        <a:xfrm>
+          <a:off x="0" y="0"/>
+          <a:ext cx="0" cy="0"/>
+          <a:chOff x="0" y="0"/>
+          <a:chExt cx="0" cy="0"/>
+        </a:xfrm>
+      </p:grpSpPr>
+      <p:sp>
+        <p:nvSpPr>
+          <p:cNvPr id="2" name="Title 1"/>
+          <p:cNvSpPr>
+            <a:spLocks noGrp="1"/>
+          </p:cNvSpPr>
+          <p:nvPr>
+            <p:ph type="title"/>
+          </p:nvPr>
+        </p:nvSpPr>
+        <p:spPr/>
+        <p:txBody>
+          <a:bodyPr/>
+          <a:lstStyle/>
+          <a:p>
+            <a:r>
+              <a:rPr lang="en-US" dirty="0" smtClean="0"/>
+              <a:t>Overview</a:t>
+            </a:r>
+            <a:endParaRPr lang="en-US" dirty="0"/>
+          </a:p>
+        </p:txBody>
+      </p:sp>
+      <p:sp>
+        <p:nvSpPr>
+          <p:cNvPr id="3" name="Content Placeholder 2"/>
+          <p:cNvSpPr>
+            <a:spLocks noGrp="1"/>
+          </p:cNvSpPr>
+          <p:nvPr>
+            <p:ph idx="1"/>
+          </p:nvPr>
+        </p:nvSpPr>
+        <p:spPr/>
+        <p:txBody>
+          <a:bodyPr/>
+          <a:lstStyle/>
+          <a:p>
+            <a:r>
+              <a:rPr lang="en-US" dirty="0" smtClean="0"/>
+              <a:t>Background and motivation</a:t>
+            </a:r>
+          </a:p>
+          <a:p>
+            <a:r>
+              <a:rPr lang="en-US" dirty="0" smtClean="0"/>
+              <a:t>Problem statement and formulation</a:t>
+            </a:r>
+          </a:p>
+          <a:p>
+            <a:r>
+              <a:rPr lang="en-US" dirty="0" smtClean="0"/>
+              <a:t>Case studies</a:t>
+            </a:r>
+          </a:p>
+          <a:p>
+            <a:r>
+              <a:rPr lang="en-US" dirty="0" smtClean="0"/>
+              <a:t>Conclusion </a:t>
+            </a:r>
+            <a:endParaRPr lang="en-US" dirty="0"/>
+          </a:p>
+        </p:txBody>
+      </p:sp>
+    </p:spTree>
+    <p:extLst>
+      <p:ext uri="{BB962C8B-B14F-4D97-AF65-F5344CB8AC3E}">
+        <p14:creationId xmlns:p14="http://schemas.microsoft.com/office/powerpoint/2010/main" val="3695135300"/>
+      </p:ext>
+    </p:extLst>
+  </p:cSld>
+  <p:clrMapOvr>
+    <a:masterClrMapping/>
+  </p:clrMapOvr>
+  <p:timing>
+    <p:tnLst>
+      <p:par>
+        <p:cTn id="1" dur="indefinite" restart="never" nodeType="tmRoot"/>
+      </p:par>
+    </p:tnLst>
+  </p:timing>
+</p:sld>
+</file>
+
+<file path=ppt/slides/slide20.xml><?xml version="1.0" encoding="utf-8"?>
 <p:sld xmlns:a="http://schemas.openxmlformats.org/drawingml/2006/main" xmlns:r="http://schemas.openxmlformats.org/officeDocument/2006/relationships" xmlns:p="http://schemas.openxmlformats.org/presentationml/2006/main">
   <p:cSld>
     <p:spTree>
@@ -21550,7 +22225,7 @@
 </p:sld>
 </file>
 
-<file path=ppt/slides/slide23.xml><?xml version="1.0" encoding="utf-8"?>
+<file path=ppt/slides/slide21.xml><?xml version="1.0" encoding="utf-8"?>
 <p:sld xmlns:a="http://schemas.openxmlformats.org/drawingml/2006/main" xmlns:r="http://schemas.openxmlformats.org/officeDocument/2006/relationships" xmlns:p="http://schemas.openxmlformats.org/presentationml/2006/main">
   <p:cSld>
     <p:spTree>
@@ -21584,11 +22259,7 @@
           <a:p>
             <a:r>
               <a:rPr lang="en-US" dirty="0" smtClean="0"/>
-              <a:t>Granular </a:t>
-            </a:r>
-            <a:r>
-              <a:rPr lang="en-US" dirty="0" smtClean="0"/>
-              <a:t>(De)activation</a:t>
+              <a:t>Granular (De)activation</a:t>
             </a:r>
             <a:endParaRPr lang="en-US" dirty="0"/>
           </a:p>
@@ -22054,7 +22725,7 @@
 </p:sld>
 </file>
 
-<file path=ppt/slides/slide24.xml><?xml version="1.0" encoding="utf-8"?>
+<file path=ppt/slides/slide22.xml><?xml version="1.0" encoding="utf-8"?>
 <p:sld xmlns:a="http://schemas.openxmlformats.org/drawingml/2006/main" xmlns:r="http://schemas.openxmlformats.org/officeDocument/2006/relationships" xmlns:p="http://schemas.openxmlformats.org/presentationml/2006/main">
   <p:cSld>
     <p:spTree>
@@ -22088,40 +22759,9 @@
           <a:p>
             <a:r>
               <a:rPr lang="en-US" dirty="0" smtClean="0"/>
-              <a:t>DVFS </a:t>
-            </a:r>
-            <a:r>
-              <a:rPr lang="en-US" dirty="0" smtClean="0"/>
-              <a:t>Instead </a:t>
-            </a:r>
-            <a:r>
-              <a:rPr lang="en-US" dirty="0" smtClean="0"/>
-              <a:t>of </a:t>
-            </a:r>
-            <a:r>
-              <a:rPr lang="en-US" dirty="0" smtClean="0"/>
-              <a:t>Deactivation</a:t>
+              <a:t>DVFS Instead of Deactivation</a:t>
             </a:r>
             <a:endParaRPr lang="en-US" dirty="0"/>
-          </a:p>
-        </p:txBody>
-      </p:sp>
-      <p:sp>
-        <p:nvSpPr>
-          <p:cNvPr id="3" name="Content Placeholder 2"/>
-          <p:cNvSpPr>
-            <a:spLocks noGrp="1"/>
-          </p:cNvSpPr>
-          <p:nvPr>
-            <p:ph idx="1"/>
-          </p:nvPr>
-        </p:nvSpPr>
-        <p:spPr/>
-        <p:txBody>
-          <a:bodyPr/>
-          <a:lstStyle/>
-          <a:p>
-            <a:endParaRPr lang="en-US"/>
           </a:p>
         </p:txBody>
       </p:sp>
@@ -22186,7 +22826,7 @@
 </p:sld>
 </file>
 
-<file path=ppt/slides/slide25.xml><?xml version="1.0" encoding="utf-8"?>
+<file path=ppt/slides/slide23.xml><?xml version="1.0" encoding="utf-8"?>
 <p:sld xmlns:a="http://schemas.openxmlformats.org/drawingml/2006/main" xmlns:r="http://schemas.openxmlformats.org/officeDocument/2006/relationships" xmlns:p="http://schemas.openxmlformats.org/presentationml/2006/main">
   <p:cSld>
     <p:spTree>
@@ -22220,32 +22860,9 @@
           <a:p>
             <a:r>
               <a:rPr lang="en-US" dirty="0" smtClean="0"/>
-              <a:t>Reserve </a:t>
-            </a:r>
-            <a:r>
-              <a:rPr lang="en-US" dirty="0" smtClean="0"/>
-              <a:t>Margin</a:t>
+              <a:t>Reserve Margin</a:t>
             </a:r>
             <a:endParaRPr lang="en-US" dirty="0"/>
-          </a:p>
-        </p:txBody>
-      </p:sp>
-      <p:sp>
-        <p:nvSpPr>
-          <p:cNvPr id="3" name="Content Placeholder 2"/>
-          <p:cNvSpPr>
-            <a:spLocks noGrp="1"/>
-          </p:cNvSpPr>
-          <p:nvPr>
-            <p:ph idx="1"/>
-          </p:nvPr>
-        </p:nvSpPr>
-        <p:spPr/>
-        <p:txBody>
-          <a:bodyPr/>
-          <a:lstStyle/>
-          <a:p>
-            <a:endParaRPr lang="en-US"/>
           </a:p>
         </p:txBody>
       </p:sp>
@@ -22310,7 +22927,7 @@
 </p:sld>
 </file>
 
-<file path=ppt/slides/slide26.xml><?xml version="1.0" encoding="utf-8"?>
+<file path=ppt/slides/slide24.xml><?xml version="1.0" encoding="utf-8"?>
 <p:sld xmlns:a="http://schemas.openxmlformats.org/drawingml/2006/main" xmlns:r="http://schemas.openxmlformats.org/officeDocument/2006/relationships" xmlns:p="http://schemas.openxmlformats.org/presentationml/2006/main">
   <p:cSld>
     <p:spTree>
@@ -22413,7 +23030,7 @@
 </p:sld>
 </file>
 
-<file path=ppt/slides/slide27.xml><?xml version="1.0" encoding="utf-8"?>
+<file path=ppt/slides/slide25.xml><?xml version="1.0" encoding="utf-8"?>
 <p:sld xmlns:a="http://schemas.openxmlformats.org/drawingml/2006/main" xmlns:r="http://schemas.openxmlformats.org/officeDocument/2006/relationships" xmlns:p="http://schemas.openxmlformats.org/presentationml/2006/main">
   <p:cSld>
     <p:spTree>
@@ -22524,7 +23141,7 @@
 </p:sld>
 </file>
 
-<file path=ppt/slides/slide28.xml><?xml version="1.0" encoding="utf-8"?>
+<file path=ppt/slides/slide26.xml><?xml version="1.0" encoding="utf-8"?>
 <p:sld xmlns:a="http://schemas.openxmlformats.org/drawingml/2006/main" xmlns:r="http://schemas.openxmlformats.org/officeDocument/2006/relationships" xmlns:p="http://schemas.openxmlformats.org/presentationml/2006/main">
   <p:cSld>
     <p:spTree>
@@ -24079,7 +24696,7 @@
 </p:sld>
 </file>
 
-<file path=ppt/slides/slide29.xml><?xml version="1.0" encoding="utf-8"?>
+<file path=ppt/slides/slide27.xml><?xml version="1.0" encoding="utf-8"?>
 <p:sld xmlns:a="http://schemas.openxmlformats.org/drawingml/2006/main" xmlns:r="http://schemas.openxmlformats.org/officeDocument/2006/relationships" xmlns:p="http://schemas.openxmlformats.org/presentationml/2006/main">
   <p:cSld>
     <p:spTree>
@@ -24147,6 +24764,693 @@
     <p:extLst>
       <p:ext uri="{BB962C8B-B14F-4D97-AF65-F5344CB8AC3E}">
         <p14:creationId xmlns:p14="http://schemas.microsoft.com/office/powerpoint/2010/main" val="1536904019"/>
+      </p:ext>
+    </p:extLst>
+  </p:cSld>
+  <p:clrMapOvr>
+    <a:masterClrMapping/>
+  </p:clrMapOvr>
+  <p:timing>
+    <p:tnLst>
+      <p:par>
+        <p:cTn id="1" dur="indefinite" restart="never" nodeType="tmRoot"/>
+      </p:par>
+    </p:tnLst>
+  </p:timing>
+</p:sld>
+</file>
+
+<file path=ppt/slides/slide28.xml><?xml version="1.0" encoding="utf-8"?>
+<p:sld xmlns:a="http://schemas.openxmlformats.org/drawingml/2006/main" xmlns:r="http://schemas.openxmlformats.org/officeDocument/2006/relationships" xmlns:p="http://schemas.openxmlformats.org/presentationml/2006/main">
+  <p:cSld>
+    <p:spTree>
+      <p:nvGrpSpPr>
+        <p:cNvPr id="1" name=""/>
+        <p:cNvGrpSpPr/>
+        <p:nvPr/>
+      </p:nvGrpSpPr>
+      <p:grpSpPr>
+        <a:xfrm>
+          <a:off x="0" y="0"/>
+          <a:ext cx="0" cy="0"/>
+          <a:chOff x="0" y="0"/>
+          <a:chExt cx="0" cy="0"/>
+        </a:xfrm>
+      </p:grpSpPr>
+      <p:sp>
+        <p:nvSpPr>
+          <p:cNvPr id="2" name="Title 1"/>
+          <p:cNvSpPr>
+            <a:spLocks noGrp="1"/>
+          </p:cNvSpPr>
+          <p:nvPr>
+            <p:ph type="title"/>
+          </p:nvPr>
+        </p:nvSpPr>
+        <p:spPr/>
+        <p:txBody>
+          <a:bodyPr/>
+          <a:lstStyle/>
+          <a:p>
+            <a:r>
+              <a:rPr lang="en-US" dirty="0" smtClean="0"/>
+              <a:t>Experimental Setup</a:t>
+            </a:r>
+            <a:endParaRPr lang="en-US" dirty="0"/>
+          </a:p>
+        </p:txBody>
+      </p:sp>
+      <p:sp>
+        <p:nvSpPr>
+          <p:cNvPr id="3" name="Content Placeholder 2"/>
+          <p:cNvSpPr>
+            <a:spLocks noGrp="1"/>
+          </p:cNvSpPr>
+          <p:nvPr>
+            <p:ph idx="1"/>
+          </p:nvPr>
+        </p:nvSpPr>
+        <p:spPr/>
+        <p:txBody>
+          <a:bodyPr/>
+          <a:lstStyle/>
+          <a:p>
+            <a:r>
+              <a:rPr lang="en-US" dirty="0" smtClean="0"/>
+              <a:t>Call volume traces for 2 days at 26 urban BTSs</a:t>
+            </a:r>
+          </a:p>
+          <a:p>
+            <a:r>
+              <a:rPr lang="en-US" dirty="0" smtClean="0"/>
+              <a:t>Trace driven simulation:</a:t>
+            </a:r>
+          </a:p>
+          <a:p>
+            <a:pPr lvl="1"/>
+            <a:r>
+              <a:rPr lang="en-US" dirty="0" smtClean="0"/>
+              <a:t>Periodically obtain optimal call placement</a:t>
+            </a:r>
+          </a:p>
+          <a:p>
+            <a:pPr lvl="1"/>
+            <a:r>
+              <a:rPr lang="en-US" dirty="0" smtClean="0"/>
+              <a:t>Place BTSs with low-traffic in power-saving mode</a:t>
+            </a:r>
+            <a:endParaRPr lang="en-US" dirty="0"/>
+          </a:p>
+        </p:txBody>
+      </p:sp>
+    </p:spTree>
+    <p:extLst>
+      <p:ext uri="{BB962C8B-B14F-4D97-AF65-F5344CB8AC3E}">
+        <p14:creationId xmlns:p14="http://schemas.microsoft.com/office/powerpoint/2010/main" val="1124266762"/>
+      </p:ext>
+    </p:extLst>
+  </p:cSld>
+  <p:clrMapOvr>
+    <a:masterClrMapping/>
+  </p:clrMapOvr>
+  <p:timing>
+    <p:tnLst>
+      <p:par>
+        <p:cTn id="1" dur="indefinite" restart="never" nodeType="tmRoot">
+          <p:childTnLst>
+            <p:seq concurrent="1" nextAc="seek">
+              <p:cTn id="2" dur="indefinite" nodeType="mainSeq">
+                <p:childTnLst>
+                  <p:par>
+                    <p:cTn id="3" fill="hold">
+                      <p:stCondLst>
+                        <p:cond delay="indefinite"/>
+                      </p:stCondLst>
+                      <p:childTnLst>
+                        <p:par>
+                          <p:cTn id="4" fill="hold">
+                            <p:stCondLst>
+                              <p:cond delay="0"/>
+                            </p:stCondLst>
+                            <p:childTnLst>
+                              <p:par>
+                                <p:cTn id="5" presetID="1" presetClass="entr" presetSubtype="0" fill="hold" grpId="0" nodeType="clickEffect">
+                                  <p:stCondLst>
+                                    <p:cond delay="0"/>
+                                  </p:stCondLst>
+                                  <p:childTnLst>
+                                    <p:set>
+                                      <p:cBhvr>
+                                        <p:cTn id="6" dur="1" fill="hold">
+                                          <p:stCondLst>
+                                            <p:cond delay="0"/>
+                                          </p:stCondLst>
+                                        </p:cTn>
+                                        <p:tgtEl>
+                                          <p:spTgt spid="3">
+                                            <p:txEl>
+                                              <p:pRg st="0" end="0"/>
+                                            </p:txEl>
+                                          </p:spTgt>
+                                        </p:tgtEl>
+                                        <p:attrNameLst>
+                                          <p:attrName>style.visibility</p:attrName>
+                                        </p:attrNameLst>
+                                      </p:cBhvr>
+                                      <p:to>
+                                        <p:strVal val="visible"/>
+                                      </p:to>
+                                    </p:set>
+                                  </p:childTnLst>
+                                </p:cTn>
+                              </p:par>
+                            </p:childTnLst>
+                          </p:cTn>
+                        </p:par>
+                      </p:childTnLst>
+                    </p:cTn>
+                  </p:par>
+                  <p:par>
+                    <p:cTn id="7" fill="hold">
+                      <p:stCondLst>
+                        <p:cond delay="indefinite"/>
+                      </p:stCondLst>
+                      <p:childTnLst>
+                        <p:par>
+                          <p:cTn id="8" fill="hold">
+                            <p:stCondLst>
+                              <p:cond delay="0"/>
+                            </p:stCondLst>
+                            <p:childTnLst>
+                              <p:par>
+                                <p:cTn id="9" presetID="1" presetClass="entr" presetSubtype="0" fill="hold" grpId="0" nodeType="clickEffect">
+                                  <p:stCondLst>
+                                    <p:cond delay="0"/>
+                                  </p:stCondLst>
+                                  <p:childTnLst>
+                                    <p:set>
+                                      <p:cBhvr>
+                                        <p:cTn id="10" dur="1" fill="hold">
+                                          <p:stCondLst>
+                                            <p:cond delay="0"/>
+                                          </p:stCondLst>
+                                        </p:cTn>
+                                        <p:tgtEl>
+                                          <p:spTgt spid="3">
+                                            <p:txEl>
+                                              <p:pRg st="1" end="1"/>
+                                            </p:txEl>
+                                          </p:spTgt>
+                                        </p:tgtEl>
+                                        <p:attrNameLst>
+                                          <p:attrName>style.visibility</p:attrName>
+                                        </p:attrNameLst>
+                                      </p:cBhvr>
+                                      <p:to>
+                                        <p:strVal val="visible"/>
+                                      </p:to>
+                                    </p:set>
+                                  </p:childTnLst>
+                                </p:cTn>
+                              </p:par>
+                              <p:par>
+                                <p:cTn id="11" presetID="1" presetClass="entr" presetSubtype="0" fill="hold" grpId="0" nodeType="withEffect">
+                                  <p:stCondLst>
+                                    <p:cond delay="0"/>
+                                  </p:stCondLst>
+                                  <p:childTnLst>
+                                    <p:set>
+                                      <p:cBhvr>
+                                        <p:cTn id="12" dur="1" fill="hold">
+                                          <p:stCondLst>
+                                            <p:cond delay="0"/>
+                                          </p:stCondLst>
+                                        </p:cTn>
+                                        <p:tgtEl>
+                                          <p:spTgt spid="3">
+                                            <p:txEl>
+                                              <p:pRg st="2" end="2"/>
+                                            </p:txEl>
+                                          </p:spTgt>
+                                        </p:tgtEl>
+                                        <p:attrNameLst>
+                                          <p:attrName>style.visibility</p:attrName>
+                                        </p:attrNameLst>
+                                      </p:cBhvr>
+                                      <p:to>
+                                        <p:strVal val="visible"/>
+                                      </p:to>
+                                    </p:set>
+                                  </p:childTnLst>
+                                </p:cTn>
+                              </p:par>
+                              <p:par>
+                                <p:cTn id="13" presetID="1" presetClass="entr" presetSubtype="0" fill="hold" grpId="0" nodeType="withEffect">
+                                  <p:stCondLst>
+                                    <p:cond delay="0"/>
+                                  </p:stCondLst>
+                                  <p:childTnLst>
+                                    <p:set>
+                                      <p:cBhvr>
+                                        <p:cTn id="14" dur="1" fill="hold">
+                                          <p:stCondLst>
+                                            <p:cond delay="0"/>
+                                          </p:stCondLst>
+                                        </p:cTn>
+                                        <p:tgtEl>
+                                          <p:spTgt spid="3">
+                                            <p:txEl>
+                                              <p:pRg st="3" end="3"/>
+                                            </p:txEl>
+                                          </p:spTgt>
+                                        </p:tgtEl>
+                                        <p:attrNameLst>
+                                          <p:attrName>style.visibility</p:attrName>
+                                        </p:attrNameLst>
+                                      </p:cBhvr>
+                                      <p:to>
+                                        <p:strVal val="visible"/>
+                                      </p:to>
+                                    </p:set>
+                                  </p:childTnLst>
+                                </p:cTn>
+                              </p:par>
+                            </p:childTnLst>
+                          </p:cTn>
+                        </p:par>
+                      </p:childTnLst>
+                    </p:cTn>
+                  </p:par>
+                </p:childTnLst>
+              </p:cTn>
+              <p:prevCondLst>
+                <p:cond evt="onPrev" delay="0">
+                  <p:tgtEl>
+                    <p:sldTgt/>
+                  </p:tgtEl>
+                </p:cond>
+              </p:prevCondLst>
+              <p:nextCondLst>
+                <p:cond evt="onNext" delay="0">
+                  <p:tgtEl>
+                    <p:sldTgt/>
+                  </p:tgtEl>
+                </p:cond>
+              </p:nextCondLst>
+            </p:seq>
+          </p:childTnLst>
+        </p:cTn>
+      </p:par>
+    </p:tnLst>
+    <p:bldLst>
+      <p:bldP spid="3" grpId="0" build="p"/>
+    </p:bldLst>
+  </p:timing>
+</p:sld>
+</file>
+
+<file path=ppt/slides/slide29.xml><?xml version="1.0" encoding="utf-8"?>
+<p:sld xmlns:a="http://schemas.openxmlformats.org/drawingml/2006/main" xmlns:r="http://schemas.openxmlformats.org/officeDocument/2006/relationships" xmlns:p="http://schemas.openxmlformats.org/presentationml/2006/main">
+  <p:cSld>
+    <p:spTree>
+      <p:nvGrpSpPr>
+        <p:cNvPr id="1" name=""/>
+        <p:cNvGrpSpPr/>
+        <p:nvPr/>
+      </p:nvGrpSpPr>
+      <p:grpSpPr>
+        <a:xfrm>
+          <a:off x="0" y="0"/>
+          <a:ext cx="0" cy="0"/>
+          <a:chOff x="0" y="0"/>
+          <a:chExt cx="0" cy="0"/>
+        </a:xfrm>
+      </p:grpSpPr>
+      <p:sp>
+        <p:nvSpPr>
+          <p:cNvPr id="2" name="Title 1"/>
+          <p:cNvSpPr>
+            <a:spLocks noGrp="1"/>
+          </p:cNvSpPr>
+          <p:nvPr>
+            <p:ph type="title"/>
+          </p:nvPr>
+        </p:nvSpPr>
+        <p:spPr/>
+        <p:txBody>
+          <a:bodyPr/>
+          <a:lstStyle/>
+          <a:p>
+            <a:r>
+              <a:rPr lang="en-US" dirty="0" smtClean="0"/>
+              <a:t>BTS Power Consumption Models</a:t>
+            </a:r>
+            <a:endParaRPr lang="en-US" dirty="0"/>
+          </a:p>
+        </p:txBody>
+      </p:sp>
+      <p:graphicFrame>
+        <p:nvGraphicFramePr>
+          <p:cNvPr id="4" name="Table 3"/>
+          <p:cNvGraphicFramePr>
+            <a:graphicFrameLocks noGrp="1"/>
+          </p:cNvGraphicFramePr>
+          <p:nvPr>
+            <p:extLst>
+              <p:ext uri="{D42A27DB-BD31-4B8C-83A1-F6EECF244321}">
+                <p14:modId xmlns:p14="http://schemas.microsoft.com/office/powerpoint/2010/main" val="3766926096"/>
+              </p:ext>
+            </p:extLst>
+          </p:nvPr>
+        </p:nvGraphicFramePr>
+        <p:xfrm>
+          <a:off x="1524000" y="1397000"/>
+          <a:ext cx="6096000" cy="2661920"/>
+        </p:xfrm>
+        <a:graphic>
+          <a:graphicData uri="http://schemas.openxmlformats.org/drawingml/2006/table">
+            <a:tbl>
+              <a:tblPr firstRow="1" bandRow="1">
+                <a:tableStyleId>{5C22544A-7EE6-4342-B048-85BDC9FD1C3A}</a:tableStyleId>
+              </a:tblPr>
+              <a:tblGrid>
+                <a:gridCol w="1524000"/>
+                <a:gridCol w="1524000"/>
+                <a:gridCol w="1524000"/>
+                <a:gridCol w="1524000"/>
+              </a:tblGrid>
+              <a:tr h="370840">
+                <a:tc rowSpan="2">
+                  <a:txBody>
+                    <a:bodyPr/>
+                    <a:lstStyle/>
+                    <a:p>
+                      <a:pPr algn="ctr"/>
+                      <a:r>
+                        <a:rPr lang="en-US" dirty="0" smtClean="0"/>
+                        <a:t>Parameter</a:t>
+                      </a:r>
+                      <a:endParaRPr lang="en-US" dirty="0"/>
+                    </a:p>
+                  </a:txBody>
+                  <a:tcPr/>
+                </a:tc>
+                <a:tc gridSpan="3">
+                  <a:txBody>
+                    <a:bodyPr/>
+                    <a:lstStyle/>
+                    <a:p>
+                      <a:pPr algn="ctr"/>
+                      <a:r>
+                        <a:rPr lang="en-US" dirty="0" smtClean="0"/>
+                        <a:t>Value</a:t>
+                      </a:r>
+                      <a:endParaRPr lang="en-US" dirty="0"/>
+                    </a:p>
+                  </a:txBody>
+                  <a:tcPr/>
+                </a:tc>
+                <a:tc hMerge="1">
+                  <a:txBody>
+                    <a:bodyPr/>
+                    <a:lstStyle/>
+                    <a:p>
+                      <a:endParaRPr lang="en-US" dirty="0"/>
+                    </a:p>
+                  </a:txBody>
+                  <a:tcPr/>
+                </a:tc>
+                <a:tc hMerge="1">
+                  <a:txBody>
+                    <a:bodyPr/>
+                    <a:lstStyle/>
+                    <a:p>
+                      <a:endParaRPr lang="en-US" dirty="0"/>
+                    </a:p>
+                  </a:txBody>
+                  <a:tcPr/>
+                </a:tc>
+              </a:tr>
+              <a:tr h="370840">
+                <a:tc vMerge="1">
+                  <a:txBody>
+                    <a:bodyPr/>
+                    <a:lstStyle/>
+                    <a:p>
+                      <a:pPr algn="ctr"/>
+                      <a:endParaRPr lang="en-US" dirty="0"/>
+                    </a:p>
+                  </a:txBody>
+                  <a:tcPr/>
+                </a:tc>
+                <a:tc>
+                  <a:txBody>
+                    <a:bodyPr/>
+                    <a:lstStyle/>
+                    <a:p>
+                      <a:pPr algn="ctr"/>
+                      <a:r>
+                        <a:rPr lang="en-US" dirty="0" smtClean="0"/>
+                        <a:t>Model 1</a:t>
+                      </a:r>
+                      <a:endParaRPr lang="en-US" dirty="0"/>
+                    </a:p>
+                  </a:txBody>
+                  <a:tcPr/>
+                </a:tc>
+                <a:tc>
+                  <a:txBody>
+                    <a:bodyPr/>
+                    <a:lstStyle/>
+                    <a:p>
+                      <a:pPr algn="ctr"/>
+                      <a:r>
+                        <a:rPr lang="en-US" dirty="0" smtClean="0"/>
+                        <a:t>Model</a:t>
+                      </a:r>
+                      <a:r>
+                        <a:rPr lang="en-US" baseline="0" dirty="0" smtClean="0"/>
+                        <a:t> 2</a:t>
+                      </a:r>
+                      <a:endParaRPr lang="en-US" dirty="0"/>
+                    </a:p>
+                  </a:txBody>
+                  <a:tcPr/>
+                </a:tc>
+                <a:tc>
+                  <a:txBody>
+                    <a:bodyPr/>
+                    <a:lstStyle/>
+                    <a:p>
+                      <a:pPr algn="ctr"/>
+                      <a:r>
+                        <a:rPr lang="en-US" dirty="0" smtClean="0"/>
+                        <a:t>Model 3</a:t>
+                      </a:r>
+                      <a:endParaRPr lang="en-US" dirty="0"/>
+                    </a:p>
+                  </a:txBody>
+                  <a:tcPr/>
+                </a:tc>
+              </a:tr>
+              <a:tr h="370840">
+                <a:tc>
+                  <a:txBody>
+                    <a:bodyPr/>
+                    <a:lstStyle/>
+                    <a:p>
+                      <a:pPr algn="ctr"/>
+                      <a:r>
+                        <a:rPr lang="en-US" dirty="0" smtClean="0"/>
+                        <a:t>Idle Power (W)</a:t>
+                      </a:r>
+                      <a:endParaRPr lang="en-US" dirty="0"/>
+                    </a:p>
+                  </a:txBody>
+                  <a:tcPr/>
+                </a:tc>
+                <a:tc>
+                  <a:txBody>
+                    <a:bodyPr/>
+                    <a:lstStyle/>
+                    <a:p>
+                      <a:pPr algn="ctr"/>
+                      <a:r>
+                        <a:rPr lang="en-US" dirty="0" smtClean="0"/>
+                        <a:t>1425</a:t>
+                      </a:r>
+                      <a:endParaRPr lang="en-US" dirty="0"/>
+                    </a:p>
+                  </a:txBody>
+                  <a:tcPr/>
+                </a:tc>
+                <a:tc>
+                  <a:txBody>
+                    <a:bodyPr/>
+                    <a:lstStyle/>
+                    <a:p>
+                      <a:pPr algn="ctr"/>
+                      <a:r>
+                        <a:rPr lang="en-US" dirty="0" smtClean="0"/>
+                        <a:t>2401.8</a:t>
+                      </a:r>
+                      <a:endParaRPr lang="en-US" dirty="0"/>
+                    </a:p>
+                  </a:txBody>
+                  <a:tcPr/>
+                </a:tc>
+                <a:tc>
+                  <a:txBody>
+                    <a:bodyPr/>
+                    <a:lstStyle/>
+                    <a:p>
+                      <a:pPr algn="ctr"/>
+                      <a:r>
+                        <a:rPr lang="en-US" dirty="0" smtClean="0"/>
+                        <a:t>2341.5 </a:t>
+                      </a:r>
+                      <a:endParaRPr lang="en-US" dirty="0"/>
+                    </a:p>
+                  </a:txBody>
+                  <a:tcPr/>
+                </a:tc>
+              </a:tr>
+              <a:tr h="370840">
+                <a:tc>
+                  <a:txBody>
+                    <a:bodyPr/>
+                    <a:lstStyle/>
+                    <a:p>
+                      <a:pPr algn="ctr"/>
+                      <a:r>
+                        <a:rPr lang="en-US" dirty="0" smtClean="0"/>
+                        <a:t>Peak</a:t>
+                      </a:r>
+                      <a:r>
+                        <a:rPr lang="en-US" baseline="0" dirty="0" smtClean="0"/>
+                        <a:t> Power (W)</a:t>
+                      </a:r>
+                      <a:endParaRPr lang="en-US" dirty="0"/>
+                    </a:p>
+                  </a:txBody>
+                  <a:tcPr/>
+                </a:tc>
+                <a:tc>
+                  <a:txBody>
+                    <a:bodyPr/>
+                    <a:lstStyle/>
+                    <a:p>
+                      <a:pPr algn="ctr"/>
+                      <a:r>
+                        <a:rPr lang="en-US" dirty="0" smtClean="0"/>
+                        <a:t>1500</a:t>
+                      </a:r>
+                      <a:endParaRPr lang="en-US" dirty="0"/>
+                    </a:p>
+                  </a:txBody>
+                  <a:tcPr/>
+                </a:tc>
+                <a:tc>
+                  <a:txBody>
+                    <a:bodyPr/>
+                    <a:lstStyle/>
+                    <a:p>
+                      <a:pPr algn="ctr"/>
+                      <a:r>
+                        <a:rPr lang="en-US" dirty="0" smtClean="0"/>
+                        <a:t>3887.5</a:t>
+                      </a:r>
+                      <a:endParaRPr lang="en-US" dirty="0"/>
+                    </a:p>
+                  </a:txBody>
+                  <a:tcPr/>
+                </a:tc>
+                <a:tc>
+                  <a:txBody>
+                    <a:bodyPr/>
+                    <a:lstStyle/>
+                    <a:p>
+                      <a:pPr algn="ctr"/>
+                      <a:r>
+                        <a:rPr lang="en-US" dirty="0" smtClean="0"/>
+                        <a:t>2973.9</a:t>
+                      </a:r>
+                      <a:endParaRPr lang="en-US" dirty="0"/>
+                    </a:p>
+                  </a:txBody>
+                  <a:tcPr/>
+                </a:tc>
+              </a:tr>
+              <a:tr h="370840">
+                <a:tc>
+                  <a:txBody>
+                    <a:bodyPr/>
+                    <a:lstStyle/>
+                    <a:p>
+                      <a:pPr algn="ctr"/>
+                      <a:r>
+                        <a:rPr lang="en-US" dirty="0" smtClean="0"/>
+                        <a:t>Power Saving per TRX (W)</a:t>
+                      </a:r>
+                      <a:endParaRPr lang="en-US" dirty="0"/>
+                    </a:p>
+                  </a:txBody>
+                  <a:tcPr/>
+                </a:tc>
+                <a:tc>
+                  <a:txBody>
+                    <a:bodyPr/>
+                    <a:lstStyle/>
+                    <a:p>
+                      <a:pPr algn="ctr"/>
+                      <a:r>
+                        <a:rPr lang="en-US" dirty="0" smtClean="0"/>
+                        <a:t>20</a:t>
+                      </a:r>
+                      <a:endParaRPr lang="en-US" dirty="0"/>
+                    </a:p>
+                  </a:txBody>
+                  <a:tcPr/>
+                </a:tc>
+                <a:tc>
+                  <a:txBody>
+                    <a:bodyPr/>
+                    <a:lstStyle/>
+                    <a:p>
+                      <a:pPr algn="ctr"/>
+                      <a:r>
+                        <a:rPr lang="en-US" dirty="0" smtClean="0"/>
+                        <a:t>50</a:t>
+                      </a:r>
+                      <a:endParaRPr lang="en-US" dirty="0"/>
+                    </a:p>
+                  </a:txBody>
+                  <a:tcPr/>
+                </a:tc>
+                <a:tc>
+                  <a:txBody>
+                    <a:bodyPr/>
+                    <a:lstStyle/>
+                    <a:p>
+                      <a:pPr algn="ctr"/>
+                      <a:r>
+                        <a:rPr lang="en-US" dirty="0" smtClean="0"/>
+                        <a:t>100</a:t>
+                      </a:r>
+                      <a:endParaRPr lang="en-US" dirty="0"/>
+                    </a:p>
+                  </a:txBody>
+                  <a:tcPr/>
+                </a:tc>
+              </a:tr>
+            </a:tbl>
+          </a:graphicData>
+        </a:graphic>
+      </p:graphicFrame>
+    </p:spTree>
+    <p:extLst>
+      <p:ext uri="{BB962C8B-B14F-4D97-AF65-F5344CB8AC3E}">
+        <p14:creationId xmlns:p14="http://schemas.microsoft.com/office/powerpoint/2010/main" val="1411152508"/>
       </p:ext>
     </p:extLst>
   </p:cSld>
@@ -24895,697 +26199,6 @@
         </p:nvSpPr>
         <p:spPr/>
         <p:txBody>
-          <a:bodyPr/>
-          <a:lstStyle/>
-          <a:p>
-            <a:r>
-              <a:rPr lang="en-US" dirty="0" smtClean="0"/>
-              <a:t>Experimental </a:t>
-            </a:r>
-            <a:r>
-              <a:rPr lang="en-US" dirty="0" smtClean="0"/>
-              <a:t>Setup</a:t>
-            </a:r>
-            <a:endParaRPr lang="en-US" dirty="0"/>
-          </a:p>
-        </p:txBody>
-      </p:sp>
-      <p:sp>
-        <p:nvSpPr>
-          <p:cNvPr id="3" name="Content Placeholder 2"/>
-          <p:cNvSpPr>
-            <a:spLocks noGrp="1"/>
-          </p:cNvSpPr>
-          <p:nvPr>
-            <p:ph idx="1"/>
-          </p:nvPr>
-        </p:nvSpPr>
-        <p:spPr/>
-        <p:txBody>
-          <a:bodyPr/>
-          <a:lstStyle/>
-          <a:p>
-            <a:r>
-              <a:rPr lang="en-US" dirty="0" smtClean="0"/>
-              <a:t>Call volume traces for 2 days at 26 urban BTSs</a:t>
-            </a:r>
-          </a:p>
-          <a:p>
-            <a:r>
-              <a:rPr lang="en-US" dirty="0" smtClean="0"/>
-              <a:t>Trace driven simulation:</a:t>
-            </a:r>
-          </a:p>
-          <a:p>
-            <a:pPr lvl="1"/>
-            <a:r>
-              <a:rPr lang="en-US" dirty="0" smtClean="0"/>
-              <a:t>Periodically obtain optimal call placement</a:t>
-            </a:r>
-          </a:p>
-          <a:p>
-            <a:pPr lvl="1"/>
-            <a:r>
-              <a:rPr lang="en-US" dirty="0" smtClean="0"/>
-              <a:t>Place BTSs with low-traffic in power-saving mode</a:t>
-            </a:r>
-            <a:endParaRPr lang="en-US" dirty="0"/>
-          </a:p>
-        </p:txBody>
-      </p:sp>
-    </p:spTree>
-    <p:extLst>
-      <p:ext uri="{BB962C8B-B14F-4D97-AF65-F5344CB8AC3E}">
-        <p14:creationId xmlns:p14="http://schemas.microsoft.com/office/powerpoint/2010/main" val="1124266762"/>
-      </p:ext>
-    </p:extLst>
-  </p:cSld>
-  <p:clrMapOvr>
-    <a:masterClrMapping/>
-  </p:clrMapOvr>
-  <p:timing>
-    <p:tnLst>
-      <p:par>
-        <p:cTn id="1" dur="indefinite" restart="never" nodeType="tmRoot">
-          <p:childTnLst>
-            <p:seq concurrent="1" nextAc="seek">
-              <p:cTn id="2" dur="indefinite" nodeType="mainSeq">
-                <p:childTnLst>
-                  <p:par>
-                    <p:cTn id="3" fill="hold">
-                      <p:stCondLst>
-                        <p:cond delay="indefinite"/>
-                      </p:stCondLst>
-                      <p:childTnLst>
-                        <p:par>
-                          <p:cTn id="4" fill="hold">
-                            <p:stCondLst>
-                              <p:cond delay="0"/>
-                            </p:stCondLst>
-                            <p:childTnLst>
-                              <p:par>
-                                <p:cTn id="5" presetID="1" presetClass="entr" presetSubtype="0" fill="hold" grpId="0" nodeType="clickEffect">
-                                  <p:stCondLst>
-                                    <p:cond delay="0"/>
-                                  </p:stCondLst>
-                                  <p:childTnLst>
-                                    <p:set>
-                                      <p:cBhvr>
-                                        <p:cTn id="6" dur="1" fill="hold">
-                                          <p:stCondLst>
-                                            <p:cond delay="0"/>
-                                          </p:stCondLst>
-                                        </p:cTn>
-                                        <p:tgtEl>
-                                          <p:spTgt spid="3">
-                                            <p:txEl>
-                                              <p:pRg st="0" end="0"/>
-                                            </p:txEl>
-                                          </p:spTgt>
-                                        </p:tgtEl>
-                                        <p:attrNameLst>
-                                          <p:attrName>style.visibility</p:attrName>
-                                        </p:attrNameLst>
-                                      </p:cBhvr>
-                                      <p:to>
-                                        <p:strVal val="visible"/>
-                                      </p:to>
-                                    </p:set>
-                                  </p:childTnLst>
-                                </p:cTn>
-                              </p:par>
-                            </p:childTnLst>
-                          </p:cTn>
-                        </p:par>
-                      </p:childTnLst>
-                    </p:cTn>
-                  </p:par>
-                  <p:par>
-                    <p:cTn id="7" fill="hold">
-                      <p:stCondLst>
-                        <p:cond delay="indefinite"/>
-                      </p:stCondLst>
-                      <p:childTnLst>
-                        <p:par>
-                          <p:cTn id="8" fill="hold">
-                            <p:stCondLst>
-                              <p:cond delay="0"/>
-                            </p:stCondLst>
-                            <p:childTnLst>
-                              <p:par>
-                                <p:cTn id="9" presetID="1" presetClass="entr" presetSubtype="0" fill="hold" grpId="0" nodeType="clickEffect">
-                                  <p:stCondLst>
-                                    <p:cond delay="0"/>
-                                  </p:stCondLst>
-                                  <p:childTnLst>
-                                    <p:set>
-                                      <p:cBhvr>
-                                        <p:cTn id="10" dur="1" fill="hold">
-                                          <p:stCondLst>
-                                            <p:cond delay="0"/>
-                                          </p:stCondLst>
-                                        </p:cTn>
-                                        <p:tgtEl>
-                                          <p:spTgt spid="3">
-                                            <p:txEl>
-                                              <p:pRg st="1" end="1"/>
-                                            </p:txEl>
-                                          </p:spTgt>
-                                        </p:tgtEl>
-                                        <p:attrNameLst>
-                                          <p:attrName>style.visibility</p:attrName>
-                                        </p:attrNameLst>
-                                      </p:cBhvr>
-                                      <p:to>
-                                        <p:strVal val="visible"/>
-                                      </p:to>
-                                    </p:set>
-                                  </p:childTnLst>
-                                </p:cTn>
-                              </p:par>
-                              <p:par>
-                                <p:cTn id="11" presetID="1" presetClass="entr" presetSubtype="0" fill="hold" grpId="0" nodeType="withEffect">
-                                  <p:stCondLst>
-                                    <p:cond delay="0"/>
-                                  </p:stCondLst>
-                                  <p:childTnLst>
-                                    <p:set>
-                                      <p:cBhvr>
-                                        <p:cTn id="12" dur="1" fill="hold">
-                                          <p:stCondLst>
-                                            <p:cond delay="0"/>
-                                          </p:stCondLst>
-                                        </p:cTn>
-                                        <p:tgtEl>
-                                          <p:spTgt spid="3">
-                                            <p:txEl>
-                                              <p:pRg st="2" end="2"/>
-                                            </p:txEl>
-                                          </p:spTgt>
-                                        </p:tgtEl>
-                                        <p:attrNameLst>
-                                          <p:attrName>style.visibility</p:attrName>
-                                        </p:attrNameLst>
-                                      </p:cBhvr>
-                                      <p:to>
-                                        <p:strVal val="visible"/>
-                                      </p:to>
-                                    </p:set>
-                                  </p:childTnLst>
-                                </p:cTn>
-                              </p:par>
-                              <p:par>
-                                <p:cTn id="13" presetID="1" presetClass="entr" presetSubtype="0" fill="hold" grpId="0" nodeType="withEffect">
-                                  <p:stCondLst>
-                                    <p:cond delay="0"/>
-                                  </p:stCondLst>
-                                  <p:childTnLst>
-                                    <p:set>
-                                      <p:cBhvr>
-                                        <p:cTn id="14" dur="1" fill="hold">
-                                          <p:stCondLst>
-                                            <p:cond delay="0"/>
-                                          </p:stCondLst>
-                                        </p:cTn>
-                                        <p:tgtEl>
-                                          <p:spTgt spid="3">
-                                            <p:txEl>
-                                              <p:pRg st="3" end="3"/>
-                                            </p:txEl>
-                                          </p:spTgt>
-                                        </p:tgtEl>
-                                        <p:attrNameLst>
-                                          <p:attrName>style.visibility</p:attrName>
-                                        </p:attrNameLst>
-                                      </p:cBhvr>
-                                      <p:to>
-                                        <p:strVal val="visible"/>
-                                      </p:to>
-                                    </p:set>
-                                  </p:childTnLst>
-                                </p:cTn>
-                              </p:par>
-                            </p:childTnLst>
-                          </p:cTn>
-                        </p:par>
-                      </p:childTnLst>
-                    </p:cTn>
-                  </p:par>
-                </p:childTnLst>
-              </p:cTn>
-              <p:prevCondLst>
-                <p:cond evt="onPrev" delay="0">
-                  <p:tgtEl>
-                    <p:sldTgt/>
-                  </p:tgtEl>
-                </p:cond>
-              </p:prevCondLst>
-              <p:nextCondLst>
-                <p:cond evt="onNext" delay="0">
-                  <p:tgtEl>
-                    <p:sldTgt/>
-                  </p:tgtEl>
-                </p:cond>
-              </p:nextCondLst>
-            </p:seq>
-          </p:childTnLst>
-        </p:cTn>
-      </p:par>
-    </p:tnLst>
-    <p:bldLst>
-      <p:bldP spid="3" grpId="0" build="p"/>
-    </p:bldLst>
-  </p:timing>
-</p:sld>
-</file>
-
-<file path=ppt/slides/slide31.xml><?xml version="1.0" encoding="utf-8"?>
-<p:sld xmlns:a="http://schemas.openxmlformats.org/drawingml/2006/main" xmlns:r="http://schemas.openxmlformats.org/officeDocument/2006/relationships" xmlns:p="http://schemas.openxmlformats.org/presentationml/2006/main">
-  <p:cSld>
-    <p:spTree>
-      <p:nvGrpSpPr>
-        <p:cNvPr id="1" name=""/>
-        <p:cNvGrpSpPr/>
-        <p:nvPr/>
-      </p:nvGrpSpPr>
-      <p:grpSpPr>
-        <a:xfrm>
-          <a:off x="0" y="0"/>
-          <a:ext cx="0" cy="0"/>
-          <a:chOff x="0" y="0"/>
-          <a:chExt cx="0" cy="0"/>
-        </a:xfrm>
-      </p:grpSpPr>
-      <p:sp>
-        <p:nvSpPr>
-          <p:cNvPr id="2" name="Title 1"/>
-          <p:cNvSpPr>
-            <a:spLocks noGrp="1"/>
-          </p:cNvSpPr>
-          <p:nvPr>
-            <p:ph type="title"/>
-          </p:nvPr>
-        </p:nvSpPr>
-        <p:spPr/>
-        <p:txBody>
-          <a:bodyPr/>
-          <a:lstStyle/>
-          <a:p>
-            <a:r>
-              <a:rPr lang="en-US" dirty="0" smtClean="0"/>
-              <a:t>BTS Power Consumption Models</a:t>
-            </a:r>
-            <a:endParaRPr lang="en-US" dirty="0"/>
-          </a:p>
-        </p:txBody>
-      </p:sp>
-      <p:graphicFrame>
-        <p:nvGraphicFramePr>
-          <p:cNvPr id="4" name="Table 3"/>
-          <p:cNvGraphicFramePr>
-            <a:graphicFrameLocks noGrp="1"/>
-          </p:cNvGraphicFramePr>
-          <p:nvPr>
-            <p:extLst>
-              <p:ext uri="{D42A27DB-BD31-4B8C-83A1-F6EECF244321}">
-                <p14:modId xmlns:p14="http://schemas.microsoft.com/office/powerpoint/2010/main" val="3766926096"/>
-              </p:ext>
-            </p:extLst>
-          </p:nvPr>
-        </p:nvGraphicFramePr>
-        <p:xfrm>
-          <a:off x="1524000" y="1397000"/>
-          <a:ext cx="6096000" cy="2661920"/>
-        </p:xfrm>
-        <a:graphic>
-          <a:graphicData uri="http://schemas.openxmlformats.org/drawingml/2006/table">
-            <a:tbl>
-              <a:tblPr firstRow="1" bandRow="1">
-                <a:tableStyleId>{5C22544A-7EE6-4342-B048-85BDC9FD1C3A}</a:tableStyleId>
-              </a:tblPr>
-              <a:tblGrid>
-                <a:gridCol w="1524000"/>
-                <a:gridCol w="1524000"/>
-                <a:gridCol w="1524000"/>
-                <a:gridCol w="1524000"/>
-              </a:tblGrid>
-              <a:tr h="370840">
-                <a:tc rowSpan="2">
-                  <a:txBody>
-                    <a:bodyPr/>
-                    <a:lstStyle/>
-                    <a:p>
-                      <a:pPr algn="ctr"/>
-                      <a:r>
-                        <a:rPr lang="en-US" dirty="0" smtClean="0"/>
-                        <a:t>Parameter</a:t>
-                      </a:r>
-                      <a:endParaRPr lang="en-US" dirty="0"/>
-                    </a:p>
-                  </a:txBody>
-                  <a:tcPr/>
-                </a:tc>
-                <a:tc gridSpan="3">
-                  <a:txBody>
-                    <a:bodyPr/>
-                    <a:lstStyle/>
-                    <a:p>
-                      <a:pPr algn="ctr"/>
-                      <a:r>
-                        <a:rPr lang="en-US" dirty="0" smtClean="0"/>
-                        <a:t>Value</a:t>
-                      </a:r>
-                      <a:endParaRPr lang="en-US" dirty="0"/>
-                    </a:p>
-                  </a:txBody>
-                  <a:tcPr/>
-                </a:tc>
-                <a:tc hMerge="1">
-                  <a:txBody>
-                    <a:bodyPr/>
-                    <a:lstStyle/>
-                    <a:p>
-                      <a:endParaRPr lang="en-US" dirty="0"/>
-                    </a:p>
-                  </a:txBody>
-                  <a:tcPr/>
-                </a:tc>
-                <a:tc hMerge="1">
-                  <a:txBody>
-                    <a:bodyPr/>
-                    <a:lstStyle/>
-                    <a:p>
-                      <a:endParaRPr lang="en-US" dirty="0"/>
-                    </a:p>
-                  </a:txBody>
-                  <a:tcPr/>
-                </a:tc>
-              </a:tr>
-              <a:tr h="370840">
-                <a:tc vMerge="1">
-                  <a:txBody>
-                    <a:bodyPr/>
-                    <a:lstStyle/>
-                    <a:p>
-                      <a:pPr algn="ctr"/>
-                      <a:endParaRPr lang="en-US" dirty="0"/>
-                    </a:p>
-                  </a:txBody>
-                  <a:tcPr/>
-                </a:tc>
-                <a:tc>
-                  <a:txBody>
-                    <a:bodyPr/>
-                    <a:lstStyle/>
-                    <a:p>
-                      <a:pPr algn="ctr"/>
-                      <a:r>
-                        <a:rPr lang="en-US" dirty="0" smtClean="0"/>
-                        <a:t>Model 1</a:t>
-                      </a:r>
-                      <a:endParaRPr lang="en-US" dirty="0"/>
-                    </a:p>
-                  </a:txBody>
-                  <a:tcPr/>
-                </a:tc>
-                <a:tc>
-                  <a:txBody>
-                    <a:bodyPr/>
-                    <a:lstStyle/>
-                    <a:p>
-                      <a:pPr algn="ctr"/>
-                      <a:r>
-                        <a:rPr lang="en-US" dirty="0" smtClean="0"/>
-                        <a:t>Model</a:t>
-                      </a:r>
-                      <a:r>
-                        <a:rPr lang="en-US" baseline="0" dirty="0" smtClean="0"/>
-                        <a:t> 2</a:t>
-                      </a:r>
-                      <a:endParaRPr lang="en-US" dirty="0"/>
-                    </a:p>
-                  </a:txBody>
-                  <a:tcPr/>
-                </a:tc>
-                <a:tc>
-                  <a:txBody>
-                    <a:bodyPr/>
-                    <a:lstStyle/>
-                    <a:p>
-                      <a:pPr algn="ctr"/>
-                      <a:r>
-                        <a:rPr lang="en-US" dirty="0" smtClean="0"/>
-                        <a:t>Model 3</a:t>
-                      </a:r>
-                      <a:endParaRPr lang="en-US" dirty="0"/>
-                    </a:p>
-                  </a:txBody>
-                  <a:tcPr/>
-                </a:tc>
-              </a:tr>
-              <a:tr h="370840">
-                <a:tc>
-                  <a:txBody>
-                    <a:bodyPr/>
-                    <a:lstStyle/>
-                    <a:p>
-                      <a:pPr algn="ctr"/>
-                      <a:r>
-                        <a:rPr lang="en-US" dirty="0" smtClean="0"/>
-                        <a:t>Idle Power (W)</a:t>
-                      </a:r>
-                      <a:endParaRPr lang="en-US" dirty="0"/>
-                    </a:p>
-                  </a:txBody>
-                  <a:tcPr/>
-                </a:tc>
-                <a:tc>
-                  <a:txBody>
-                    <a:bodyPr/>
-                    <a:lstStyle/>
-                    <a:p>
-                      <a:pPr algn="ctr"/>
-                      <a:r>
-                        <a:rPr lang="en-US" dirty="0" smtClean="0"/>
-                        <a:t>1425</a:t>
-                      </a:r>
-                      <a:endParaRPr lang="en-US" dirty="0"/>
-                    </a:p>
-                  </a:txBody>
-                  <a:tcPr/>
-                </a:tc>
-                <a:tc>
-                  <a:txBody>
-                    <a:bodyPr/>
-                    <a:lstStyle/>
-                    <a:p>
-                      <a:pPr algn="ctr"/>
-                      <a:r>
-                        <a:rPr lang="en-US" dirty="0" smtClean="0"/>
-                        <a:t>2401.8</a:t>
-                      </a:r>
-                      <a:endParaRPr lang="en-US" dirty="0"/>
-                    </a:p>
-                  </a:txBody>
-                  <a:tcPr/>
-                </a:tc>
-                <a:tc>
-                  <a:txBody>
-                    <a:bodyPr/>
-                    <a:lstStyle/>
-                    <a:p>
-                      <a:pPr algn="ctr"/>
-                      <a:r>
-                        <a:rPr lang="en-US" dirty="0" smtClean="0"/>
-                        <a:t>2341.5 </a:t>
-                      </a:r>
-                      <a:endParaRPr lang="en-US" dirty="0"/>
-                    </a:p>
-                  </a:txBody>
-                  <a:tcPr/>
-                </a:tc>
-              </a:tr>
-              <a:tr h="370840">
-                <a:tc>
-                  <a:txBody>
-                    <a:bodyPr/>
-                    <a:lstStyle/>
-                    <a:p>
-                      <a:pPr algn="ctr"/>
-                      <a:r>
-                        <a:rPr lang="en-US" dirty="0" smtClean="0"/>
-                        <a:t>Peak</a:t>
-                      </a:r>
-                      <a:r>
-                        <a:rPr lang="en-US" baseline="0" dirty="0" smtClean="0"/>
-                        <a:t> Power (W)</a:t>
-                      </a:r>
-                      <a:endParaRPr lang="en-US" dirty="0"/>
-                    </a:p>
-                  </a:txBody>
-                  <a:tcPr/>
-                </a:tc>
-                <a:tc>
-                  <a:txBody>
-                    <a:bodyPr/>
-                    <a:lstStyle/>
-                    <a:p>
-                      <a:pPr algn="ctr"/>
-                      <a:r>
-                        <a:rPr lang="en-US" dirty="0" smtClean="0"/>
-                        <a:t>1500</a:t>
-                      </a:r>
-                      <a:endParaRPr lang="en-US" dirty="0"/>
-                    </a:p>
-                  </a:txBody>
-                  <a:tcPr/>
-                </a:tc>
-                <a:tc>
-                  <a:txBody>
-                    <a:bodyPr/>
-                    <a:lstStyle/>
-                    <a:p>
-                      <a:pPr algn="ctr"/>
-                      <a:r>
-                        <a:rPr lang="en-US" dirty="0" smtClean="0"/>
-                        <a:t>3887.5</a:t>
-                      </a:r>
-                      <a:endParaRPr lang="en-US" dirty="0"/>
-                    </a:p>
-                  </a:txBody>
-                  <a:tcPr/>
-                </a:tc>
-                <a:tc>
-                  <a:txBody>
-                    <a:bodyPr/>
-                    <a:lstStyle/>
-                    <a:p>
-                      <a:pPr algn="ctr"/>
-                      <a:r>
-                        <a:rPr lang="en-US" dirty="0" smtClean="0"/>
-                        <a:t>2973.9</a:t>
-                      </a:r>
-                      <a:endParaRPr lang="en-US" dirty="0"/>
-                    </a:p>
-                  </a:txBody>
-                  <a:tcPr/>
-                </a:tc>
-              </a:tr>
-              <a:tr h="370840">
-                <a:tc>
-                  <a:txBody>
-                    <a:bodyPr/>
-                    <a:lstStyle/>
-                    <a:p>
-                      <a:pPr algn="ctr"/>
-                      <a:r>
-                        <a:rPr lang="en-US" dirty="0" smtClean="0"/>
-                        <a:t>Power Saving per TRX (W)</a:t>
-                      </a:r>
-                      <a:endParaRPr lang="en-US" dirty="0"/>
-                    </a:p>
-                  </a:txBody>
-                  <a:tcPr/>
-                </a:tc>
-                <a:tc>
-                  <a:txBody>
-                    <a:bodyPr/>
-                    <a:lstStyle/>
-                    <a:p>
-                      <a:pPr algn="ctr"/>
-                      <a:r>
-                        <a:rPr lang="en-US" dirty="0" smtClean="0"/>
-                        <a:t>20</a:t>
-                      </a:r>
-                      <a:endParaRPr lang="en-US" dirty="0"/>
-                    </a:p>
-                  </a:txBody>
-                  <a:tcPr/>
-                </a:tc>
-                <a:tc>
-                  <a:txBody>
-                    <a:bodyPr/>
-                    <a:lstStyle/>
-                    <a:p>
-                      <a:pPr algn="ctr"/>
-                      <a:r>
-                        <a:rPr lang="en-US" dirty="0" smtClean="0"/>
-                        <a:t>50</a:t>
-                      </a:r>
-                      <a:endParaRPr lang="en-US" dirty="0"/>
-                    </a:p>
-                  </a:txBody>
-                  <a:tcPr/>
-                </a:tc>
-                <a:tc>
-                  <a:txBody>
-                    <a:bodyPr/>
-                    <a:lstStyle/>
-                    <a:p>
-                      <a:pPr algn="ctr"/>
-                      <a:r>
-                        <a:rPr lang="en-US" dirty="0" smtClean="0"/>
-                        <a:t>100</a:t>
-                      </a:r>
-                      <a:endParaRPr lang="en-US" dirty="0"/>
-                    </a:p>
-                  </a:txBody>
-                  <a:tcPr/>
-                </a:tc>
-              </a:tr>
-            </a:tbl>
-          </a:graphicData>
-        </a:graphic>
-      </p:graphicFrame>
-    </p:spTree>
-    <p:extLst>
-      <p:ext uri="{BB962C8B-B14F-4D97-AF65-F5344CB8AC3E}">
-        <p14:creationId xmlns:p14="http://schemas.microsoft.com/office/powerpoint/2010/main" val="1411152508"/>
-      </p:ext>
-    </p:extLst>
-  </p:cSld>
-  <p:clrMapOvr>
-    <a:masterClrMapping/>
-  </p:clrMapOvr>
-  <p:timing>
-    <p:tnLst>
-      <p:par>
-        <p:cTn id="1" dur="indefinite" restart="never" nodeType="tmRoot"/>
-      </p:par>
-    </p:tnLst>
-  </p:timing>
-</p:sld>
-</file>
-
-<file path=ppt/slides/slide32.xml><?xml version="1.0" encoding="utf-8"?>
-<p:sld xmlns:a="http://schemas.openxmlformats.org/drawingml/2006/main" xmlns:r="http://schemas.openxmlformats.org/officeDocument/2006/relationships" xmlns:p="http://schemas.openxmlformats.org/presentationml/2006/main">
-  <p:cSld>
-    <p:spTree>
-      <p:nvGrpSpPr>
-        <p:cNvPr id="1" name=""/>
-        <p:cNvGrpSpPr/>
-        <p:nvPr/>
-      </p:nvGrpSpPr>
-      <p:grpSpPr>
-        <a:xfrm>
-          <a:off x="0" y="0"/>
-          <a:ext cx="0" cy="0"/>
-          <a:chOff x="0" y="0"/>
-          <a:chExt cx="0" cy="0"/>
-        </a:xfrm>
-      </p:grpSpPr>
-      <p:sp>
-        <p:nvSpPr>
-          <p:cNvPr id="2" name="Title 1"/>
-          <p:cNvSpPr>
-            <a:spLocks noGrp="1"/>
-          </p:cNvSpPr>
-          <p:nvPr>
-            <p:ph type="title"/>
-          </p:nvPr>
-        </p:nvSpPr>
-        <p:spPr/>
-        <p:txBody>
           <a:bodyPr>
             <a:normAutofit/>
           </a:bodyPr>
@@ -25893,7 +26506,7 @@
 </p:sld>
 </file>
 
-<file path=ppt/slides/slide33.xml><?xml version="1.0" encoding="utf-8"?>
+<file path=ppt/slides/slide31.xml><?xml version="1.0" encoding="utf-8"?>
 <p:sld xmlns:a="http://schemas.openxmlformats.org/drawingml/2006/main" xmlns:r="http://schemas.openxmlformats.org/officeDocument/2006/relationships" xmlns:p="http://schemas.openxmlformats.org/presentationml/2006/main">
   <p:cSld>
     <p:spTree>
@@ -25929,30 +26542,14 @@
           <a:p>
             <a:r>
               <a:rPr lang="en-US" dirty="0" smtClean="0"/>
-              <a:t>Results: Power-Saving + </a:t>
-            </a:r>
-            <a:r>
-              <a:rPr lang="en-US" dirty="0" smtClean="0"/>
-              <a:t>Handoff</a:t>
-            </a:r>
-            <a:r>
-              <a:rPr lang="en-US" dirty="0" smtClean="0"/>
-              <a:t/>
+              <a:t>Results: Power-Saving + Handoff</a:t>
             </a:r>
             <a:br>
               <a:rPr lang="en-US" dirty="0" smtClean="0"/>
             </a:br>
             <a:r>
               <a:rPr lang="en-US" dirty="0" smtClean="0"/>
-              <a:t>Absolute </a:t>
-            </a:r>
-            <a:r>
-              <a:rPr lang="en-US" dirty="0" smtClean="0"/>
-              <a:t>Energy Savings </a:t>
-            </a:r>
-            <a:r>
-              <a:rPr lang="en-US" dirty="0" smtClean="0"/>
-              <a:t>(%)</a:t>
+              <a:t>Absolute Energy Savings (%)</a:t>
             </a:r>
             <a:endParaRPr lang="en-US" dirty="0"/>
           </a:p>
@@ -26019,7 +26616,7 @@
 </p:sld>
 </file>
 
-<file path=ppt/slides/slide34.xml><?xml version="1.0" encoding="utf-8"?>
+<file path=ppt/slides/slide32.xml><?xml version="1.0" encoding="utf-8"?>
 <p:sld xmlns:a="http://schemas.openxmlformats.org/drawingml/2006/main" xmlns:r="http://schemas.openxmlformats.org/officeDocument/2006/relationships" xmlns:p="http://schemas.openxmlformats.org/presentationml/2006/main">
   <p:cSld>
     <p:spTree>
@@ -26074,32 +26671,9 @@
             </a:r>
             <a:r>
               <a:rPr lang="en-US" dirty="0" smtClean="0"/>
-              <a:t>Energy Savings </a:t>
-            </a:r>
-            <a:r>
-              <a:rPr lang="en-US" dirty="0" smtClean="0"/>
-              <a:t>(kWh)</a:t>
+              <a:t>Energy Savings (kWh)</a:t>
             </a:r>
             <a:endParaRPr lang="en-US" dirty="0"/>
-          </a:p>
-        </p:txBody>
-      </p:sp>
-      <p:sp>
-        <p:nvSpPr>
-          <p:cNvPr id="3" name="Content Placeholder 2"/>
-          <p:cNvSpPr>
-            <a:spLocks noGrp="1"/>
-          </p:cNvSpPr>
-          <p:nvPr>
-            <p:ph idx="1"/>
-          </p:nvPr>
-        </p:nvSpPr>
-        <p:spPr/>
-        <p:txBody>
-          <a:bodyPr/>
-          <a:lstStyle/>
-          <a:p>
-            <a:endParaRPr lang="en-US"/>
           </a:p>
         </p:txBody>
       </p:sp>
@@ -26164,7 +26738,7 @@
 </p:sld>
 </file>
 
-<file path=ppt/slides/slide35.xml><?xml version="1.0" encoding="utf-8"?>
+<file path=ppt/slides/slide33.xml><?xml version="1.0" encoding="utf-8"?>
 <p:sld xmlns:a="http://schemas.openxmlformats.org/drawingml/2006/main" xmlns:r="http://schemas.openxmlformats.org/officeDocument/2006/relationships" xmlns:p="http://schemas.openxmlformats.org/presentationml/2006/main">
   <p:cSld>
     <p:spTree>
@@ -26198,11 +26772,7 @@
           <a:p>
             <a:r>
               <a:rPr lang="en-US" dirty="0" smtClean="0"/>
-              <a:t>Effect of </a:t>
-            </a:r>
-            <a:r>
-              <a:rPr lang="en-US" dirty="0" smtClean="0"/>
-              <a:t>Granular Deactivation</a:t>
+              <a:t>Effect of Granular Deactivation</a:t>
             </a:r>
             <a:endParaRPr lang="en-US" dirty="0"/>
           </a:p>
@@ -26494,7 +27064,7 @@
 </p:sld>
 </file>
 
-<file path=ppt/slides/slide36.xml><?xml version="1.0" encoding="utf-8"?>
+<file path=ppt/slides/slide34.xml><?xml version="1.0" encoding="utf-8"?>
 <p:sld xmlns:a="http://schemas.openxmlformats.org/drawingml/2006/main" xmlns:r="http://schemas.openxmlformats.org/officeDocument/2006/relationships" xmlns:p="http://schemas.openxmlformats.org/presentationml/2006/main">
   <p:cSld>
     <p:spTree>
@@ -26528,11 +27098,7 @@
           <a:p>
             <a:r>
               <a:rPr lang="en-US" dirty="0" smtClean="0"/>
-              <a:t>A </a:t>
-            </a:r>
-            <a:r>
-              <a:rPr lang="en-US" dirty="0" smtClean="0"/>
-              <a:t>Randomized Algorithm</a:t>
+              <a:t>A Randomized Algorithm</a:t>
             </a:r>
             <a:endParaRPr lang="en-US" dirty="0"/>
           </a:p>
@@ -28302,7 +28868,7 @@
 </p:sld>
 </file>
 
-<file path=ppt/slides/slide37.xml><?xml version="1.0" encoding="utf-8"?>
+<file path=ppt/slides/slide35.xml><?xml version="1.0" encoding="utf-8"?>
 <p:sld xmlns:a="http://schemas.openxmlformats.org/drawingml/2006/main" xmlns:r="http://schemas.openxmlformats.org/officeDocument/2006/relationships" xmlns:p="http://schemas.openxmlformats.org/presentationml/2006/main">
   <p:cSld>
     <p:spTree>
@@ -28336,32 +28902,9 @@
           <a:p>
             <a:r>
               <a:rPr lang="en-US" dirty="0" smtClean="0"/>
-              <a:t>Performance of </a:t>
-            </a:r>
-            <a:r>
-              <a:rPr lang="en-US" dirty="0" smtClean="0"/>
-              <a:t>Heuristic Algorithm</a:t>
+              <a:t>Performance of Heuristic Algorithm</a:t>
             </a:r>
             <a:endParaRPr lang="en-US" dirty="0"/>
-          </a:p>
-        </p:txBody>
-      </p:sp>
-      <p:sp>
-        <p:nvSpPr>
-          <p:cNvPr id="3" name="Content Placeholder 2"/>
-          <p:cNvSpPr>
-            <a:spLocks noGrp="1"/>
-          </p:cNvSpPr>
-          <p:nvPr>
-            <p:ph idx="1"/>
-          </p:nvPr>
-        </p:nvSpPr>
-        <p:spPr/>
-        <p:txBody>
-          <a:bodyPr/>
-          <a:lstStyle/>
-          <a:p>
-            <a:endParaRPr lang="en-US"/>
           </a:p>
         </p:txBody>
       </p:sp>
@@ -28426,7 +28969,7 @@
 </p:sld>
 </file>
 
-<file path=ppt/slides/slide38.xml><?xml version="1.0" encoding="utf-8"?>
+<file path=ppt/slides/slide36.xml><?xml version="1.0" encoding="utf-8"?>
 <p:sld xmlns:a="http://schemas.openxmlformats.org/drawingml/2006/main" xmlns:r="http://schemas.openxmlformats.org/officeDocument/2006/relationships" xmlns:p="http://schemas.openxmlformats.org/presentationml/2006/main">
   <p:cSld>
     <p:spTree>
@@ -28460,32 +29003,9 @@
           <a:p>
             <a:r>
               <a:rPr lang="en-US" dirty="0" smtClean="0"/>
-              <a:t>Effect of </a:t>
-            </a:r>
-            <a:r>
-              <a:rPr lang="en-US" dirty="0" smtClean="0"/>
-              <a:t>Late Deactivation</a:t>
+              <a:t>Effect of Late Deactivation</a:t>
             </a:r>
             <a:endParaRPr lang="en-US" dirty="0"/>
-          </a:p>
-        </p:txBody>
-      </p:sp>
-      <p:sp>
-        <p:nvSpPr>
-          <p:cNvPr id="3" name="Content Placeholder 2"/>
-          <p:cNvSpPr>
-            <a:spLocks noGrp="1"/>
-          </p:cNvSpPr>
-          <p:nvPr>
-            <p:ph idx="1"/>
-          </p:nvPr>
-        </p:nvSpPr>
-        <p:spPr/>
-        <p:txBody>
-          <a:bodyPr/>
-          <a:lstStyle/>
-          <a:p>
-            <a:endParaRPr lang="en-US"/>
           </a:p>
         </p:txBody>
       </p:sp>
@@ -28550,6 +29070,231 @@
 </p:sld>
 </file>
 
+<file path=ppt/slides/slide37.xml><?xml version="1.0" encoding="utf-8"?>
+<p:sld xmlns:a="http://schemas.openxmlformats.org/drawingml/2006/main" xmlns:r="http://schemas.openxmlformats.org/officeDocument/2006/relationships" xmlns:p="http://schemas.openxmlformats.org/presentationml/2006/main">
+  <p:cSld>
+    <p:spTree>
+      <p:nvGrpSpPr>
+        <p:cNvPr id="1" name=""/>
+        <p:cNvGrpSpPr/>
+        <p:nvPr/>
+      </p:nvGrpSpPr>
+      <p:grpSpPr>
+        <a:xfrm>
+          <a:off x="0" y="0"/>
+          <a:ext cx="0" cy="0"/>
+          <a:chOff x="0" y="0"/>
+          <a:chExt cx="0" cy="0"/>
+        </a:xfrm>
+      </p:grpSpPr>
+      <p:sp>
+        <p:nvSpPr>
+          <p:cNvPr id="2" name="Title 1"/>
+          <p:cNvSpPr>
+            <a:spLocks noGrp="1"/>
+          </p:cNvSpPr>
+          <p:nvPr>
+            <p:ph type="title"/>
+          </p:nvPr>
+        </p:nvSpPr>
+        <p:spPr/>
+        <p:txBody>
+          <a:bodyPr/>
+          <a:lstStyle/>
+          <a:p>
+            <a:r>
+              <a:rPr lang="en-US" dirty="0" smtClean="0"/>
+              <a:t>Case Study II - Summary</a:t>
+            </a:r>
+            <a:endParaRPr lang="en-US" dirty="0"/>
+          </a:p>
+        </p:txBody>
+      </p:sp>
+      <p:sp>
+        <p:nvSpPr>
+          <p:cNvPr id="3" name="Content Placeholder 2"/>
+          <p:cNvSpPr>
+            <a:spLocks noGrp="1"/>
+          </p:cNvSpPr>
+          <p:nvPr>
+            <p:ph idx="1"/>
+          </p:nvPr>
+        </p:nvSpPr>
+        <p:spPr/>
+        <p:txBody>
+          <a:bodyPr/>
+          <a:lstStyle/>
+          <a:p>
+            <a:r>
+              <a:rPr lang="en-US" dirty="0" smtClean="0"/>
+              <a:t>Traffic has limited geo-flexibility compared to data centers</a:t>
+            </a:r>
+          </a:p>
+          <a:p>
+            <a:r>
+              <a:rPr lang="en-US" dirty="0" smtClean="0"/>
+              <a:t>No geo-diversity in electricity prices</a:t>
+            </a:r>
+          </a:p>
+          <a:p>
+            <a:r>
+              <a:rPr lang="en-US" dirty="0" smtClean="0"/>
+              <a:t>Mere activation of power savings feature supported in hardware helps</a:t>
+            </a:r>
+          </a:p>
+          <a:p>
+            <a:r>
+              <a:rPr lang="en-US" dirty="0" smtClean="0"/>
+              <a:t>RED-BL achieves greater savings even for relatively conservative settings</a:t>
+            </a:r>
+            <a:endParaRPr lang="en-US" dirty="0"/>
+          </a:p>
+        </p:txBody>
+      </p:sp>
+    </p:spTree>
+    <p:extLst>
+      <p:ext uri="{BB962C8B-B14F-4D97-AF65-F5344CB8AC3E}">
+        <p14:creationId xmlns:p14="http://schemas.microsoft.com/office/powerpoint/2010/main" val="2647248760"/>
+      </p:ext>
+    </p:extLst>
+  </p:cSld>
+  <p:clrMapOvr>
+    <a:masterClrMapping/>
+  </p:clrMapOvr>
+  <p:timing>
+    <p:tnLst>
+      <p:par>
+        <p:cTn id="1" dur="indefinite" restart="never" nodeType="tmRoot"/>
+      </p:par>
+    </p:tnLst>
+  </p:timing>
+</p:sld>
+</file>
+
+<file path=ppt/slides/slide38.xml><?xml version="1.0" encoding="utf-8"?>
+<p:sld xmlns:a="http://schemas.openxmlformats.org/drawingml/2006/main" xmlns:r="http://schemas.openxmlformats.org/officeDocument/2006/relationships" xmlns:p="http://schemas.openxmlformats.org/presentationml/2006/main">
+  <p:cSld>
+    <p:spTree>
+      <p:nvGrpSpPr>
+        <p:cNvPr id="1" name=""/>
+        <p:cNvGrpSpPr/>
+        <p:nvPr/>
+      </p:nvGrpSpPr>
+      <p:grpSpPr>
+        <a:xfrm>
+          <a:off x="0" y="0"/>
+          <a:ext cx="0" cy="0"/>
+          <a:chOff x="0" y="0"/>
+          <a:chExt cx="0" cy="0"/>
+        </a:xfrm>
+      </p:grpSpPr>
+      <p:sp>
+        <p:nvSpPr>
+          <p:cNvPr id="2" name="Title 1"/>
+          <p:cNvSpPr>
+            <a:spLocks noGrp="1"/>
+          </p:cNvSpPr>
+          <p:nvPr>
+            <p:ph type="title"/>
+          </p:nvPr>
+        </p:nvSpPr>
+        <p:spPr/>
+        <p:txBody>
+          <a:bodyPr/>
+          <a:lstStyle/>
+          <a:p>
+            <a:r>
+              <a:rPr lang="en-US" dirty="0" smtClean="0"/>
+              <a:t>Conclusions</a:t>
+            </a:r>
+            <a:endParaRPr lang="en-US" dirty="0"/>
+          </a:p>
+        </p:txBody>
+      </p:sp>
+      <p:sp>
+        <p:nvSpPr>
+          <p:cNvPr id="3" name="Content Placeholder 2"/>
+          <p:cNvSpPr>
+            <a:spLocks noGrp="1"/>
+          </p:cNvSpPr>
+          <p:nvPr>
+            <p:ph idx="1"/>
+          </p:nvPr>
+        </p:nvSpPr>
+        <p:spPr/>
+        <p:txBody>
+          <a:bodyPr>
+            <a:normAutofit/>
+          </a:bodyPr>
+          <a:lstStyle/>
+          <a:p>
+            <a:r>
+              <a:rPr lang="en-US" dirty="0" smtClean="0"/>
+              <a:t>Abstracted data centers and cellular networks</a:t>
+            </a:r>
+          </a:p>
+          <a:p>
+            <a:r>
+              <a:rPr lang="en-US" dirty="0" smtClean="0"/>
+              <a:t>Similarity:</a:t>
+            </a:r>
+          </a:p>
+          <a:p>
+            <a:pPr lvl="1"/>
+            <a:r>
+              <a:rPr lang="en-US" dirty="0" smtClean="0"/>
+              <a:t>May be modeled as sets of geo-diverse resources</a:t>
+            </a:r>
+          </a:p>
+          <a:p>
+            <a:r>
+              <a:rPr lang="en-US" dirty="0" smtClean="0"/>
+              <a:t>Contrasts:</a:t>
+            </a:r>
+          </a:p>
+          <a:p>
+            <a:pPr lvl="1"/>
+            <a:r>
+              <a:rPr lang="en-US" dirty="0" smtClean="0"/>
+              <a:t>Availability of geo-diversity in electricity prices</a:t>
+            </a:r>
+          </a:p>
+          <a:p>
+            <a:pPr lvl="1"/>
+            <a:r>
+              <a:rPr lang="en-US" dirty="0" smtClean="0"/>
+              <a:t>Geo-flexibility in traffic</a:t>
+            </a:r>
+          </a:p>
+          <a:p>
+            <a:pPr lvl="1"/>
+            <a:r>
+              <a:rPr lang="en-US" dirty="0" smtClean="0"/>
+              <a:t>Magnitude of transition costs</a:t>
+            </a:r>
+          </a:p>
+        </p:txBody>
+      </p:sp>
+    </p:spTree>
+    <p:extLst>
+      <p:ext uri="{BB962C8B-B14F-4D97-AF65-F5344CB8AC3E}">
+        <p14:creationId xmlns:p14="http://schemas.microsoft.com/office/powerpoint/2010/main" val="3462457198"/>
+      </p:ext>
+    </p:extLst>
+  </p:cSld>
+  <p:clrMapOvr>
+    <a:masterClrMapping/>
+  </p:clrMapOvr>
+  <p:timing>
+    <p:tnLst>
+      <p:par>
+        <p:cTn id="1" dur="indefinite" restart="never" nodeType="tmRoot"/>
+      </p:par>
+    </p:tnLst>
+  </p:timing>
+</p:sld>
+</file>
+
 <file path=ppt/slides/slide39.xml><?xml version="1.0" encoding="utf-8"?>
 <p:sld xmlns:a="http://schemas.openxmlformats.org/drawingml/2006/main" xmlns:r="http://schemas.openxmlformats.org/officeDocument/2006/relationships" xmlns:p="http://schemas.openxmlformats.org/presentationml/2006/main">
   <p:cSld>
@@ -28584,15 +29329,7 @@
           <a:p>
             <a:r>
               <a:rPr lang="en-US" dirty="0" smtClean="0"/>
-              <a:t>Case </a:t>
-            </a:r>
-            <a:r>
-              <a:rPr lang="en-US" dirty="0" smtClean="0"/>
-              <a:t>Study </a:t>
-            </a:r>
-            <a:r>
-              <a:rPr lang="en-US" dirty="0" smtClean="0"/>
-              <a:t>II - Summary</a:t>
+              <a:t>Conclusions</a:t>
             </a:r>
             <a:endParaRPr lang="en-US" dirty="0"/>
           </a:p>
@@ -28610,31 +29347,46 @@
         </p:nvSpPr>
         <p:spPr/>
         <p:txBody>
-          <a:bodyPr/>
+          <a:bodyPr>
+            <a:normAutofit lnSpcReduction="10000"/>
+          </a:bodyPr>
           <a:lstStyle/>
           <a:p>
             <a:r>
+              <a:rPr lang="en-US" dirty="0"/>
+              <a:t>Mapping of workload to resources =&gt; Network state</a:t>
+            </a:r>
+          </a:p>
+          <a:p>
+            <a:r>
+              <a:rPr lang="en-US" dirty="0"/>
+              <a:t>Network state has bearing on electricity cost</a:t>
+            </a:r>
+          </a:p>
+          <a:p>
+            <a:r>
+              <a:rPr lang="en-US" dirty="0"/>
+              <a:t>Model electricity cost minimization as an optimal state trajectory </a:t>
+            </a:r>
+            <a:r>
               <a:rPr lang="en-US" dirty="0" smtClean="0"/>
-              <a:t>Traffic has limited geo-flexibility compared to data centers</a:t>
+              <a:t>problem</a:t>
             </a:r>
           </a:p>
           <a:p>
             <a:r>
               <a:rPr lang="en-US" dirty="0" smtClean="0"/>
-              <a:t>No geo-diversity in electricity prices</a:t>
+              <a:t>Showed the problem to be NP-Complete in the two case studies</a:t>
             </a:r>
           </a:p>
           <a:p>
             <a:r>
               <a:rPr lang="en-US" dirty="0" smtClean="0"/>
-              <a:t>Mere activation of power savings feature supported in hardware helps</a:t>
-            </a:r>
-          </a:p>
-          <a:p>
-            <a:r>
-              <a:rPr lang="en-US" dirty="0" smtClean="0"/>
-              <a:t>RED-BL achieves greater savings even for relatively conservative settings</a:t>
-            </a:r>
+              <a:t>Studied the sensitivity of the problem to various parameters</a:t>
+            </a:r>
+            <a:endParaRPr lang="en-US" dirty="0"/>
+          </a:p>
+          <a:p>
             <a:endParaRPr lang="en-US" dirty="0"/>
           </a:p>
         </p:txBody>
@@ -28642,7 +29394,7 @@
     </p:spTree>
     <p:extLst>
       <p:ext uri="{BB962C8B-B14F-4D97-AF65-F5344CB8AC3E}">
-        <p14:creationId xmlns:p14="http://schemas.microsoft.com/office/powerpoint/2010/main" val="2647248760"/>
+        <p14:creationId xmlns:p14="http://schemas.microsoft.com/office/powerpoint/2010/main" val="2183077943"/>
       </p:ext>
     </p:extLst>
   </p:cSld>
@@ -28693,19 +29445,7 @@
           <a:p>
             <a:r>
               <a:rPr lang="en-US" dirty="0" smtClean="0"/>
-              <a:t>The </a:t>
-            </a:r>
-            <a:r>
-              <a:rPr lang="en-US" dirty="0" smtClean="0"/>
-              <a:t>Cost </a:t>
-            </a:r>
-            <a:r>
-              <a:rPr lang="en-US" dirty="0" smtClean="0"/>
-              <a:t>of a </a:t>
-            </a:r>
-            <a:r>
-              <a:rPr lang="en-US" dirty="0" smtClean="0"/>
-              <a:t>Network</a:t>
+              <a:t>The Cost of a Network</a:t>
             </a:r>
             <a:endParaRPr lang="en-US" dirty="0"/>
           </a:p>
@@ -29047,15 +29787,7 @@
             <a:pPr algn="ctr"/>
             <a:r>
               <a:rPr lang="en-US" sz="2400" dirty="0" smtClean="0"/>
-              <a:t>FB </a:t>
-            </a:r>
-            <a:r>
-              <a:rPr lang="en-US" sz="2400" dirty="0" smtClean="0"/>
-              <a:t>(</a:t>
-            </a:r>
-            <a:r>
-              <a:rPr lang="en-US" sz="2400" dirty="0" smtClean="0"/>
-              <a:t>2008) &gt; $1 M</a:t>
+              <a:t>FB (2008) &gt; $1 M</a:t>
             </a:r>
             <a:endParaRPr lang="en-US" sz="2400" dirty="0"/>
           </a:p>
@@ -29086,19 +29818,7 @@
             <a:pPr algn="ctr"/>
             <a:r>
               <a:rPr lang="en-US" sz="2400" dirty="0" smtClean="0"/>
-              <a:t>Telecom </a:t>
-            </a:r>
-            <a:r>
-              <a:rPr lang="en-US" sz="2400" dirty="0" smtClean="0"/>
-              <a:t>Italia (2012): </a:t>
-            </a:r>
-            <a:r>
-              <a:rPr lang="en-US" sz="2400" dirty="0" smtClean="0"/>
-              <a:t>$81 </a:t>
-            </a:r>
-            <a:r>
-              <a:rPr lang="en-US" sz="2400" dirty="0" smtClean="0"/>
-              <a:t>M</a:t>
+              <a:t>Telecom Italia (2012): $81 M</a:t>
             </a:r>
             <a:endParaRPr lang="en-US" sz="2400" dirty="0"/>
           </a:p>
@@ -29704,251 +30424,7 @@
           <a:p>
             <a:r>
               <a:rPr lang="en-US" dirty="0" smtClean="0"/>
-              <a:t>Conclusions</a:t>
-            </a:r>
-            <a:endParaRPr lang="en-US" dirty="0"/>
-          </a:p>
-        </p:txBody>
-      </p:sp>
-      <p:sp>
-        <p:nvSpPr>
-          <p:cNvPr id="3" name="Content Placeholder 2"/>
-          <p:cNvSpPr>
-            <a:spLocks noGrp="1"/>
-          </p:cNvSpPr>
-          <p:nvPr>
-            <p:ph idx="1"/>
-          </p:nvPr>
-        </p:nvSpPr>
-        <p:spPr/>
-        <p:txBody>
-          <a:bodyPr>
-            <a:normAutofit/>
-          </a:bodyPr>
-          <a:lstStyle/>
-          <a:p>
-            <a:r>
-              <a:rPr lang="en-US" dirty="0" smtClean="0"/>
-              <a:t>Abstracted data centers and cellular networks</a:t>
-            </a:r>
-          </a:p>
-          <a:p>
-            <a:r>
-              <a:rPr lang="en-US" dirty="0" smtClean="0"/>
-              <a:t>Similarity:</a:t>
-            </a:r>
-          </a:p>
-          <a:p>
-            <a:pPr lvl="1"/>
-            <a:r>
-              <a:rPr lang="en-US" dirty="0" smtClean="0"/>
-              <a:t>May be modeled as sets of geo-diverse resources</a:t>
-            </a:r>
-          </a:p>
-          <a:p>
-            <a:r>
-              <a:rPr lang="en-US" dirty="0" smtClean="0"/>
-              <a:t>Contrasts:</a:t>
-            </a:r>
-          </a:p>
-          <a:p>
-            <a:pPr lvl="1"/>
-            <a:r>
-              <a:rPr lang="en-US" dirty="0" smtClean="0"/>
-              <a:t>Availability of geo-diversity in electricity prices</a:t>
-            </a:r>
-          </a:p>
-          <a:p>
-            <a:pPr lvl="1"/>
-            <a:r>
-              <a:rPr lang="en-US" dirty="0" smtClean="0"/>
-              <a:t>Geo-flexibility in traffic</a:t>
-            </a:r>
-          </a:p>
-          <a:p>
-            <a:pPr lvl="1"/>
-            <a:r>
-              <a:rPr lang="en-US" dirty="0" smtClean="0"/>
-              <a:t>Magnitude of transition costs</a:t>
-            </a:r>
-          </a:p>
-        </p:txBody>
-      </p:sp>
-    </p:spTree>
-    <p:extLst>
-      <p:ext uri="{BB962C8B-B14F-4D97-AF65-F5344CB8AC3E}">
-        <p14:creationId xmlns:p14="http://schemas.microsoft.com/office/powerpoint/2010/main" val="3462457198"/>
-      </p:ext>
-    </p:extLst>
-  </p:cSld>
-  <p:clrMapOvr>
-    <a:masterClrMapping/>
-  </p:clrMapOvr>
-  <p:timing>
-    <p:tnLst>
-      <p:par>
-        <p:cTn id="1" dur="indefinite" restart="never" nodeType="tmRoot"/>
-      </p:par>
-    </p:tnLst>
-  </p:timing>
-</p:sld>
-</file>
-
-<file path=ppt/slides/slide41.xml><?xml version="1.0" encoding="utf-8"?>
-<p:sld xmlns:a="http://schemas.openxmlformats.org/drawingml/2006/main" xmlns:r="http://schemas.openxmlformats.org/officeDocument/2006/relationships" xmlns:p="http://schemas.openxmlformats.org/presentationml/2006/main">
-  <p:cSld>
-    <p:spTree>
-      <p:nvGrpSpPr>
-        <p:cNvPr id="1" name=""/>
-        <p:cNvGrpSpPr/>
-        <p:nvPr/>
-      </p:nvGrpSpPr>
-      <p:grpSpPr>
-        <a:xfrm>
-          <a:off x="0" y="0"/>
-          <a:ext cx="0" cy="0"/>
-          <a:chOff x="0" y="0"/>
-          <a:chExt cx="0" cy="0"/>
-        </a:xfrm>
-      </p:grpSpPr>
-      <p:sp>
-        <p:nvSpPr>
-          <p:cNvPr id="2" name="Title 1"/>
-          <p:cNvSpPr>
-            <a:spLocks noGrp="1"/>
-          </p:cNvSpPr>
-          <p:nvPr>
-            <p:ph type="title"/>
-          </p:nvPr>
-        </p:nvSpPr>
-        <p:spPr/>
-        <p:txBody>
-          <a:bodyPr/>
-          <a:lstStyle/>
-          <a:p>
-            <a:r>
-              <a:rPr lang="en-US" dirty="0" smtClean="0"/>
-              <a:t>Conclusions</a:t>
-            </a:r>
-            <a:endParaRPr lang="en-US" dirty="0"/>
-          </a:p>
-        </p:txBody>
-      </p:sp>
-      <p:sp>
-        <p:nvSpPr>
-          <p:cNvPr id="3" name="Content Placeholder 2"/>
-          <p:cNvSpPr>
-            <a:spLocks noGrp="1"/>
-          </p:cNvSpPr>
-          <p:nvPr>
-            <p:ph idx="1"/>
-          </p:nvPr>
-        </p:nvSpPr>
-        <p:spPr/>
-        <p:txBody>
-          <a:bodyPr>
-            <a:normAutofit lnSpcReduction="10000"/>
-          </a:bodyPr>
-          <a:lstStyle/>
-          <a:p>
-            <a:r>
-              <a:rPr lang="en-US" dirty="0"/>
-              <a:t>Mapping of workload to resources =&gt; Network state</a:t>
-            </a:r>
-          </a:p>
-          <a:p>
-            <a:r>
-              <a:rPr lang="en-US" dirty="0"/>
-              <a:t>Network state has bearing on electricity cost</a:t>
-            </a:r>
-          </a:p>
-          <a:p>
-            <a:r>
-              <a:rPr lang="en-US" dirty="0"/>
-              <a:t>Model electricity cost minimization as an optimal state trajectory </a:t>
-            </a:r>
-            <a:r>
-              <a:rPr lang="en-US" dirty="0" smtClean="0"/>
-              <a:t>problem</a:t>
-            </a:r>
-          </a:p>
-          <a:p>
-            <a:r>
-              <a:rPr lang="en-US" dirty="0" smtClean="0"/>
-              <a:t>Showed the problem to be NP-Complete in the two case studies</a:t>
-            </a:r>
-          </a:p>
-          <a:p>
-            <a:r>
-              <a:rPr lang="en-US" dirty="0" smtClean="0"/>
-              <a:t>Studied the sensitivity of the problem to various parameters</a:t>
-            </a:r>
-            <a:endParaRPr lang="en-US" dirty="0"/>
-          </a:p>
-          <a:p>
-            <a:endParaRPr lang="en-US" dirty="0"/>
-          </a:p>
-        </p:txBody>
-      </p:sp>
-    </p:spTree>
-    <p:extLst>
-      <p:ext uri="{BB962C8B-B14F-4D97-AF65-F5344CB8AC3E}">
-        <p14:creationId xmlns:p14="http://schemas.microsoft.com/office/powerpoint/2010/main" val="2183077943"/>
-      </p:ext>
-    </p:extLst>
-  </p:cSld>
-  <p:clrMapOvr>
-    <a:masterClrMapping/>
-  </p:clrMapOvr>
-  <p:timing>
-    <p:tnLst>
-      <p:par>
-        <p:cTn id="1" dur="indefinite" restart="never" nodeType="tmRoot"/>
-      </p:par>
-    </p:tnLst>
-  </p:timing>
-</p:sld>
-</file>
-
-<file path=ppt/slides/slide42.xml><?xml version="1.0" encoding="utf-8"?>
-<p:sld xmlns:a="http://schemas.openxmlformats.org/drawingml/2006/main" xmlns:r="http://schemas.openxmlformats.org/officeDocument/2006/relationships" xmlns:p="http://schemas.openxmlformats.org/presentationml/2006/main">
-  <p:cSld>
-    <p:spTree>
-      <p:nvGrpSpPr>
-        <p:cNvPr id="1" name=""/>
-        <p:cNvGrpSpPr/>
-        <p:nvPr/>
-      </p:nvGrpSpPr>
-      <p:grpSpPr>
-        <a:xfrm>
-          <a:off x="0" y="0"/>
-          <a:ext cx="0" cy="0"/>
-          <a:chOff x="0" y="0"/>
-          <a:chExt cx="0" cy="0"/>
-        </a:xfrm>
-      </p:grpSpPr>
-      <p:sp>
-        <p:nvSpPr>
-          <p:cNvPr id="2" name="Title 1"/>
-          <p:cNvSpPr>
-            <a:spLocks noGrp="1"/>
-          </p:cNvSpPr>
-          <p:nvPr>
-            <p:ph type="title"/>
-          </p:nvPr>
-        </p:nvSpPr>
-        <p:spPr/>
-        <p:txBody>
-          <a:bodyPr/>
-          <a:lstStyle/>
-          <a:p>
-            <a:r>
-              <a:rPr lang="en-US" dirty="0" smtClean="0"/>
-              <a:t>Questions and </a:t>
-            </a:r>
-            <a:r>
-              <a:rPr lang="en-US" dirty="0" smtClean="0"/>
-              <a:t>Answers</a:t>
+              <a:t>Questions and Answers</a:t>
             </a:r>
             <a:endParaRPr lang="en-US" dirty="0"/>
           </a:p>
@@ -29993,7 +30469,7 @@
 </p:sld>
 </file>
 
-<file path=ppt/slides/slide43.xml><?xml version="1.0" encoding="utf-8"?>
+<file path=ppt/slides/slide41.xml><?xml version="1.0" encoding="utf-8"?>
 <p:sld xmlns:a="http://schemas.openxmlformats.org/drawingml/2006/main" xmlns:r="http://schemas.openxmlformats.org/officeDocument/2006/relationships" xmlns:p="http://schemas.openxmlformats.org/presentationml/2006/main">
   <p:cSld>
     <p:spTree>
@@ -34118,11 +34594,7 @@
           <a:p>
             <a:r>
               <a:rPr lang="en-US" dirty="0" smtClean="0"/>
-              <a:t>Some </a:t>
-            </a:r>
-            <a:r>
-              <a:rPr lang="en-US" dirty="0" smtClean="0"/>
-              <a:t>Similarities</a:t>
+              <a:t>Some Similarities</a:t>
             </a:r>
             <a:endParaRPr lang="en-US" dirty="0"/>
           </a:p>
@@ -36195,11 +36667,7 @@
           <a:p>
             <a:r>
               <a:rPr lang="en-US" dirty="0" smtClean="0"/>
-              <a:t>Lack of </a:t>
-            </a:r>
-            <a:r>
-              <a:rPr lang="en-US" dirty="0" smtClean="0"/>
-              <a:t>Energy Proportionality</a:t>
+              <a:t>Lack of Energy Proportionality</a:t>
             </a:r>
             <a:endParaRPr lang="en-US" dirty="0"/>
           </a:p>
@@ -37164,11 +37632,7 @@
           <a:p>
             <a:r>
               <a:rPr lang="en-US" dirty="0" smtClean="0"/>
-              <a:t>Summary – Network </a:t>
-            </a:r>
-            <a:r>
-              <a:rPr lang="en-US" dirty="0" smtClean="0"/>
-              <a:t>Similarities</a:t>
+              <a:t>Summary – Network Similarities</a:t>
             </a:r>
             <a:endParaRPr lang="en-US" dirty="0"/>
           </a:p>
@@ -37245,11 +37709,7 @@
           <a:p>
             <a:r>
               <a:rPr lang="en-US" dirty="0" smtClean="0"/>
-              <a:t>Energy </a:t>
-            </a:r>
-            <a:r>
-              <a:rPr lang="en-US" dirty="0" smtClean="0"/>
-              <a:t>inefficiency</a:t>
+              <a:t>Energy inefficiency</a:t>
             </a:r>
           </a:p>
         </p:txBody>
@@ -37330,8 +37790,12 @@
           <a:lstStyle/>
           <a:p>
             <a:r>
+              <a:rPr lang="en-US" dirty="0" smtClean="0"/>
+              <a:t>A </a:t>
+            </a:r>
+            <a:r>
               <a:rPr lang="en-US" dirty="0"/>
-              <a:t>An generalized optimization problem formulation can be used to minimize energy costs in different networks. This formulation must jointly exploit WR and RP</a:t>
+              <a:t>generalized optimization problem formulation can be used to minimize energy costs in different networks. This formulation must jointly exploit WR and RP</a:t>
             </a:r>
             <a:r>
               <a:rPr lang="en-US" dirty="0" smtClean="0"/>

--- a/RED-BLv2.pptx
+++ b/RED-BLv2.pptx
@@ -233,7 +233,7 @@
           <a:p>
             <a:fld id="{678139D8-14C9-44CC-9DDC-56A9AFE6F641}" type="datetimeFigureOut">
               <a:rPr lang="en-US" smtClean="0"/>
-              <a:t>2/4/2016</a:t>
+              <a:t>2/9/2016</a:t>
             </a:fld>
             <a:endParaRPr lang="en-US"/>
           </a:p>
@@ -2792,7 +2792,7 @@
           <a:p>
             <a:fld id="{9B9C6BD3-A386-45A9-B437-ACD036466786}" type="datetimeFigureOut">
               <a:rPr lang="en-US" smtClean="0"/>
-              <a:t>2/4/2016</a:t>
+              <a:t>2/9/2016</a:t>
             </a:fld>
             <a:endParaRPr lang="en-US"/>
           </a:p>
@@ -2962,7 +2962,7 @@
           <a:p>
             <a:fld id="{9B9C6BD3-A386-45A9-B437-ACD036466786}" type="datetimeFigureOut">
               <a:rPr lang="en-US" smtClean="0"/>
-              <a:t>2/4/2016</a:t>
+              <a:t>2/9/2016</a:t>
             </a:fld>
             <a:endParaRPr lang="en-US"/>
           </a:p>
@@ -3142,7 +3142,7 @@
           <a:p>
             <a:fld id="{9B9C6BD3-A386-45A9-B437-ACD036466786}" type="datetimeFigureOut">
               <a:rPr lang="en-US" smtClean="0"/>
-              <a:t>2/4/2016</a:t>
+              <a:t>2/9/2016</a:t>
             </a:fld>
             <a:endParaRPr lang="en-US"/>
           </a:p>
@@ -3391,7 +3391,7 @@
                 </a:solidFill>
               </a:rPr>
               <a:pPr/>
-              <a:t>2/4/2016</a:t>
+              <a:t>2/9/2016</a:t>
             </a:fld>
             <a:endParaRPr lang="en-US">
               <a:solidFill>
@@ -3593,7 +3593,7 @@
                 </a:solidFill>
               </a:rPr>
               <a:pPr/>
-              <a:t>2/4/2016</a:t>
+              <a:t>2/9/2016</a:t>
             </a:fld>
             <a:endParaRPr lang="en-US">
               <a:solidFill>
@@ -3871,7 +3871,7 @@
                 </a:solidFill>
               </a:rPr>
               <a:pPr/>
-              <a:t>2/4/2016</a:t>
+              <a:t>2/9/2016</a:t>
             </a:fld>
             <a:endParaRPr lang="en-US">
               <a:solidFill>
@@ -4191,7 +4191,7 @@
                 </a:solidFill>
               </a:rPr>
               <a:pPr/>
-              <a:t>2/4/2016</a:t>
+              <a:t>2/9/2016</a:t>
             </a:fld>
             <a:endParaRPr lang="en-US">
               <a:solidFill>
@@ -4645,7 +4645,7 @@
                 </a:solidFill>
               </a:rPr>
               <a:pPr/>
-              <a:t>2/4/2016</a:t>
+              <a:t>2/9/2016</a:t>
             </a:fld>
             <a:endParaRPr lang="en-US">
               <a:solidFill>
@@ -4795,7 +4795,7 @@
                 </a:solidFill>
               </a:rPr>
               <a:pPr/>
-              <a:t>2/4/2016</a:t>
+              <a:t>2/9/2016</a:t>
             </a:fld>
             <a:endParaRPr lang="en-US">
               <a:solidFill>
@@ -4922,7 +4922,7 @@
                 </a:solidFill>
               </a:rPr>
               <a:pPr/>
-              <a:t>2/4/2016</a:t>
+              <a:t>2/9/2016</a:t>
             </a:fld>
             <a:endParaRPr lang="en-US">
               <a:solidFill>
@@ -5231,7 +5231,7 @@
                 </a:solidFill>
               </a:rPr>
               <a:pPr/>
-              <a:t>2/4/2016</a:t>
+              <a:t>2/9/2016</a:t>
             </a:fld>
             <a:endParaRPr lang="en-US">
               <a:solidFill>
@@ -5426,7 +5426,7 @@
           <a:p>
             <a:fld id="{9B9C6BD3-A386-45A9-B437-ACD036466786}" type="datetimeFigureOut">
               <a:rPr lang="en-US" smtClean="0"/>
-              <a:t>2/4/2016</a:t>
+              <a:t>2/9/2016</a:t>
             </a:fld>
             <a:endParaRPr lang="en-US"/>
           </a:p>
@@ -5686,7 +5686,7 @@
                 </a:solidFill>
               </a:rPr>
               <a:pPr/>
-              <a:t>2/4/2016</a:t>
+              <a:t>2/9/2016</a:t>
             </a:fld>
             <a:endParaRPr lang="en-US">
               <a:solidFill>
@@ -5888,7 +5888,7 @@
                 </a:solidFill>
               </a:rPr>
               <a:pPr/>
-              <a:t>2/4/2016</a:t>
+              <a:t>2/9/2016</a:t>
             </a:fld>
             <a:endParaRPr lang="en-US">
               <a:solidFill>
@@ -6100,7 +6100,7 @@
                 </a:solidFill>
               </a:rPr>
               <a:pPr/>
-              <a:t>2/4/2016</a:t>
+              <a:t>2/9/2016</a:t>
             </a:fld>
             <a:endParaRPr lang="en-US">
               <a:solidFill>
@@ -6371,7 +6371,7 @@
           <a:p>
             <a:fld id="{9B9C6BD3-A386-45A9-B437-ACD036466786}" type="datetimeFigureOut">
               <a:rPr lang="en-US" smtClean="0"/>
-              <a:t>2/4/2016</a:t>
+              <a:t>2/9/2016</a:t>
             </a:fld>
             <a:endParaRPr lang="en-US"/>
           </a:p>
@@ -6659,7 +6659,7 @@
           <a:p>
             <a:fld id="{9B9C6BD3-A386-45A9-B437-ACD036466786}" type="datetimeFigureOut">
               <a:rPr lang="en-US" smtClean="0"/>
-              <a:t>2/4/2016</a:t>
+              <a:t>2/9/2016</a:t>
             </a:fld>
             <a:endParaRPr lang="en-US"/>
           </a:p>
@@ -7081,7 +7081,7 @@
           <a:p>
             <a:fld id="{9B9C6BD3-A386-45A9-B437-ACD036466786}" type="datetimeFigureOut">
               <a:rPr lang="en-US" smtClean="0"/>
-              <a:t>2/4/2016</a:t>
+              <a:t>2/9/2016</a:t>
             </a:fld>
             <a:endParaRPr lang="en-US"/>
           </a:p>
@@ -7199,7 +7199,7 @@
           <a:p>
             <a:fld id="{9B9C6BD3-A386-45A9-B437-ACD036466786}" type="datetimeFigureOut">
               <a:rPr lang="en-US" smtClean="0"/>
-              <a:t>2/4/2016</a:t>
+              <a:t>2/9/2016</a:t>
             </a:fld>
             <a:endParaRPr lang="en-US"/>
           </a:p>
@@ -7294,7 +7294,7 @@
           <a:p>
             <a:fld id="{9B9C6BD3-A386-45A9-B437-ACD036466786}" type="datetimeFigureOut">
               <a:rPr lang="en-US" smtClean="0"/>
-              <a:t>2/4/2016</a:t>
+              <a:t>2/9/2016</a:t>
             </a:fld>
             <a:endParaRPr lang="en-US"/>
           </a:p>
@@ -7571,7 +7571,7 @@
           <a:p>
             <a:fld id="{9B9C6BD3-A386-45A9-B437-ACD036466786}" type="datetimeFigureOut">
               <a:rPr lang="en-US" smtClean="0"/>
-              <a:t>2/4/2016</a:t>
+              <a:t>2/9/2016</a:t>
             </a:fld>
             <a:endParaRPr lang="en-US"/>
           </a:p>
@@ -7824,7 +7824,7 @@
           <a:p>
             <a:fld id="{9B9C6BD3-A386-45A9-B437-ACD036466786}" type="datetimeFigureOut">
               <a:rPr lang="en-US" smtClean="0"/>
-              <a:t>2/4/2016</a:t>
+              <a:t>2/9/2016</a:t>
             </a:fld>
             <a:endParaRPr lang="en-US"/>
           </a:p>
@@ -8037,7 +8037,7 @@
           <a:p>
             <a:fld id="{9B9C6BD3-A386-45A9-B437-ACD036466786}" type="datetimeFigureOut">
               <a:rPr lang="en-US" smtClean="0"/>
-              <a:t>2/4/2016</a:t>
+              <a:t>2/9/2016</a:t>
             </a:fld>
             <a:endParaRPr lang="en-US"/>
           </a:p>
@@ -8554,7 +8554,7 @@
                 </a:solidFill>
               </a:rPr>
               <a:pPr/>
-              <a:t>2/4/2016</a:t>
+              <a:t>2/9/2016</a:t>
             </a:fld>
             <a:endParaRPr lang="en-US">
               <a:solidFill>
@@ -11220,11 +11220,7 @@
           <a:p>
             <a:r>
               <a:rPr lang="en-US" dirty="0" smtClean="0"/>
-              <a:t>A </a:t>
-            </a:r>
-            <a:r>
-              <a:rPr lang="en-US" dirty="0" smtClean="0"/>
-              <a:t>Better Strategy</a:t>
+              <a:t>A Better Strategy</a:t>
             </a:r>
             <a:endParaRPr lang="en-US" dirty="0"/>
           </a:p>
@@ -16010,8 +16006,8 @@
           </a:p>
         </p:txBody>
       </p:sp>
-      <mc:AlternateContent xmlns:mc="http://schemas.openxmlformats.org/markup-compatibility/2006">
-        <mc:Choice xmlns:a14="http://schemas.microsoft.com/office/drawing/2010/main" Requires="a14">
+      <mc:AlternateContent xmlns:mc="http://schemas.openxmlformats.org/markup-compatibility/2006" xmlns:a14="http://schemas.microsoft.com/office/drawing/2010/main">
+        <mc:Choice Requires="a14">
           <p:sp>
             <p:nvSpPr>
               <p:cNvPr id="4" name="TextBox 3"/>
@@ -16293,7 +16289,7 @@
             </p:txBody>
           </p:sp>
         </mc:Choice>
-        <mc:Fallback>
+        <mc:Fallback xmlns="">
           <p:sp>
             <p:nvSpPr>
               <p:cNvPr id="4" name="TextBox 3"/>
@@ -16882,8 +16878,8 @@
           </a:p>
         </p:txBody>
       </p:sp>
-      <mc:AlternateContent xmlns:mc="http://schemas.openxmlformats.org/markup-compatibility/2006">
-        <mc:Choice xmlns:a14="http://schemas.microsoft.com/office/drawing/2010/main" Requires="a14">
+      <mc:AlternateContent xmlns:mc="http://schemas.openxmlformats.org/markup-compatibility/2006" xmlns:a14="http://schemas.microsoft.com/office/drawing/2010/main">
+        <mc:Choice Requires="a14">
           <p:sp>
             <p:nvSpPr>
               <p:cNvPr id="17" name="TextBox 16"/>
@@ -17014,7 +17010,7 @@
             </p:txBody>
           </p:sp>
         </mc:Choice>
-        <mc:Fallback>
+        <mc:Fallback xmlns="">
           <p:sp>
             <p:nvSpPr>
               <p:cNvPr id="17" name="TextBox 16"/>
@@ -17053,8 +17049,8 @@
           </p:sp>
         </mc:Fallback>
       </mc:AlternateContent>
-      <mc:AlternateContent xmlns:mc="http://schemas.openxmlformats.org/markup-compatibility/2006">
-        <mc:Choice xmlns:a14="http://schemas.microsoft.com/office/drawing/2010/main" Requires="a14">
+      <mc:AlternateContent xmlns:mc="http://schemas.openxmlformats.org/markup-compatibility/2006" xmlns:a14="http://schemas.microsoft.com/office/drawing/2010/main">
+        <mc:Choice Requires="a14">
           <p:sp>
             <p:nvSpPr>
               <p:cNvPr id="18" name="TextBox 17"/>
@@ -17237,7 +17233,7 @@
             </p:txBody>
           </p:sp>
         </mc:Choice>
-        <mc:Fallback>
+        <mc:Fallback xmlns="">
           <p:sp>
             <p:nvSpPr>
               <p:cNvPr id="18" name="TextBox 17"/>
@@ -29601,7 +29597,7 @@
         </p:blipFill>
         <p:spPr bwMode="auto">
           <a:xfrm>
-            <a:off x="2266805" y="1305470"/>
+            <a:off x="2266805" y="1219200"/>
             <a:ext cx="4153189" cy="1590130"/>
           </a:xfrm>
           <a:prstGeom prst="rect">
